--- a/docs/Durante.pptx
+++ b/docs/Durante.pptx
@@ -7,6 +7,15 @@
   <p:sldIdLst>
     <p:sldId id="262" r:id="rId2"/>
     <p:sldId id="263" r:id="rId3"/>
+    <p:sldId id="264" r:id="rId4"/>
+    <p:sldId id="265" r:id="rId5"/>
+    <p:sldId id="266" r:id="rId6"/>
+    <p:sldId id="272" r:id="rId7"/>
+    <p:sldId id="267" r:id="rId8"/>
+    <p:sldId id="268" r:id="rId9"/>
+    <p:sldId id="269" r:id="rId10"/>
+    <p:sldId id="270" r:id="rId11"/>
+    <p:sldId id="271" r:id="rId12"/>
   </p:sldIdLst>
   <p:sldSz cx="12192000" cy="6858000"/>
   <p:notesSz cx="6858000" cy="9144000"/>
@@ -105,6 +114,11 @@
       </a:defRPr>
     </a:lvl9pPr>
   </p:defaultTextStyle>
+  <p:extLst>
+    <p:ext uri="{EFAFB233-063F-42B5-8137-9DF3F51BA10A}">
+      <p15:sldGuideLst xmlns:p15="http://schemas.microsoft.com/office/powerpoint/2012/main"/>
+    </p:ext>
+  </p:extLst>
 </p:presentation>
 </file>
 
@@ -299,7 +313,7 @@
           <a:p>
             <a:fld id="{4CF66AC2-8794-458B-B795-F93CFA6F0210}" type="datetimeFigureOut">
               <a:rPr lang="en-GB" smtClean="0"/>
-              <a:t>10/10/2023</a:t>
+              <a:t>14/10/2023</a:t>
             </a:fld>
             <a:endParaRPr lang="en-GB"/>
           </a:p>
@@ -735,7 +749,7 @@
           <a:p>
             <a:fld id="{4CF66AC2-8794-458B-B795-F93CFA6F0210}" type="datetimeFigureOut">
               <a:rPr lang="en-GB" smtClean="0"/>
-              <a:t>10/10/2023</a:t>
+              <a:t>14/10/2023</a:t>
             </a:fld>
             <a:endParaRPr lang="en-GB"/>
           </a:p>
@@ -985,7 +999,7 @@
           <a:p>
             <a:fld id="{4CF66AC2-8794-458B-B795-F93CFA6F0210}" type="datetimeFigureOut">
               <a:rPr lang="en-GB" smtClean="0"/>
-              <a:t>10/10/2023</a:t>
+              <a:t>14/10/2023</a:t>
             </a:fld>
             <a:endParaRPr lang="en-GB"/>
           </a:p>
@@ -1293,7 +1307,7 @@
           <a:p>
             <a:fld id="{4CF66AC2-8794-458B-B795-F93CFA6F0210}" type="datetimeFigureOut">
               <a:rPr lang="en-GB" smtClean="0"/>
-              <a:t>10/10/2023</a:t>
+              <a:t>14/10/2023</a:t>
             </a:fld>
             <a:endParaRPr lang="en-GB"/>
           </a:p>
@@ -1611,7 +1625,7 @@
           <a:p>
             <a:fld id="{4CF66AC2-8794-458B-B795-F93CFA6F0210}" type="datetimeFigureOut">
               <a:rPr lang="en-GB" smtClean="0"/>
-              <a:t>10/10/2023</a:t>
+              <a:t>14/10/2023</a:t>
             </a:fld>
             <a:endParaRPr lang="en-GB"/>
           </a:p>
@@ -1913,7 +1927,7 @@
           <a:p>
             <a:fld id="{4CF66AC2-8794-458B-B795-F93CFA6F0210}" type="datetimeFigureOut">
               <a:rPr lang="en-GB" smtClean="0"/>
-              <a:t>10/10/2023</a:t>
+              <a:t>14/10/2023</a:t>
             </a:fld>
             <a:endParaRPr lang="en-GB"/>
           </a:p>
@@ -2280,7 +2294,7 @@
           <a:p>
             <a:fld id="{4CF66AC2-8794-458B-B795-F93CFA6F0210}" type="datetimeFigureOut">
               <a:rPr lang="en-GB" smtClean="0"/>
-              <a:t>10/10/2023</a:t>
+              <a:t>14/10/2023</a:t>
             </a:fld>
             <a:endParaRPr lang="en-GB"/>
           </a:p>
@@ -2454,7 +2468,7 @@
           <a:p>
             <a:fld id="{4CF66AC2-8794-458B-B795-F93CFA6F0210}" type="datetimeFigureOut">
               <a:rPr lang="en-GB" smtClean="0"/>
-              <a:t>10/10/2023</a:t>
+              <a:t>14/10/2023</a:t>
             </a:fld>
             <a:endParaRPr lang="en-GB"/>
           </a:p>
@@ -2634,7 +2648,7 @@
           <a:p>
             <a:fld id="{4CF66AC2-8794-458B-B795-F93CFA6F0210}" type="datetimeFigureOut">
               <a:rPr lang="en-GB" smtClean="0"/>
-              <a:t>10/10/2023</a:t>
+              <a:t>14/10/2023</a:t>
             </a:fld>
             <a:endParaRPr lang="en-GB"/>
           </a:p>
@@ -2804,7 +2818,7 @@
           <a:p>
             <a:fld id="{4CF66AC2-8794-458B-B795-F93CFA6F0210}" type="datetimeFigureOut">
               <a:rPr lang="en-GB" smtClean="0"/>
-              <a:t>10/10/2023</a:t>
+              <a:t>14/10/2023</a:t>
             </a:fld>
             <a:endParaRPr lang="en-GB"/>
           </a:p>
@@ -3054,7 +3068,7 @@
           <a:p>
             <a:fld id="{4CF66AC2-8794-458B-B795-F93CFA6F0210}" type="datetimeFigureOut">
               <a:rPr lang="en-GB" smtClean="0"/>
-              <a:t>10/10/2023</a:t>
+              <a:t>14/10/2023</a:t>
             </a:fld>
             <a:endParaRPr lang="en-GB"/>
           </a:p>
@@ -3290,7 +3304,7 @@
           <a:p>
             <a:fld id="{4CF66AC2-8794-458B-B795-F93CFA6F0210}" type="datetimeFigureOut">
               <a:rPr lang="en-GB" smtClean="0"/>
-              <a:t>10/10/2023</a:t>
+              <a:t>14/10/2023</a:t>
             </a:fld>
             <a:endParaRPr lang="en-GB"/>
           </a:p>
@@ -3672,7 +3686,7 @@
           <a:p>
             <a:fld id="{4CF66AC2-8794-458B-B795-F93CFA6F0210}" type="datetimeFigureOut">
               <a:rPr lang="en-GB" smtClean="0"/>
-              <a:t>10/10/2023</a:t>
+              <a:t>14/10/2023</a:t>
             </a:fld>
             <a:endParaRPr lang="en-GB"/>
           </a:p>
@@ -3790,7 +3804,7 @@
           <a:p>
             <a:fld id="{4CF66AC2-8794-458B-B795-F93CFA6F0210}" type="datetimeFigureOut">
               <a:rPr lang="en-GB" smtClean="0"/>
-              <a:t>10/10/2023</a:t>
+              <a:t>14/10/2023</a:t>
             </a:fld>
             <a:endParaRPr lang="en-GB"/>
           </a:p>
@@ -3885,7 +3899,7 @@
           <a:p>
             <a:fld id="{4CF66AC2-8794-458B-B795-F93CFA6F0210}" type="datetimeFigureOut">
               <a:rPr lang="en-GB" smtClean="0"/>
-              <a:t>10/10/2023</a:t>
+              <a:t>14/10/2023</a:t>
             </a:fld>
             <a:endParaRPr lang="en-GB"/>
           </a:p>
@@ -4140,7 +4154,7 @@
           <a:p>
             <a:fld id="{4CF66AC2-8794-458B-B795-F93CFA6F0210}" type="datetimeFigureOut">
               <a:rPr lang="en-GB" smtClean="0"/>
-              <a:t>10/10/2023</a:t>
+              <a:t>14/10/2023</a:t>
             </a:fld>
             <a:endParaRPr lang="en-GB"/>
           </a:p>
@@ -4423,7 +4437,7 @@
           <a:p>
             <a:fld id="{4CF66AC2-8794-458B-B795-F93CFA6F0210}" type="datetimeFigureOut">
               <a:rPr lang="en-GB" smtClean="0"/>
-              <a:t>10/10/2023</a:t>
+              <a:t>14/10/2023</a:t>
             </a:fld>
             <a:endParaRPr lang="en-GB"/>
           </a:p>
@@ -4829,7 +4843,7 @@
           <a:p>
             <a:fld id="{4CF66AC2-8794-458B-B795-F93CFA6F0210}" type="datetimeFigureOut">
               <a:rPr lang="en-GB" smtClean="0"/>
-              <a:t>10/10/2023</a:t>
+              <a:t>14/10/2023</a:t>
             </a:fld>
             <a:endParaRPr lang="en-GB"/>
           </a:p>
@@ -5825,6 +5839,837 @@
 </p:sld>
 </file>
 
+<file path=ppt/slides/slide10.xml><?xml version="1.0" encoding="utf-8"?>
+<p:sld xmlns:a="http://schemas.openxmlformats.org/drawingml/2006/main" xmlns:r="http://schemas.openxmlformats.org/officeDocument/2006/relationships" xmlns:p="http://schemas.openxmlformats.org/presentationml/2006/main">
+  <p:cSld>
+    <p:spTree>
+      <p:nvGrpSpPr>
+        <p:cNvPr id="1" name=""/>
+        <p:cNvGrpSpPr/>
+        <p:nvPr/>
+      </p:nvGrpSpPr>
+      <p:grpSpPr>
+        <a:xfrm>
+          <a:off x="0" y="0"/>
+          <a:ext cx="0" cy="0"/>
+          <a:chOff x="0" y="0"/>
+          <a:chExt cx="0" cy="0"/>
+        </a:xfrm>
+      </p:grpSpPr>
+      <p:sp>
+        <p:nvSpPr>
+          <p:cNvPr id="2" name="Titolo 1">
+            <a:extLst>
+              <a:ext uri="{FF2B5EF4-FFF2-40B4-BE49-F238E27FC236}">
+                <a16:creationId xmlns:a16="http://schemas.microsoft.com/office/drawing/2014/main" id="{B5D5D573-9A6B-3EA1-7E60-83C50E4DDFF1}"/>
+              </a:ext>
+            </a:extLst>
+          </p:cNvPr>
+          <p:cNvSpPr>
+            <a:spLocks noGrp="1"/>
+          </p:cNvSpPr>
+          <p:nvPr>
+            <p:ph type="title"/>
+          </p:nvPr>
+        </p:nvSpPr>
+        <p:spPr>
+          <a:xfrm>
+            <a:off x="684212" y="4846766"/>
+            <a:ext cx="8534400" cy="1507067"/>
+          </a:xfrm>
+        </p:spPr>
+        <p:txBody>
+          <a:bodyPr/>
+          <a:lstStyle/>
+          <a:p>
+            <a:r>
+              <a:rPr lang="it-IT" dirty="0" err="1"/>
+              <a:t>TESTing</a:t>
+            </a:r>
+          </a:p>
+        </p:txBody>
+      </p:sp>
+      <p:pic>
+        <p:nvPicPr>
+          <p:cNvPr id="3" name="Immagine 2" descr="File:JUnit 5 Banner.png - Wikipedia">
+            <a:extLst>
+              <a:ext uri="{FF2B5EF4-FFF2-40B4-BE49-F238E27FC236}">
+                <a16:creationId xmlns:a16="http://schemas.microsoft.com/office/drawing/2014/main" id="{9F9C6007-A4FB-717E-A100-42687BF3ED19}"/>
+              </a:ext>
+            </a:extLst>
+          </p:cNvPr>
+          <p:cNvPicPr>
+            <a:picLocks noChangeAspect="1"/>
+          </p:cNvPicPr>
+          <p:nvPr/>
+        </p:nvPicPr>
+        <p:blipFill>
+          <a:blip r:embed="rId2"/>
+          <a:stretch>
+            <a:fillRect/>
+          </a:stretch>
+        </p:blipFill>
+        <p:spPr>
+          <a:xfrm>
+            <a:off x="8908212" y="796549"/>
+            <a:ext cx="2743197" cy="836675"/>
+          </a:xfrm>
+          <a:prstGeom prst="rect">
+            <a:avLst/>
+          </a:prstGeom>
+        </p:spPr>
+      </p:pic>
+      <p:pic>
+        <p:nvPicPr>
+          <p:cNvPr id="5" name="Immagine 4" descr="SPRING BOOT: come far generare un WAR a Spring Boot – ultimatecodingblog">
+            <a:extLst>
+              <a:ext uri="{FF2B5EF4-FFF2-40B4-BE49-F238E27FC236}">
+                <a16:creationId xmlns:a16="http://schemas.microsoft.com/office/drawing/2014/main" id="{D3FE881D-55D5-10B2-C420-2A756CA5B78D}"/>
+              </a:ext>
+            </a:extLst>
+          </p:cNvPr>
+          <p:cNvPicPr>
+            <a:picLocks noChangeAspect="1"/>
+          </p:cNvPicPr>
+          <p:nvPr/>
+        </p:nvPicPr>
+        <p:blipFill>
+          <a:blip r:embed="rId3"/>
+          <a:stretch>
+            <a:fillRect/>
+          </a:stretch>
+        </p:blipFill>
+        <p:spPr>
+          <a:xfrm>
+            <a:off x="8908212" y="2608968"/>
+            <a:ext cx="2743199" cy="1438780"/>
+          </a:xfrm>
+          <a:prstGeom prst="rect">
+            <a:avLst/>
+          </a:prstGeom>
+        </p:spPr>
+      </p:pic>
+      <p:pic>
+        <p:nvPicPr>
+          <p:cNvPr id="6" name="Immagine 5" descr="pytest - Wikipedia">
+            <a:extLst>
+              <a:ext uri="{FF2B5EF4-FFF2-40B4-BE49-F238E27FC236}">
+                <a16:creationId xmlns:a16="http://schemas.microsoft.com/office/drawing/2014/main" id="{E51FAB8E-6D5B-2C1B-C1E6-2E0DD73D5C35}"/>
+              </a:ext>
+            </a:extLst>
+          </p:cNvPr>
+          <p:cNvPicPr>
+            <a:picLocks noChangeAspect="1"/>
+          </p:cNvPicPr>
+          <p:nvPr/>
+        </p:nvPicPr>
+        <p:blipFill>
+          <a:blip r:embed="rId4"/>
+          <a:stretch>
+            <a:fillRect/>
+          </a:stretch>
+        </p:blipFill>
+        <p:spPr>
+          <a:xfrm>
+            <a:off x="598098" y="404003"/>
+            <a:ext cx="1621767" cy="1621767"/>
+          </a:xfrm>
+          <a:prstGeom prst="rect">
+            <a:avLst/>
+          </a:prstGeom>
+          <a:solidFill>
+            <a:srgbClr val="FFFFFF">
+              <a:shade val="85000"/>
+            </a:srgbClr>
+          </a:solidFill>
+          <a:ln w="88900" cap="sq">
+            <a:solidFill>
+              <a:srgbClr val="FFFFFF"/>
+            </a:solidFill>
+            <a:miter lim="800000"/>
+          </a:ln>
+          <a:effectLst>
+            <a:outerShdw blurRad="55000" dist="18000" dir="5400000" algn="tl" rotWithShape="0">
+              <a:srgbClr val="000000">
+                <a:alpha val="40000"/>
+              </a:srgbClr>
+            </a:outerShdw>
+          </a:effectLst>
+          <a:scene3d>
+            <a:camera prst="orthographicFront"/>
+            <a:lightRig rig="twoPt" dir="t">
+              <a:rot lat="0" lon="0" rev="7200000"/>
+            </a:lightRig>
+          </a:scene3d>
+          <a:sp3d>
+            <a:bevelT w="25400" h="19050"/>
+            <a:contourClr>
+              <a:srgbClr val="FFFFFF"/>
+            </a:contourClr>
+          </a:sp3d>
+        </p:spPr>
+      </p:pic>
+      <p:pic>
+        <p:nvPicPr>
+          <p:cNvPr id="7" name="Immagine 6" descr="Achieving 100% Code Coverage with Python Unittest Library for Reliable  Programs - Future Tech Forge">
+            <a:extLst>
+              <a:ext uri="{FF2B5EF4-FFF2-40B4-BE49-F238E27FC236}">
+                <a16:creationId xmlns:a16="http://schemas.microsoft.com/office/drawing/2014/main" id="{C3933671-895E-B856-9A29-92C4B23E7F1B}"/>
+              </a:ext>
+            </a:extLst>
+          </p:cNvPr>
+          <p:cNvPicPr>
+            <a:picLocks noChangeAspect="1"/>
+          </p:cNvPicPr>
+          <p:nvPr/>
+        </p:nvPicPr>
+        <p:blipFill>
+          <a:blip r:embed="rId5"/>
+          <a:stretch>
+            <a:fillRect/>
+          </a:stretch>
+        </p:blipFill>
+        <p:spPr>
+          <a:xfrm>
+            <a:off x="2282316" y="181783"/>
+            <a:ext cx="1718275" cy="1994320"/>
+          </a:xfrm>
+          <a:prstGeom prst="rect">
+            <a:avLst/>
+          </a:prstGeom>
+        </p:spPr>
+      </p:pic>
+      <p:pic>
+        <p:nvPicPr>
+          <p:cNvPr id="9" name="Immagine 8" descr="Python (programming language) - Wikipedia">
+            <a:extLst>
+              <a:ext uri="{FF2B5EF4-FFF2-40B4-BE49-F238E27FC236}">
+                <a16:creationId xmlns:a16="http://schemas.microsoft.com/office/drawing/2014/main" id="{0C2D0867-289D-8C96-D2FE-BC23E4A64104}"/>
+              </a:ext>
+            </a:extLst>
+          </p:cNvPr>
+          <p:cNvPicPr>
+            <a:picLocks noChangeAspect="1"/>
+          </p:cNvPicPr>
+          <p:nvPr/>
+        </p:nvPicPr>
+        <p:blipFill>
+          <a:blip r:embed="rId6"/>
+          <a:stretch>
+            <a:fillRect/>
+          </a:stretch>
+        </p:blipFill>
+        <p:spPr>
+          <a:xfrm>
+            <a:off x="1834551" y="2917993"/>
+            <a:ext cx="1650522" cy="1784015"/>
+          </a:xfrm>
+          <a:prstGeom prst="rect">
+            <a:avLst/>
+          </a:prstGeom>
+        </p:spPr>
+      </p:pic>
+      <p:pic>
+        <p:nvPicPr>
+          <p:cNvPr id="10" name="Immagine 9" descr="Cypress for Software Testing: Fast and Reliable End-to-End Testing">
+            <a:extLst>
+              <a:ext uri="{FF2B5EF4-FFF2-40B4-BE49-F238E27FC236}">
+                <a16:creationId xmlns:a16="http://schemas.microsoft.com/office/drawing/2014/main" id="{523C63A1-AB72-E2A8-FF65-39018D407BBD}"/>
+              </a:ext>
+            </a:extLst>
+          </p:cNvPr>
+          <p:cNvPicPr>
+            <a:picLocks noChangeAspect="1"/>
+          </p:cNvPicPr>
+          <p:nvPr/>
+        </p:nvPicPr>
+        <p:blipFill>
+          <a:blip r:embed="rId7"/>
+          <a:stretch>
+            <a:fillRect/>
+          </a:stretch>
+        </p:blipFill>
+        <p:spPr>
+          <a:xfrm>
+            <a:off x="4307458" y="282241"/>
+            <a:ext cx="3577083" cy="902008"/>
+          </a:xfrm>
+          <a:prstGeom prst="rect">
+            <a:avLst/>
+          </a:prstGeom>
+        </p:spPr>
+      </p:pic>
+      <p:graphicFrame>
+        <p:nvGraphicFramePr>
+          <p:cNvPr id="15" name="Tabella 14">
+            <a:extLst>
+              <a:ext uri="{FF2B5EF4-FFF2-40B4-BE49-F238E27FC236}">
+                <a16:creationId xmlns:a16="http://schemas.microsoft.com/office/drawing/2014/main" id="{5C1E7426-E1CF-D362-6910-F7662406A132}"/>
+              </a:ext>
+            </a:extLst>
+          </p:cNvPr>
+          <p:cNvGraphicFramePr>
+            <a:graphicFrameLocks noGrp="1"/>
+          </p:cNvGraphicFramePr>
+          <p:nvPr/>
+        </p:nvGraphicFramePr>
+        <p:xfrm>
+          <a:off x="4557622" y="2006441"/>
+          <a:ext cx="2954156" cy="4474494"/>
+        </p:xfrm>
+        <a:graphic>
+          <a:graphicData uri="http://schemas.openxmlformats.org/drawingml/2006/table">
+            <a:tbl>
+              <a:tblPr firstRow="1" bandRow="1">
+                <a:tableStyleId>{5C22544A-7EE6-4342-B048-85BDC9FD1C3A}</a:tableStyleId>
+              </a:tblPr>
+              <a:tblGrid>
+                <a:gridCol w="2954156">
+                  <a:extLst>
+                    <a:ext uri="{9D8B030D-6E8A-4147-A177-3AD203B41FA5}">
+                      <a16:colId xmlns:a16="http://schemas.microsoft.com/office/drawing/2014/main" val="1933285794"/>
+                    </a:ext>
+                  </a:extLst>
+                </a:gridCol>
+              </a:tblGrid>
+              <a:tr h="455032">
+                <a:tc>
+                  <a:txBody>
+                    <a:bodyPr/>
+                    <a:lstStyle/>
+                    <a:p>
+                      <a:pPr algn="ctr"/>
+                      <a:r>
+                        <a:rPr lang="it-IT" dirty="0"/>
+                        <a:t>UI</a:t>
+                      </a:r>
+                    </a:p>
+                  </a:txBody>
+                  <a:tcPr anchor="ctr"/>
+                </a:tc>
+                <a:extLst>
+                  <a:ext uri="{0D108BD9-81ED-4DB2-BD59-A6C34878D82A}">
+                    <a16:rowId xmlns:a16="http://schemas.microsoft.com/office/drawing/2014/main" val="1427985647"/>
+                  </a:ext>
+                </a:extLst>
+              </a:tr>
+              <a:tr h="4019462">
+                <a:tc>
+                  <a:txBody>
+                    <a:bodyPr/>
+                    <a:lstStyle/>
+                    <a:p>
+                      <a:pPr lvl="0">
+                        <a:buNone/>
+                      </a:pPr>
+                      <a:endParaRPr lang="it-IT" dirty="0"/>
+                    </a:p>
+                  </a:txBody>
+                  <a:tcPr>
+                    <a:noFill/>
+                  </a:tcPr>
+                </a:tc>
+                <a:extLst>
+                  <a:ext uri="{0D108BD9-81ED-4DB2-BD59-A6C34878D82A}">
+                    <a16:rowId xmlns:a16="http://schemas.microsoft.com/office/drawing/2014/main" val="2440660680"/>
+                  </a:ext>
+                </a:extLst>
+              </a:tr>
+            </a:tbl>
+          </a:graphicData>
+        </a:graphic>
+      </p:graphicFrame>
+      <p:pic>
+        <p:nvPicPr>
+          <p:cNvPr id="17" name="Immagine 16" descr="Immagine che contiene cerchio, Elementi grafici, arte, simbolo&#10;&#10;Descrizione generata automaticamente">
+            <a:extLst>
+              <a:ext uri="{FF2B5EF4-FFF2-40B4-BE49-F238E27FC236}">
+                <a16:creationId xmlns:a16="http://schemas.microsoft.com/office/drawing/2014/main" id="{5F742E58-9F53-87D6-FC17-97EB310E43C8}"/>
+              </a:ext>
+            </a:extLst>
+          </p:cNvPr>
+          <p:cNvPicPr>
+            <a:picLocks noChangeAspect="1"/>
+          </p:cNvPicPr>
+          <p:nvPr/>
+        </p:nvPicPr>
+        <p:blipFill>
+          <a:blip r:embed="rId8"/>
+          <a:stretch>
+            <a:fillRect/>
+          </a:stretch>
+        </p:blipFill>
+        <p:spPr>
+          <a:xfrm>
+            <a:off x="5500777" y="2827390"/>
+            <a:ext cx="1204825" cy="1204825"/>
+          </a:xfrm>
+          <a:prstGeom prst="rect">
+            <a:avLst/>
+          </a:prstGeom>
+        </p:spPr>
+      </p:pic>
+      <p:pic>
+        <p:nvPicPr>
+          <p:cNvPr id="19" name="Immagine 18" descr="Cos'è Axios e a cosa serve">
+            <a:extLst>
+              <a:ext uri="{FF2B5EF4-FFF2-40B4-BE49-F238E27FC236}">
+                <a16:creationId xmlns:a16="http://schemas.microsoft.com/office/drawing/2014/main" id="{4A22E3C7-F5D1-2C84-4569-E981A311F2A4}"/>
+              </a:ext>
+            </a:extLst>
+          </p:cNvPr>
+          <p:cNvPicPr>
+            <a:picLocks noChangeAspect="1"/>
+          </p:cNvPicPr>
+          <p:nvPr/>
+        </p:nvPicPr>
+        <p:blipFill>
+          <a:blip r:embed="rId9"/>
+          <a:stretch>
+            <a:fillRect/>
+          </a:stretch>
+        </p:blipFill>
+        <p:spPr>
+          <a:xfrm>
+            <a:off x="4710021" y="4202906"/>
+            <a:ext cx="1391729" cy="1101881"/>
+          </a:xfrm>
+          <a:prstGeom prst="rect">
+            <a:avLst/>
+          </a:prstGeom>
+        </p:spPr>
+      </p:pic>
+      <p:pic>
+        <p:nvPicPr>
+          <p:cNvPr id="21" name="Immagine 20" descr="SockJS-node download | SourceForge.net">
+            <a:extLst>
+              <a:ext uri="{FF2B5EF4-FFF2-40B4-BE49-F238E27FC236}">
+                <a16:creationId xmlns:a16="http://schemas.microsoft.com/office/drawing/2014/main" id="{BDBE34E4-8C8B-D560-DE8E-86098E5DF811}"/>
+              </a:ext>
+            </a:extLst>
+          </p:cNvPr>
+          <p:cNvPicPr>
+            <a:picLocks noChangeAspect="1"/>
+          </p:cNvPicPr>
+          <p:nvPr/>
+        </p:nvPicPr>
+        <p:blipFill>
+          <a:blip r:embed="rId10"/>
+          <a:stretch>
+            <a:fillRect/>
+          </a:stretch>
+        </p:blipFill>
+        <p:spPr>
+          <a:xfrm>
+            <a:off x="6026807" y="4934928"/>
+            <a:ext cx="1317325" cy="1245438"/>
+          </a:xfrm>
+          <a:prstGeom prst="rect">
+            <a:avLst/>
+          </a:prstGeom>
+        </p:spPr>
+      </p:pic>
+      <p:cxnSp>
+        <p:nvCxnSpPr>
+          <p:cNvPr id="23" name="Connettore 2 22">
+            <a:extLst>
+              <a:ext uri="{FF2B5EF4-FFF2-40B4-BE49-F238E27FC236}">
+                <a16:creationId xmlns:a16="http://schemas.microsoft.com/office/drawing/2014/main" id="{5EAEF316-166F-B359-FDDD-B964D74C0E56}"/>
+              </a:ext>
+            </a:extLst>
+          </p:cNvPr>
+          <p:cNvCxnSpPr>
+            <a:cxnSpLocks/>
+          </p:cNvCxnSpPr>
+          <p:nvPr/>
+        </p:nvCxnSpPr>
+        <p:spPr>
+          <a:xfrm>
+            <a:off x="6544574" y="3899939"/>
+            <a:ext cx="281798" cy="1403229"/>
+          </a:xfrm>
+          <a:prstGeom prst="straightConnector1">
+            <a:avLst/>
+          </a:prstGeom>
+          <a:ln w="57150">
+            <a:solidFill>
+              <a:schemeClr val="accent1"/>
+            </a:solidFill>
+            <a:headEnd type="triangle"/>
+            <a:tailEnd type="triangle"/>
+          </a:ln>
+        </p:spPr>
+        <p:style>
+          <a:lnRef idx="1">
+            <a:schemeClr val="accent1"/>
+          </a:lnRef>
+          <a:fillRef idx="0">
+            <a:schemeClr val="accent1"/>
+          </a:fillRef>
+          <a:effectRef idx="0">
+            <a:schemeClr val="accent1"/>
+          </a:effectRef>
+          <a:fontRef idx="minor">
+            <a:schemeClr val="tx1"/>
+          </a:fontRef>
+        </p:style>
+      </p:cxnSp>
+      <p:cxnSp>
+        <p:nvCxnSpPr>
+          <p:cNvPr id="24" name="Connettore 2 23">
+            <a:extLst>
+              <a:ext uri="{FF2B5EF4-FFF2-40B4-BE49-F238E27FC236}">
+                <a16:creationId xmlns:a16="http://schemas.microsoft.com/office/drawing/2014/main" id="{C2B6D314-3086-8CC8-5EEB-571CDD236811}"/>
+              </a:ext>
+            </a:extLst>
+          </p:cNvPr>
+          <p:cNvCxnSpPr>
+            <a:cxnSpLocks/>
+          </p:cNvCxnSpPr>
+          <p:nvPr/>
+        </p:nvCxnSpPr>
+        <p:spPr>
+          <a:xfrm flipH="1">
+            <a:off x="5245928" y="4012828"/>
+            <a:ext cx="494313" cy="542452"/>
+          </a:xfrm>
+          <a:prstGeom prst="straightConnector1">
+            <a:avLst/>
+          </a:prstGeom>
+          <a:ln w="57150">
+            <a:solidFill>
+              <a:schemeClr val="accent1"/>
+            </a:solidFill>
+            <a:headEnd type="triangle"/>
+            <a:tailEnd type="triangle"/>
+          </a:ln>
+        </p:spPr>
+        <p:style>
+          <a:lnRef idx="1">
+            <a:schemeClr val="accent1"/>
+          </a:lnRef>
+          <a:fillRef idx="0">
+            <a:schemeClr val="accent1"/>
+          </a:fillRef>
+          <a:effectRef idx="0">
+            <a:schemeClr val="accent1"/>
+          </a:effectRef>
+          <a:fontRef idx="minor">
+            <a:schemeClr val="tx1"/>
+          </a:fontRef>
+        </p:style>
+      </p:cxnSp>
+      <p:cxnSp>
+        <p:nvCxnSpPr>
+          <p:cNvPr id="25" name="Connettore 2 24">
+            <a:extLst>
+              <a:ext uri="{FF2B5EF4-FFF2-40B4-BE49-F238E27FC236}">
+                <a16:creationId xmlns:a16="http://schemas.microsoft.com/office/drawing/2014/main" id="{863F2F33-48EE-0C4F-29A7-35BB777931C9}"/>
+              </a:ext>
+            </a:extLst>
+          </p:cNvPr>
+          <p:cNvCxnSpPr>
+            <a:cxnSpLocks/>
+          </p:cNvCxnSpPr>
+          <p:nvPr/>
+        </p:nvCxnSpPr>
+        <p:spPr>
+          <a:xfrm>
+            <a:off x="1323463" y="2150161"/>
+            <a:ext cx="747465" cy="796451"/>
+          </a:xfrm>
+          <a:prstGeom prst="straightConnector1">
+            <a:avLst/>
+          </a:prstGeom>
+          <a:ln w="57150">
+            <a:solidFill>
+              <a:schemeClr val="accent1"/>
+            </a:solidFill>
+            <a:headEnd type="none"/>
+            <a:tailEnd type="triangle"/>
+          </a:ln>
+        </p:spPr>
+        <p:style>
+          <a:lnRef idx="1">
+            <a:schemeClr val="accent1"/>
+          </a:lnRef>
+          <a:fillRef idx="0">
+            <a:schemeClr val="accent1"/>
+          </a:fillRef>
+          <a:effectRef idx="0">
+            <a:schemeClr val="accent1"/>
+          </a:effectRef>
+          <a:fontRef idx="minor">
+            <a:schemeClr val="tx1"/>
+          </a:fontRef>
+        </p:style>
+      </p:cxnSp>
+      <p:cxnSp>
+        <p:nvCxnSpPr>
+          <p:cNvPr id="26" name="Connettore 2 25">
+            <a:extLst>
+              <a:ext uri="{FF2B5EF4-FFF2-40B4-BE49-F238E27FC236}">
+                <a16:creationId xmlns:a16="http://schemas.microsoft.com/office/drawing/2014/main" id="{FA76AABF-199A-FC86-2D88-CFD18BBCDFEB}"/>
+              </a:ext>
+            </a:extLst>
+          </p:cNvPr>
+          <p:cNvCxnSpPr>
+            <a:cxnSpLocks/>
+          </p:cNvCxnSpPr>
+          <p:nvPr/>
+        </p:nvCxnSpPr>
+        <p:spPr>
+          <a:xfrm flipH="1">
+            <a:off x="2720038" y="2150161"/>
+            <a:ext cx="494314" cy="725895"/>
+          </a:xfrm>
+          <a:prstGeom prst="straightConnector1">
+            <a:avLst/>
+          </a:prstGeom>
+          <a:ln w="57150">
+            <a:solidFill>
+              <a:schemeClr val="accent1"/>
+            </a:solidFill>
+            <a:headEnd type="none"/>
+            <a:tailEnd type="triangle"/>
+          </a:ln>
+        </p:spPr>
+        <p:style>
+          <a:lnRef idx="1">
+            <a:schemeClr val="accent1"/>
+          </a:lnRef>
+          <a:fillRef idx="0">
+            <a:schemeClr val="accent1"/>
+          </a:fillRef>
+          <a:effectRef idx="0">
+            <a:schemeClr val="accent1"/>
+          </a:effectRef>
+          <a:fontRef idx="minor">
+            <a:schemeClr val="tx1"/>
+          </a:fontRef>
+        </p:style>
+      </p:cxnSp>
+      <p:cxnSp>
+        <p:nvCxnSpPr>
+          <p:cNvPr id="27" name="Connettore 2 26">
+            <a:extLst>
+              <a:ext uri="{FF2B5EF4-FFF2-40B4-BE49-F238E27FC236}">
+                <a16:creationId xmlns:a16="http://schemas.microsoft.com/office/drawing/2014/main" id="{56E09D23-DDB6-56FF-FA14-1810A5E42917}"/>
+              </a:ext>
+            </a:extLst>
+          </p:cNvPr>
+          <p:cNvCxnSpPr>
+            <a:cxnSpLocks/>
+          </p:cNvCxnSpPr>
+          <p:nvPr/>
+        </p:nvCxnSpPr>
+        <p:spPr>
+          <a:xfrm>
+            <a:off x="10269906" y="1712716"/>
+            <a:ext cx="13687" cy="1064563"/>
+          </a:xfrm>
+          <a:prstGeom prst="straightConnector1">
+            <a:avLst/>
+          </a:prstGeom>
+          <a:ln w="57150">
+            <a:solidFill>
+              <a:schemeClr val="accent1"/>
+            </a:solidFill>
+            <a:headEnd type="none"/>
+            <a:tailEnd type="triangle"/>
+          </a:ln>
+        </p:spPr>
+        <p:style>
+          <a:lnRef idx="1">
+            <a:schemeClr val="accent1"/>
+          </a:lnRef>
+          <a:fillRef idx="0">
+            <a:schemeClr val="accent1"/>
+          </a:fillRef>
+          <a:effectRef idx="0">
+            <a:schemeClr val="accent1"/>
+          </a:effectRef>
+          <a:fontRef idx="minor">
+            <a:schemeClr val="tx1"/>
+          </a:fontRef>
+        </p:style>
+      </p:cxnSp>
+      <p:cxnSp>
+        <p:nvCxnSpPr>
+          <p:cNvPr id="28" name="Connettore 2 27">
+            <a:extLst>
+              <a:ext uri="{FF2B5EF4-FFF2-40B4-BE49-F238E27FC236}">
+                <a16:creationId xmlns:a16="http://schemas.microsoft.com/office/drawing/2014/main" id="{8EDA7A8C-8347-1AC6-EA16-5AF44DBB9A7D}"/>
+              </a:ext>
+            </a:extLst>
+          </p:cNvPr>
+          <p:cNvCxnSpPr>
+            <a:cxnSpLocks/>
+          </p:cNvCxnSpPr>
+          <p:nvPr/>
+        </p:nvCxnSpPr>
+        <p:spPr>
+          <a:xfrm>
+            <a:off x="6022463" y="1218828"/>
+            <a:ext cx="13687" cy="683562"/>
+          </a:xfrm>
+          <a:prstGeom prst="straightConnector1">
+            <a:avLst/>
+          </a:prstGeom>
+          <a:ln w="57150">
+            <a:solidFill>
+              <a:schemeClr val="accent1"/>
+            </a:solidFill>
+            <a:headEnd type="none"/>
+            <a:tailEnd type="triangle"/>
+          </a:ln>
+        </p:spPr>
+        <p:style>
+          <a:lnRef idx="1">
+            <a:schemeClr val="accent1"/>
+          </a:lnRef>
+          <a:fillRef idx="0">
+            <a:schemeClr val="accent1"/>
+          </a:fillRef>
+          <a:effectRef idx="0">
+            <a:schemeClr val="accent1"/>
+          </a:effectRef>
+          <a:fontRef idx="minor">
+            <a:schemeClr val="tx1"/>
+          </a:fontRef>
+        </p:style>
+      </p:cxnSp>
+    </p:spTree>
+    <p:extLst>
+      <p:ext uri="{BB962C8B-B14F-4D97-AF65-F5344CB8AC3E}">
+        <p14:creationId xmlns:p14="http://schemas.microsoft.com/office/powerpoint/2010/main" val="1119904193"/>
+      </p:ext>
+    </p:extLst>
+  </p:cSld>
+  <p:clrMapOvr>
+    <a:masterClrMapping/>
+  </p:clrMapOvr>
+</p:sld>
+</file>
+
+<file path=ppt/slides/slide11.xml><?xml version="1.0" encoding="utf-8"?>
+<p:sld xmlns:a="http://schemas.openxmlformats.org/drawingml/2006/main" xmlns:r="http://schemas.openxmlformats.org/officeDocument/2006/relationships" xmlns:p="http://schemas.openxmlformats.org/presentationml/2006/main">
+  <p:cSld>
+    <p:spTree>
+      <p:nvGrpSpPr>
+        <p:cNvPr id="1" name=""/>
+        <p:cNvGrpSpPr/>
+        <p:nvPr/>
+      </p:nvGrpSpPr>
+      <p:grpSpPr>
+        <a:xfrm>
+          <a:off x="0" y="0"/>
+          <a:ext cx="0" cy="0"/>
+          <a:chOff x="0" y="0"/>
+          <a:chExt cx="0" cy="0"/>
+        </a:xfrm>
+      </p:grpSpPr>
+      <p:sp>
+        <p:nvSpPr>
+          <p:cNvPr id="2" name="Titolo 1">
+            <a:extLst>
+              <a:ext uri="{FF2B5EF4-FFF2-40B4-BE49-F238E27FC236}">
+                <a16:creationId xmlns:a16="http://schemas.microsoft.com/office/drawing/2014/main" id="{B757F9A5-F4F6-2048-D304-DE5C0B267366}"/>
+              </a:ext>
+            </a:extLst>
+          </p:cNvPr>
+          <p:cNvSpPr>
+            <a:spLocks noGrp="1"/>
+          </p:cNvSpPr>
+          <p:nvPr>
+            <p:ph type="title"/>
+          </p:nvPr>
+        </p:nvSpPr>
+        <p:spPr/>
+        <p:txBody>
+          <a:bodyPr/>
+          <a:lstStyle/>
+          <a:p>
+            <a:r>
+              <a:rPr lang="it-IT" dirty="0"/>
+              <a:t>CI/CD PIPELINES</a:t>
+            </a:r>
+          </a:p>
+        </p:txBody>
+      </p:sp>
+      <p:pic>
+        <p:nvPicPr>
+          <p:cNvPr id="3" name="Immagine 2" descr="File:GitLab logo.svg - Wikipedia">
+            <a:extLst>
+              <a:ext uri="{FF2B5EF4-FFF2-40B4-BE49-F238E27FC236}">
+                <a16:creationId xmlns:a16="http://schemas.microsoft.com/office/drawing/2014/main" id="{7589B3E3-2D39-C9C5-5F1F-C3CA806F4421}"/>
+              </a:ext>
+            </a:extLst>
+          </p:cNvPr>
+          <p:cNvPicPr>
+            <a:picLocks noChangeAspect="1"/>
+          </p:cNvPicPr>
+          <p:nvPr/>
+        </p:nvPicPr>
+        <p:blipFill>
+          <a:blip r:embed="rId2"/>
+          <a:stretch>
+            <a:fillRect/>
+          </a:stretch>
+        </p:blipFill>
+        <p:spPr>
+          <a:xfrm>
+            <a:off x="4724400" y="1245594"/>
+            <a:ext cx="2743199" cy="839033"/>
+          </a:xfrm>
+          <a:prstGeom prst="rect">
+            <a:avLst/>
+          </a:prstGeom>
+        </p:spPr>
+      </p:pic>
+      <p:pic>
+        <p:nvPicPr>
+          <p:cNvPr id="5" name="Immagine 4">
+            <a:extLst>
+              <a:ext uri="{FF2B5EF4-FFF2-40B4-BE49-F238E27FC236}">
+                <a16:creationId xmlns:a16="http://schemas.microsoft.com/office/drawing/2014/main" id="{DA41C4EE-7D3B-F200-3CC6-D25E7443BDF0}"/>
+              </a:ext>
+            </a:extLst>
+          </p:cNvPr>
+          <p:cNvPicPr>
+            <a:picLocks noChangeAspect="1"/>
+          </p:cNvPicPr>
+          <p:nvPr/>
+        </p:nvPicPr>
+        <p:blipFill>
+          <a:blip r:embed="rId3"/>
+          <a:stretch>
+            <a:fillRect/>
+          </a:stretch>
+        </p:blipFill>
+        <p:spPr>
+          <a:xfrm>
+            <a:off x="321734" y="3139397"/>
+            <a:ext cx="11407421" cy="339318"/>
+          </a:xfrm>
+          <a:prstGeom prst="rect">
+            <a:avLst/>
+          </a:prstGeom>
+        </p:spPr>
+      </p:pic>
+    </p:spTree>
+    <p:extLst>
+      <p:ext uri="{BB962C8B-B14F-4D97-AF65-F5344CB8AC3E}">
+        <p14:creationId xmlns:p14="http://schemas.microsoft.com/office/powerpoint/2010/main" val="2159441118"/>
+      </p:ext>
+    </p:extLst>
+  </p:cSld>
+  <p:clrMapOvr>
+    <a:masterClrMapping/>
+  </p:clrMapOvr>
+</p:sld>
+</file>
+
 <file path=ppt/slides/slide2.xml><?xml version="1.0" encoding="utf-8"?>
 <p:sld xmlns:a="http://schemas.openxmlformats.org/drawingml/2006/main" xmlns:r="http://schemas.openxmlformats.org/officeDocument/2006/relationships" xmlns:p="http://schemas.openxmlformats.org/presentationml/2006/main">
   <p:cSld>
@@ -5860,7 +6705,7 @@
         </p:nvSpPr>
         <p:spPr>
           <a:xfrm>
-            <a:off x="6096000" y="671112"/>
+            <a:off x="5896824" y="1377276"/>
             <a:ext cx="5483323" cy="1507067"/>
           </a:xfrm>
         </p:spPr>
@@ -5912,10 +6757,4562 @@
           </a:prstGeom>
         </p:spPr>
       </p:pic>
+      <p:sp>
+        <p:nvSpPr>
+          <p:cNvPr id="3" name="CasellaDiTesto 2">
+            <a:extLst>
+              <a:ext uri="{FF2B5EF4-FFF2-40B4-BE49-F238E27FC236}">
+                <a16:creationId xmlns:a16="http://schemas.microsoft.com/office/drawing/2014/main" id="{B1D7E95B-DD69-0A5F-34F0-3AA96C200FD6}"/>
+              </a:ext>
+            </a:extLst>
+          </p:cNvPr>
+          <p:cNvSpPr txBox="1"/>
+          <p:nvPr/>
+        </p:nvSpPr>
+        <p:spPr>
+          <a:xfrm>
+            <a:off x="5477347" y="3536207"/>
+            <a:ext cx="6174463" cy="1754326"/>
+          </a:xfrm>
+          <a:prstGeom prst="rect">
+            <a:avLst/>
+          </a:prstGeom>
+          <a:noFill/>
+        </p:spPr>
+        <p:txBody>
+          <a:bodyPr wrap="square" rtlCol="0">
+            <a:spAutoFit/>
+          </a:bodyPr>
+          <a:lstStyle/>
+          <a:p>
+            <a:r>
+              <a:rPr lang="it-IT" dirty="0"/>
+              <a:t>Groups:</a:t>
+            </a:r>
+          </a:p>
+          <a:p>
+            <a:pPr marL="285750" indent="-285750">
+              <a:buFont typeface="Arial" panose="020B0604020202020204" pitchFamily="34" charset="0"/>
+              <a:buChar char="•"/>
+            </a:pPr>
+            <a:r>
+              <a:rPr lang="it-IT" dirty="0"/>
+              <a:t>Input Flow</a:t>
+            </a:r>
+          </a:p>
+          <a:p>
+            <a:pPr marL="285750" indent="-285750">
+              <a:buFont typeface="Arial" panose="020B0604020202020204" pitchFamily="34" charset="0"/>
+              <a:buChar char="•"/>
+            </a:pPr>
+            <a:r>
+              <a:rPr lang="en-GB" dirty="0"/>
+              <a:t>Data Management</a:t>
+            </a:r>
+          </a:p>
+          <a:p>
+            <a:pPr marL="285750" indent="-285750">
+              <a:buFont typeface="Arial" panose="020B0604020202020204" pitchFamily="34" charset="0"/>
+              <a:buChar char="•"/>
+            </a:pPr>
+            <a:r>
+              <a:rPr lang="en-GB" dirty="0"/>
+              <a:t>User Interface</a:t>
+            </a:r>
+          </a:p>
+          <a:p>
+            <a:pPr marL="285750" indent="-285750">
+              <a:buFont typeface="Arial" panose="020B0604020202020204" pitchFamily="34" charset="0"/>
+              <a:buChar char="•"/>
+            </a:pPr>
+            <a:r>
+              <a:rPr lang="en-GB" dirty="0"/>
+              <a:t>Authentication</a:t>
+            </a:r>
+          </a:p>
+          <a:p>
+            <a:pPr marL="285750" indent="-285750">
+              <a:buFont typeface="Arial" panose="020B0604020202020204" pitchFamily="34" charset="0"/>
+              <a:buChar char="•"/>
+            </a:pPr>
+            <a:r>
+              <a:rPr lang="en-GB" dirty="0"/>
+              <a:t>Monitoring</a:t>
+            </a:r>
+          </a:p>
+        </p:txBody>
+      </p:sp>
     </p:spTree>
     <p:extLst>
       <p:ext uri="{BB962C8B-B14F-4D97-AF65-F5344CB8AC3E}">
         <p14:creationId xmlns:p14="http://schemas.microsoft.com/office/powerpoint/2010/main" val="1459613043"/>
+      </p:ext>
+    </p:extLst>
+  </p:cSld>
+  <p:clrMapOvr>
+    <a:masterClrMapping/>
+  </p:clrMapOvr>
+</p:sld>
+</file>
+
+<file path=ppt/slides/slide3.xml><?xml version="1.0" encoding="utf-8"?>
+<p:sld xmlns:a="http://schemas.openxmlformats.org/drawingml/2006/main" xmlns:r="http://schemas.openxmlformats.org/officeDocument/2006/relationships" xmlns:p="http://schemas.openxmlformats.org/presentationml/2006/main">
+  <p:cSld>
+    <p:spTree>
+      <p:nvGrpSpPr>
+        <p:cNvPr id="1" name=""/>
+        <p:cNvGrpSpPr/>
+        <p:nvPr/>
+      </p:nvGrpSpPr>
+      <p:grpSpPr>
+        <a:xfrm>
+          <a:off x="0" y="0"/>
+          <a:ext cx="0" cy="0"/>
+          <a:chOff x="0" y="0"/>
+          <a:chExt cx="0" cy="0"/>
+        </a:xfrm>
+      </p:grpSpPr>
+      <p:sp>
+        <p:nvSpPr>
+          <p:cNvPr id="2" name="Titolo 1">
+            <a:extLst>
+              <a:ext uri="{FF2B5EF4-FFF2-40B4-BE49-F238E27FC236}">
+                <a16:creationId xmlns:a16="http://schemas.microsoft.com/office/drawing/2014/main" id="{EB2C43BE-3C0B-63DE-9821-D3A304427B5A}"/>
+              </a:ext>
+            </a:extLst>
+          </p:cNvPr>
+          <p:cNvSpPr>
+            <a:spLocks noGrp="1"/>
+          </p:cNvSpPr>
+          <p:nvPr>
+            <p:ph type="title"/>
+          </p:nvPr>
+        </p:nvSpPr>
+        <p:spPr/>
+        <p:txBody>
+          <a:bodyPr/>
+          <a:lstStyle/>
+          <a:p>
+            <a:r>
+              <a:rPr lang="it-IT"/>
+              <a:t>Core technologies</a:t>
+            </a:r>
+            <a:endParaRPr lang="en-GB" dirty="0"/>
+          </a:p>
+        </p:txBody>
+      </p:sp>
+      <p:pic>
+        <p:nvPicPr>
+          <p:cNvPr id="1026" name="Picture 2">
+            <a:extLst>
+              <a:ext uri="{FF2B5EF4-FFF2-40B4-BE49-F238E27FC236}">
+                <a16:creationId xmlns:a16="http://schemas.microsoft.com/office/drawing/2014/main" id="{A21692F4-FEAF-2D27-C33E-B0F3D3A82DE9}"/>
+              </a:ext>
+            </a:extLst>
+          </p:cNvPr>
+          <p:cNvPicPr>
+            <a:picLocks noChangeAspect="1" noChangeArrowheads="1"/>
+          </p:cNvPicPr>
+          <p:nvPr/>
+        </p:nvPicPr>
+        <p:blipFill>
+          <a:blip r:embed="rId2">
+            <a:extLst>
+              <a:ext uri="{28A0092B-C50C-407E-A947-70E740481C1C}">
+                <a14:useLocalDpi xmlns:a14="http://schemas.microsoft.com/office/drawing/2010/main" val="0"/>
+              </a:ext>
+            </a:extLst>
+          </a:blip>
+          <a:srcRect/>
+          <a:stretch/>
+        </p:blipFill>
+        <p:spPr bwMode="auto">
+          <a:xfrm>
+            <a:off x="2452548" y="582484"/>
+            <a:ext cx="7286904" cy="4101484"/>
+          </a:xfrm>
+          <a:prstGeom prst="rect">
+            <a:avLst/>
+          </a:prstGeom>
+          <a:noFill/>
+          <a:extLst>
+            <a:ext uri="{909E8E84-426E-40DD-AFC4-6F175D3DCCD1}">
+              <a14:hiddenFill xmlns:a14="http://schemas.microsoft.com/office/drawing/2010/main">
+                <a:solidFill>
+                  <a:srgbClr val="FFFFFF"/>
+                </a:solidFill>
+              </a14:hiddenFill>
+            </a:ext>
+          </a:extLst>
+        </p:spPr>
+      </p:pic>
+    </p:spTree>
+    <p:extLst>
+      <p:ext uri="{BB962C8B-B14F-4D97-AF65-F5344CB8AC3E}">
+        <p14:creationId xmlns:p14="http://schemas.microsoft.com/office/powerpoint/2010/main" val="752713332"/>
+      </p:ext>
+    </p:extLst>
+  </p:cSld>
+  <p:clrMapOvr>
+    <a:masterClrMapping/>
+  </p:clrMapOvr>
+</p:sld>
+</file>
+
+<file path=ppt/slides/slide4.xml><?xml version="1.0" encoding="utf-8"?>
+<p:sld xmlns:a="http://schemas.openxmlformats.org/drawingml/2006/main" xmlns:r="http://schemas.openxmlformats.org/officeDocument/2006/relationships" xmlns:p="http://schemas.openxmlformats.org/presentationml/2006/main">
+  <p:cSld>
+    <p:spTree>
+      <p:nvGrpSpPr>
+        <p:cNvPr id="1" name=""/>
+        <p:cNvGrpSpPr/>
+        <p:nvPr/>
+      </p:nvGrpSpPr>
+      <p:grpSpPr>
+        <a:xfrm>
+          <a:off x="0" y="0"/>
+          <a:ext cx="0" cy="0"/>
+          <a:chOff x="0" y="0"/>
+          <a:chExt cx="0" cy="0"/>
+        </a:xfrm>
+      </p:grpSpPr>
+      <p:sp>
+        <p:nvSpPr>
+          <p:cNvPr id="2" name="Titolo 1">
+            <a:extLst>
+              <a:ext uri="{FF2B5EF4-FFF2-40B4-BE49-F238E27FC236}">
+                <a16:creationId xmlns:a16="http://schemas.microsoft.com/office/drawing/2014/main" id="{C2D3F037-0EED-D04D-970C-284483AC07A6}"/>
+              </a:ext>
+            </a:extLst>
+          </p:cNvPr>
+          <p:cNvSpPr>
+            <a:spLocks noGrp="1"/>
+          </p:cNvSpPr>
+          <p:nvPr>
+            <p:ph type="title"/>
+          </p:nvPr>
+        </p:nvSpPr>
+        <p:spPr/>
+        <p:txBody>
+          <a:bodyPr/>
+          <a:lstStyle/>
+          <a:p>
+            <a:r>
+              <a:rPr lang="it-IT" dirty="0"/>
+              <a:t>Event Streaming Bus</a:t>
+            </a:r>
+            <a:endParaRPr lang="en-GB" dirty="0"/>
+          </a:p>
+        </p:txBody>
+      </p:sp>
+      <p:pic>
+        <p:nvPicPr>
+          <p:cNvPr id="2050" name="Picture 2" descr="Apache Kafka: flusso di dati in tempo reale | OVHcloud">
+            <a:extLst>
+              <a:ext uri="{FF2B5EF4-FFF2-40B4-BE49-F238E27FC236}">
+                <a16:creationId xmlns:a16="http://schemas.microsoft.com/office/drawing/2014/main" id="{C6A6D6A0-0581-38F0-FED0-B837039F81E9}"/>
+              </a:ext>
+            </a:extLst>
+          </p:cNvPr>
+          <p:cNvPicPr>
+            <a:picLocks noChangeAspect="1" noChangeArrowheads="1"/>
+          </p:cNvPicPr>
+          <p:nvPr/>
+        </p:nvPicPr>
+        <p:blipFill>
+          <a:blip r:embed="rId2">
+            <a:extLst>
+              <a:ext uri="{28A0092B-C50C-407E-A947-70E740481C1C}">
+                <a14:useLocalDpi xmlns:a14="http://schemas.microsoft.com/office/drawing/2010/main" val="0"/>
+              </a:ext>
+            </a:extLst>
+          </a:blip>
+          <a:srcRect/>
+          <a:stretch>
+            <a:fillRect/>
+          </a:stretch>
+        </p:blipFill>
+        <p:spPr bwMode="auto">
+          <a:xfrm>
+            <a:off x="272755" y="921826"/>
+            <a:ext cx="5165977" cy="1997926"/>
+          </a:xfrm>
+          <a:prstGeom prst="rect">
+            <a:avLst/>
+          </a:prstGeom>
+          <a:noFill/>
+          <a:extLst>
+            <a:ext uri="{909E8E84-426E-40DD-AFC4-6F175D3DCCD1}">
+              <a14:hiddenFill xmlns:a14="http://schemas.microsoft.com/office/drawing/2010/main">
+                <a:solidFill>
+                  <a:srgbClr val="FFFFFF"/>
+                </a:solidFill>
+              </a14:hiddenFill>
+            </a:ext>
+          </a:extLst>
+        </p:spPr>
+      </p:pic>
+      <p:pic>
+        <p:nvPicPr>
+          <p:cNvPr id="2054" name="Picture 6" descr="Apache ZooKeeper - Wikipedia">
+            <a:extLst>
+              <a:ext uri="{FF2B5EF4-FFF2-40B4-BE49-F238E27FC236}">
+                <a16:creationId xmlns:a16="http://schemas.microsoft.com/office/drawing/2014/main" id="{40E4FC86-CE64-9271-D618-BF9D434071D8}"/>
+              </a:ext>
+            </a:extLst>
+          </p:cNvPr>
+          <p:cNvPicPr>
+            <a:picLocks noChangeAspect="1" noChangeArrowheads="1"/>
+          </p:cNvPicPr>
+          <p:nvPr/>
+        </p:nvPicPr>
+        <p:blipFill>
+          <a:blip r:embed="rId3">
+            <a:extLst>
+              <a:ext uri="{28A0092B-C50C-407E-A947-70E740481C1C}">
+                <a14:useLocalDpi xmlns:a14="http://schemas.microsoft.com/office/drawing/2010/main" val="0"/>
+              </a:ext>
+            </a:extLst>
+          </a:blip>
+          <a:srcRect/>
+          <a:stretch>
+            <a:fillRect/>
+          </a:stretch>
+        </p:blipFill>
+        <p:spPr bwMode="auto">
+          <a:xfrm>
+            <a:off x="7568476" y="372742"/>
+            <a:ext cx="2454498" cy="1325429"/>
+          </a:xfrm>
+          <a:prstGeom prst="rect">
+            <a:avLst/>
+          </a:prstGeom>
+          <a:noFill/>
+          <a:extLst>
+            <a:ext uri="{909E8E84-426E-40DD-AFC4-6F175D3DCCD1}">
+              <a14:hiddenFill xmlns:a14="http://schemas.microsoft.com/office/drawing/2010/main">
+                <a:solidFill>
+                  <a:srgbClr val="FFFFFF"/>
+                </a:solidFill>
+              </a14:hiddenFill>
+            </a:ext>
+          </a:extLst>
+        </p:spPr>
+      </p:pic>
+      <p:pic>
+        <p:nvPicPr>
+          <p:cNvPr id="2056" name="Picture 8" descr="WhiteBoard Coder: Prometheus and JMX">
+            <a:extLst>
+              <a:ext uri="{FF2B5EF4-FFF2-40B4-BE49-F238E27FC236}">
+                <a16:creationId xmlns:a16="http://schemas.microsoft.com/office/drawing/2014/main" id="{84F5E5C8-A0C4-418F-FCDC-3F7A22974765}"/>
+              </a:ext>
+            </a:extLst>
+          </p:cNvPr>
+          <p:cNvPicPr>
+            <a:picLocks noChangeAspect="1" noChangeArrowheads="1"/>
+          </p:cNvPicPr>
+          <p:nvPr/>
+        </p:nvPicPr>
+        <p:blipFill>
+          <a:blip r:embed="rId4">
+            <a:extLst>
+              <a:ext uri="{28A0092B-C50C-407E-A947-70E740481C1C}">
+                <a14:useLocalDpi xmlns:a14="http://schemas.microsoft.com/office/drawing/2010/main" val="0"/>
+              </a:ext>
+            </a:extLst>
+          </a:blip>
+          <a:srcRect/>
+          <a:stretch>
+            <a:fillRect/>
+          </a:stretch>
+        </p:blipFill>
+        <p:spPr bwMode="auto">
+          <a:xfrm>
+            <a:off x="7847113" y="1920789"/>
+            <a:ext cx="1894046" cy="1894046"/>
+          </a:xfrm>
+          <a:prstGeom prst="rect">
+            <a:avLst/>
+          </a:prstGeom>
+          <a:noFill/>
+          <a:extLst>
+            <a:ext uri="{909E8E84-426E-40DD-AFC4-6F175D3DCCD1}">
+              <a14:hiddenFill xmlns:a14="http://schemas.microsoft.com/office/drawing/2010/main">
+                <a:solidFill>
+                  <a:srgbClr val="FFFFFF"/>
+                </a:solidFill>
+              </a14:hiddenFill>
+            </a:ext>
+          </a:extLst>
+        </p:spPr>
+      </p:pic>
+      <p:cxnSp>
+        <p:nvCxnSpPr>
+          <p:cNvPr id="7" name="Connettore 2 6">
+            <a:extLst>
+              <a:ext uri="{FF2B5EF4-FFF2-40B4-BE49-F238E27FC236}">
+                <a16:creationId xmlns:a16="http://schemas.microsoft.com/office/drawing/2014/main" id="{C092863E-A9EA-83E3-B409-581C015EB131}"/>
+              </a:ext>
+            </a:extLst>
+          </p:cNvPr>
+          <p:cNvCxnSpPr>
+            <a:cxnSpLocks/>
+            <a:stCxn id="2050" idx="3"/>
+            <a:endCxn id="2056" idx="1"/>
+          </p:cNvCxnSpPr>
+          <p:nvPr/>
+        </p:nvCxnSpPr>
+        <p:spPr>
+          <a:xfrm>
+            <a:off x="5438732" y="1920789"/>
+            <a:ext cx="2408381" cy="947023"/>
+          </a:xfrm>
+          <a:prstGeom prst="straightConnector1">
+            <a:avLst/>
+          </a:prstGeom>
+          <a:ln w="47625">
+            <a:solidFill>
+              <a:schemeClr val="accent1"/>
+            </a:solidFill>
+            <a:headEnd type="none"/>
+            <a:tailEnd type="triangle"/>
+          </a:ln>
+        </p:spPr>
+        <p:style>
+          <a:lnRef idx="1">
+            <a:schemeClr val="accent1"/>
+          </a:lnRef>
+          <a:fillRef idx="0">
+            <a:schemeClr val="accent1"/>
+          </a:fillRef>
+          <a:effectRef idx="0">
+            <a:schemeClr val="accent1"/>
+          </a:effectRef>
+          <a:fontRef idx="minor">
+            <a:schemeClr val="tx1"/>
+          </a:fontRef>
+        </p:style>
+      </p:cxnSp>
+      <p:cxnSp>
+        <p:nvCxnSpPr>
+          <p:cNvPr id="10" name="Connettore 2 9">
+            <a:extLst>
+              <a:ext uri="{FF2B5EF4-FFF2-40B4-BE49-F238E27FC236}">
+                <a16:creationId xmlns:a16="http://schemas.microsoft.com/office/drawing/2014/main" id="{F24A481B-1D10-98E9-DEAF-F34F6DCC9627}"/>
+              </a:ext>
+            </a:extLst>
+          </p:cNvPr>
+          <p:cNvCxnSpPr>
+            <a:cxnSpLocks/>
+            <a:stCxn id="2050" idx="3"/>
+            <a:endCxn id="2054" idx="1"/>
+          </p:cNvCxnSpPr>
+          <p:nvPr/>
+        </p:nvCxnSpPr>
+        <p:spPr>
+          <a:xfrm flipV="1">
+            <a:off x="5438732" y="1035457"/>
+            <a:ext cx="2129744" cy="885332"/>
+          </a:xfrm>
+          <a:prstGeom prst="straightConnector1">
+            <a:avLst/>
+          </a:prstGeom>
+          <a:ln w="47625">
+            <a:solidFill>
+              <a:schemeClr val="accent1"/>
+            </a:solidFill>
+            <a:headEnd type="none"/>
+            <a:tailEnd type="triangle"/>
+          </a:ln>
+        </p:spPr>
+        <p:style>
+          <a:lnRef idx="1">
+            <a:schemeClr val="accent1"/>
+          </a:lnRef>
+          <a:fillRef idx="0">
+            <a:schemeClr val="accent1"/>
+          </a:fillRef>
+          <a:effectRef idx="0">
+            <a:schemeClr val="accent1"/>
+          </a:effectRef>
+          <a:fontRef idx="minor">
+            <a:schemeClr val="tx1"/>
+          </a:fontRef>
+        </p:style>
+      </p:cxnSp>
+    </p:spTree>
+    <p:extLst>
+      <p:ext uri="{BB962C8B-B14F-4D97-AF65-F5344CB8AC3E}">
+        <p14:creationId xmlns:p14="http://schemas.microsoft.com/office/powerpoint/2010/main" val="3433571250"/>
+      </p:ext>
+    </p:extLst>
+  </p:cSld>
+  <p:clrMapOvr>
+    <a:masterClrMapping/>
+  </p:clrMapOvr>
+</p:sld>
+</file>
+
+<file path=ppt/slides/slide5.xml><?xml version="1.0" encoding="utf-8"?>
+<p:sld xmlns:a="http://schemas.openxmlformats.org/drawingml/2006/main" xmlns:r="http://schemas.openxmlformats.org/officeDocument/2006/relationships" xmlns:p="http://schemas.openxmlformats.org/presentationml/2006/main">
+  <p:cSld>
+    <p:spTree>
+      <p:nvGrpSpPr>
+        <p:cNvPr id="1" name=""/>
+        <p:cNvGrpSpPr/>
+        <p:nvPr/>
+      </p:nvGrpSpPr>
+      <p:grpSpPr>
+        <a:xfrm>
+          <a:off x="0" y="0"/>
+          <a:ext cx="0" cy="0"/>
+          <a:chOff x="0" y="0"/>
+          <a:chExt cx="0" cy="0"/>
+        </a:xfrm>
+      </p:grpSpPr>
+      <p:sp>
+        <p:nvSpPr>
+          <p:cNvPr id="2" name="Titolo 1">
+            <a:extLst>
+              <a:ext uri="{FF2B5EF4-FFF2-40B4-BE49-F238E27FC236}">
+                <a16:creationId xmlns:a16="http://schemas.microsoft.com/office/drawing/2014/main" id="{87EF96AF-38BD-E1C9-A2DF-38E1AE5089A6}"/>
+              </a:ext>
+            </a:extLst>
+          </p:cNvPr>
+          <p:cNvSpPr>
+            <a:spLocks noGrp="1"/>
+          </p:cNvSpPr>
+          <p:nvPr>
+            <p:ph type="title"/>
+          </p:nvPr>
+        </p:nvSpPr>
+        <p:spPr>
+          <a:xfrm>
+            <a:off x="7230701" y="117198"/>
+            <a:ext cx="4961299" cy="987833"/>
+          </a:xfrm>
+        </p:spPr>
+        <p:txBody>
+          <a:bodyPr/>
+          <a:lstStyle/>
+          <a:p>
+            <a:pPr algn="ctr"/>
+            <a:r>
+              <a:rPr lang="it-IT" dirty="0"/>
+              <a:t>Input Flow</a:t>
+            </a:r>
+            <a:endParaRPr lang="en-GB" dirty="0"/>
+          </a:p>
+        </p:txBody>
+      </p:sp>
+      <p:pic>
+        <p:nvPicPr>
+          <p:cNvPr id="3074" name="Picture 2">
+            <a:extLst>
+              <a:ext uri="{FF2B5EF4-FFF2-40B4-BE49-F238E27FC236}">
+                <a16:creationId xmlns:a16="http://schemas.microsoft.com/office/drawing/2014/main" id="{3E221B54-FA8F-C73D-EDDB-24D9ADB07DCB}"/>
+              </a:ext>
+            </a:extLst>
+          </p:cNvPr>
+          <p:cNvPicPr>
+            <a:picLocks noChangeAspect="1" noChangeArrowheads="1"/>
+          </p:cNvPicPr>
+          <p:nvPr/>
+        </p:nvPicPr>
+        <p:blipFill>
+          <a:blip r:embed="rId2">
+            <a:extLst>
+              <a:ext uri="{28A0092B-C50C-407E-A947-70E740481C1C}">
+                <a14:useLocalDpi xmlns:a14="http://schemas.microsoft.com/office/drawing/2010/main" val="0"/>
+              </a:ext>
+            </a:extLst>
+          </a:blip>
+          <a:srcRect/>
+          <a:stretch/>
+        </p:blipFill>
+        <p:spPr bwMode="auto">
+          <a:xfrm>
+            <a:off x="2074703" y="112163"/>
+            <a:ext cx="441338" cy="2006083"/>
+          </a:xfrm>
+          <a:prstGeom prst="rect">
+            <a:avLst/>
+          </a:prstGeom>
+          <a:noFill/>
+          <a:extLst>
+            <a:ext uri="{909E8E84-426E-40DD-AFC4-6F175D3DCCD1}">
+              <a14:hiddenFill xmlns:a14="http://schemas.microsoft.com/office/drawing/2010/main">
+                <a:solidFill>
+                  <a:srgbClr val="FFFFFF"/>
+                </a:solidFill>
+              </a14:hiddenFill>
+            </a:ext>
+          </a:extLst>
+        </p:spPr>
+      </p:pic>
+      <p:pic>
+        <p:nvPicPr>
+          <p:cNvPr id="5" name="Immagine 4">
+            <a:extLst>
+              <a:ext uri="{FF2B5EF4-FFF2-40B4-BE49-F238E27FC236}">
+                <a16:creationId xmlns:a16="http://schemas.microsoft.com/office/drawing/2014/main" id="{3F2AD655-51CF-3FFB-7CE1-F58E138F0700}"/>
+              </a:ext>
+            </a:extLst>
+          </p:cNvPr>
+          <p:cNvPicPr>
+            <a:picLocks noChangeAspect="1"/>
+          </p:cNvPicPr>
+          <p:nvPr/>
+        </p:nvPicPr>
+        <p:blipFill>
+          <a:blip r:embed="rId3"/>
+          <a:stretch>
+            <a:fillRect/>
+          </a:stretch>
+        </p:blipFill>
+        <p:spPr>
+          <a:xfrm>
+            <a:off x="1508755" y="2211355"/>
+            <a:ext cx="1573235" cy="1048567"/>
+          </a:xfrm>
+          <a:prstGeom prst="rect">
+            <a:avLst/>
+          </a:prstGeom>
+        </p:spPr>
+      </p:pic>
+      <p:pic>
+        <p:nvPicPr>
+          <p:cNvPr id="3076" name="Picture 4" descr="Solarimetro modbus con ingresso sonda temperatura esterna - PDM - cod.  SUNMETER-PRO - ITSensor - ITSensor">
+            <a:extLst>
+              <a:ext uri="{FF2B5EF4-FFF2-40B4-BE49-F238E27FC236}">
+                <a16:creationId xmlns:a16="http://schemas.microsoft.com/office/drawing/2014/main" id="{9CAFE88C-F3CD-3838-6C60-5AB8146369E9}"/>
+              </a:ext>
+            </a:extLst>
+          </p:cNvPr>
+          <p:cNvPicPr>
+            <a:picLocks noChangeAspect="1" noChangeArrowheads="1"/>
+          </p:cNvPicPr>
+          <p:nvPr/>
+        </p:nvPicPr>
+        <p:blipFill>
+          <a:blip r:embed="rId4">
+            <a:extLst>
+              <a:ext uri="{28A0092B-C50C-407E-A947-70E740481C1C}">
+                <a14:useLocalDpi xmlns:a14="http://schemas.microsoft.com/office/drawing/2010/main" val="0"/>
+              </a:ext>
+            </a:extLst>
+          </a:blip>
+          <a:srcRect/>
+          <a:stretch>
+            <a:fillRect/>
+          </a:stretch>
+        </p:blipFill>
+        <p:spPr bwMode="auto">
+          <a:xfrm>
+            <a:off x="1535900" y="3259922"/>
+            <a:ext cx="1518946" cy="1518946"/>
+          </a:xfrm>
+          <a:prstGeom prst="rect">
+            <a:avLst/>
+          </a:prstGeom>
+          <a:noFill/>
+          <a:extLst>
+            <a:ext uri="{909E8E84-426E-40DD-AFC4-6F175D3DCCD1}">
+              <a14:hiddenFill xmlns:a14="http://schemas.microsoft.com/office/drawing/2010/main">
+                <a:solidFill>
+                  <a:srgbClr val="FFFFFF"/>
+                </a:solidFill>
+              </a14:hiddenFill>
+            </a:ext>
+          </a:extLst>
+        </p:spPr>
+      </p:pic>
+      <p:pic>
+        <p:nvPicPr>
+          <p:cNvPr id="7" name="Immagine 6" descr="Immagine che contiene cilindro&#10;&#10;Descrizione generata automaticamente">
+            <a:extLst>
+              <a:ext uri="{FF2B5EF4-FFF2-40B4-BE49-F238E27FC236}">
+                <a16:creationId xmlns:a16="http://schemas.microsoft.com/office/drawing/2014/main" id="{3DB1B7C3-29CE-E0A9-12F0-497A9EA479D7}"/>
+              </a:ext>
+            </a:extLst>
+          </p:cNvPr>
+          <p:cNvPicPr>
+            <a:picLocks noChangeAspect="1"/>
+          </p:cNvPicPr>
+          <p:nvPr/>
+        </p:nvPicPr>
+        <p:blipFill>
+          <a:blip r:embed="rId5">
+            <a:extLst>
+              <a:ext uri="{28A0092B-C50C-407E-A947-70E740481C1C}">
+                <a14:useLocalDpi xmlns:a14="http://schemas.microsoft.com/office/drawing/2010/main" val="0"/>
+              </a:ext>
+            </a:extLst>
+          </a:blip>
+          <a:stretch>
+            <a:fillRect/>
+          </a:stretch>
+        </p:blipFill>
+        <p:spPr>
+          <a:xfrm>
+            <a:off x="1732160" y="4778868"/>
+            <a:ext cx="1126427" cy="1692981"/>
+          </a:xfrm>
+          <a:prstGeom prst="rect">
+            <a:avLst/>
+          </a:prstGeom>
+        </p:spPr>
+      </p:pic>
+      <p:pic>
+        <p:nvPicPr>
+          <p:cNvPr id="3080" name="Picture 8" descr="Resistenza al vento">
+            <a:extLst>
+              <a:ext uri="{FF2B5EF4-FFF2-40B4-BE49-F238E27FC236}">
+                <a16:creationId xmlns:a16="http://schemas.microsoft.com/office/drawing/2014/main" id="{A13CDD06-8382-FBBD-CC5D-4BA8722E5236}"/>
+              </a:ext>
+            </a:extLst>
+          </p:cNvPr>
+          <p:cNvPicPr>
+            <a:picLocks noChangeAspect="1" noChangeArrowheads="1"/>
+          </p:cNvPicPr>
+          <p:nvPr/>
+        </p:nvPicPr>
+        <p:blipFill>
+          <a:blip r:embed="rId6">
+            <a:extLst>
+              <a:ext uri="{28A0092B-C50C-407E-A947-70E740481C1C}">
+                <a14:useLocalDpi xmlns:a14="http://schemas.microsoft.com/office/drawing/2010/main" val="0"/>
+              </a:ext>
+            </a:extLst>
+          </a:blip>
+          <a:srcRect/>
+          <a:stretch>
+            <a:fillRect/>
+          </a:stretch>
+        </p:blipFill>
+        <p:spPr bwMode="auto">
+          <a:xfrm>
+            <a:off x="74645" y="2346299"/>
+            <a:ext cx="778678" cy="778678"/>
+          </a:xfrm>
+          <a:prstGeom prst="rect">
+            <a:avLst/>
+          </a:prstGeom>
+          <a:noFill/>
+          <a:extLst>
+            <a:ext uri="{909E8E84-426E-40DD-AFC4-6F175D3DCCD1}">
+              <a14:hiddenFill xmlns:a14="http://schemas.microsoft.com/office/drawing/2010/main">
+                <a:solidFill>
+                  <a:srgbClr val="FFFFFF"/>
+                </a:solidFill>
+              </a14:hiddenFill>
+            </a:ext>
+          </a:extLst>
+        </p:spPr>
+      </p:pic>
+      <p:pic>
+        <p:nvPicPr>
+          <p:cNvPr id="4" name="Immagine 3" descr="Immagine che contiene schermata&#10;&#10;Descrizione generata automaticamente">
+            <a:extLst>
+              <a:ext uri="{FF2B5EF4-FFF2-40B4-BE49-F238E27FC236}">
+                <a16:creationId xmlns:a16="http://schemas.microsoft.com/office/drawing/2014/main" id="{C9F0979C-DEBD-2112-D3E5-DF91F71FEEC0}"/>
+              </a:ext>
+            </a:extLst>
+          </p:cNvPr>
+          <p:cNvPicPr>
+            <a:picLocks noChangeAspect="1"/>
+          </p:cNvPicPr>
+          <p:nvPr/>
+        </p:nvPicPr>
+        <p:blipFill>
+          <a:blip r:embed="rId7">
+            <a:extLst>
+              <a:ext uri="{28A0092B-C50C-407E-A947-70E740481C1C}">
+                <a14:useLocalDpi xmlns:a14="http://schemas.microsoft.com/office/drawing/2010/main" val="0"/>
+              </a:ext>
+            </a:extLst>
+          </a:blip>
+          <a:stretch>
+            <a:fillRect/>
+          </a:stretch>
+        </p:blipFill>
+        <p:spPr>
+          <a:xfrm>
+            <a:off x="74645" y="3496473"/>
+            <a:ext cx="1045844" cy="1045844"/>
+          </a:xfrm>
+          <a:prstGeom prst="rect">
+            <a:avLst/>
+          </a:prstGeom>
+        </p:spPr>
+      </p:pic>
+      <p:pic>
+        <p:nvPicPr>
+          <p:cNvPr id="15" name="Immagine 14">
+            <a:extLst>
+              <a:ext uri="{FF2B5EF4-FFF2-40B4-BE49-F238E27FC236}">
+                <a16:creationId xmlns:a16="http://schemas.microsoft.com/office/drawing/2014/main" id="{C5C6C55C-F6EF-8501-01F8-8ACE4F72AC45}"/>
+              </a:ext>
+            </a:extLst>
+          </p:cNvPr>
+          <p:cNvPicPr>
+            <a:picLocks noChangeAspect="1"/>
+          </p:cNvPicPr>
+          <p:nvPr/>
+        </p:nvPicPr>
+        <p:blipFill>
+          <a:blip r:embed="rId8">
+            <a:extLst>
+              <a:ext uri="{28A0092B-C50C-407E-A947-70E740481C1C}">
+                <a14:useLocalDpi xmlns:a14="http://schemas.microsoft.com/office/drawing/2010/main" val="0"/>
+              </a:ext>
+            </a:extLst>
+          </a:blip>
+          <a:srcRect/>
+          <a:stretch/>
+        </p:blipFill>
+        <p:spPr>
+          <a:xfrm>
+            <a:off x="74645" y="5321258"/>
+            <a:ext cx="792004" cy="901667"/>
+          </a:xfrm>
+          <a:prstGeom prst="rect">
+            <a:avLst/>
+          </a:prstGeom>
+        </p:spPr>
+      </p:pic>
+      <p:pic>
+        <p:nvPicPr>
+          <p:cNvPr id="1026" name="Picture 2" descr="Python (programming language) - Wikipedia">
+            <a:extLst>
+              <a:ext uri="{FF2B5EF4-FFF2-40B4-BE49-F238E27FC236}">
+                <a16:creationId xmlns:a16="http://schemas.microsoft.com/office/drawing/2014/main" id="{41606BAD-1118-91DF-B236-8ACF89BCE09D}"/>
+              </a:ext>
+            </a:extLst>
+          </p:cNvPr>
+          <p:cNvPicPr>
+            <a:picLocks noChangeAspect="1" noChangeArrowheads="1"/>
+          </p:cNvPicPr>
+          <p:nvPr/>
+        </p:nvPicPr>
+        <p:blipFill>
+          <a:blip r:embed="rId9">
+            <a:extLst>
+              <a:ext uri="{28A0092B-C50C-407E-A947-70E740481C1C}">
+                <a14:useLocalDpi xmlns:a14="http://schemas.microsoft.com/office/drawing/2010/main" val="0"/>
+              </a:ext>
+            </a:extLst>
+          </a:blip>
+          <a:srcRect/>
+          <a:stretch>
+            <a:fillRect/>
+          </a:stretch>
+        </p:blipFill>
+        <p:spPr bwMode="auto">
+          <a:xfrm>
+            <a:off x="3668872" y="396851"/>
+            <a:ext cx="1292428" cy="1416359"/>
+          </a:xfrm>
+          <a:prstGeom prst="rect">
+            <a:avLst/>
+          </a:prstGeom>
+          <a:noFill/>
+          <a:extLst>
+            <a:ext uri="{909E8E84-426E-40DD-AFC4-6F175D3DCCD1}">
+              <a14:hiddenFill xmlns:a14="http://schemas.microsoft.com/office/drawing/2010/main">
+                <a:solidFill>
+                  <a:srgbClr val="FFFFFF"/>
+                </a:solidFill>
+              </a14:hiddenFill>
+            </a:ext>
+          </a:extLst>
+        </p:spPr>
+      </p:pic>
+      <p:pic>
+        <p:nvPicPr>
+          <p:cNvPr id="3" name="Picture 2" descr="Python (programming language) - Wikipedia">
+            <a:extLst>
+              <a:ext uri="{FF2B5EF4-FFF2-40B4-BE49-F238E27FC236}">
+                <a16:creationId xmlns:a16="http://schemas.microsoft.com/office/drawing/2014/main" id="{E8921F0D-4F6F-519A-4C1B-F2389D84B246}"/>
+              </a:ext>
+            </a:extLst>
+          </p:cNvPr>
+          <p:cNvPicPr>
+            <a:picLocks noChangeAspect="1" noChangeArrowheads="1"/>
+          </p:cNvPicPr>
+          <p:nvPr/>
+        </p:nvPicPr>
+        <p:blipFill>
+          <a:blip r:embed="rId9">
+            <a:extLst>
+              <a:ext uri="{28A0092B-C50C-407E-A947-70E740481C1C}">
+                <a14:useLocalDpi xmlns:a14="http://schemas.microsoft.com/office/drawing/2010/main" val="0"/>
+              </a:ext>
+            </a:extLst>
+          </a:blip>
+          <a:srcRect/>
+          <a:stretch>
+            <a:fillRect/>
+          </a:stretch>
+        </p:blipFill>
+        <p:spPr bwMode="auto">
+          <a:xfrm>
+            <a:off x="3674175" y="2106273"/>
+            <a:ext cx="1292428" cy="1416359"/>
+          </a:xfrm>
+          <a:prstGeom prst="rect">
+            <a:avLst/>
+          </a:prstGeom>
+          <a:noFill/>
+          <a:extLst>
+            <a:ext uri="{909E8E84-426E-40DD-AFC4-6F175D3DCCD1}">
+              <a14:hiddenFill xmlns:a14="http://schemas.microsoft.com/office/drawing/2010/main">
+                <a:solidFill>
+                  <a:srgbClr val="FFFFFF"/>
+                </a:solidFill>
+              </a14:hiddenFill>
+            </a:ext>
+          </a:extLst>
+        </p:spPr>
+      </p:pic>
+      <p:pic>
+        <p:nvPicPr>
+          <p:cNvPr id="6" name="Picture 2" descr="Python (programming language) - Wikipedia">
+            <a:extLst>
+              <a:ext uri="{FF2B5EF4-FFF2-40B4-BE49-F238E27FC236}">
+                <a16:creationId xmlns:a16="http://schemas.microsoft.com/office/drawing/2014/main" id="{6AD22AFA-BE2D-08FD-15AE-F9BAE63A6227}"/>
+              </a:ext>
+            </a:extLst>
+          </p:cNvPr>
+          <p:cNvPicPr>
+            <a:picLocks noChangeAspect="1" noChangeArrowheads="1"/>
+          </p:cNvPicPr>
+          <p:nvPr/>
+        </p:nvPicPr>
+        <p:blipFill>
+          <a:blip r:embed="rId9">
+            <a:extLst>
+              <a:ext uri="{28A0092B-C50C-407E-A947-70E740481C1C}">
+                <a14:useLocalDpi xmlns:a14="http://schemas.microsoft.com/office/drawing/2010/main" val="0"/>
+              </a:ext>
+            </a:extLst>
+          </a:blip>
+          <a:srcRect/>
+          <a:stretch>
+            <a:fillRect/>
+          </a:stretch>
+        </p:blipFill>
+        <p:spPr bwMode="auto">
+          <a:xfrm>
+            <a:off x="3668872" y="3522632"/>
+            <a:ext cx="1292428" cy="1416359"/>
+          </a:xfrm>
+          <a:prstGeom prst="rect">
+            <a:avLst/>
+          </a:prstGeom>
+          <a:noFill/>
+          <a:extLst>
+            <a:ext uri="{909E8E84-426E-40DD-AFC4-6F175D3DCCD1}">
+              <a14:hiddenFill xmlns:a14="http://schemas.microsoft.com/office/drawing/2010/main">
+                <a:solidFill>
+                  <a:srgbClr val="FFFFFF"/>
+                </a:solidFill>
+              </a14:hiddenFill>
+            </a:ext>
+          </a:extLst>
+        </p:spPr>
+      </p:pic>
+      <p:pic>
+        <p:nvPicPr>
+          <p:cNvPr id="10" name="Picture 2" descr="Python (programming language) - Wikipedia">
+            <a:extLst>
+              <a:ext uri="{FF2B5EF4-FFF2-40B4-BE49-F238E27FC236}">
+                <a16:creationId xmlns:a16="http://schemas.microsoft.com/office/drawing/2014/main" id="{E03FE147-5A3F-6288-9389-ECB46C3B9A8B}"/>
+              </a:ext>
+            </a:extLst>
+          </p:cNvPr>
+          <p:cNvPicPr>
+            <a:picLocks noChangeAspect="1" noChangeArrowheads="1"/>
+          </p:cNvPicPr>
+          <p:nvPr/>
+        </p:nvPicPr>
+        <p:blipFill>
+          <a:blip r:embed="rId9">
+            <a:extLst>
+              <a:ext uri="{28A0092B-C50C-407E-A947-70E740481C1C}">
+                <a14:useLocalDpi xmlns:a14="http://schemas.microsoft.com/office/drawing/2010/main" val="0"/>
+              </a:ext>
+            </a:extLst>
+          </a:blip>
+          <a:srcRect/>
+          <a:stretch>
+            <a:fillRect/>
+          </a:stretch>
+        </p:blipFill>
+        <p:spPr bwMode="auto">
+          <a:xfrm>
+            <a:off x="3724098" y="5078480"/>
+            <a:ext cx="1292428" cy="1416359"/>
+          </a:xfrm>
+          <a:prstGeom prst="rect">
+            <a:avLst/>
+          </a:prstGeom>
+          <a:noFill/>
+          <a:extLst>
+            <a:ext uri="{909E8E84-426E-40DD-AFC4-6F175D3DCCD1}">
+              <a14:hiddenFill xmlns:a14="http://schemas.microsoft.com/office/drawing/2010/main">
+                <a:solidFill>
+                  <a:srgbClr val="FFFFFF"/>
+                </a:solidFill>
+              </a14:hiddenFill>
+            </a:ext>
+          </a:extLst>
+        </p:spPr>
+      </p:pic>
+      <p:pic>
+        <p:nvPicPr>
+          <p:cNvPr id="1028" name="Picture 4" descr="Apache kafka - Download free icons">
+            <a:extLst>
+              <a:ext uri="{FF2B5EF4-FFF2-40B4-BE49-F238E27FC236}">
+                <a16:creationId xmlns:a16="http://schemas.microsoft.com/office/drawing/2014/main" id="{B2E7A650-B21E-17A5-B501-9237BFD39BBD}"/>
+              </a:ext>
+            </a:extLst>
+          </p:cNvPr>
+          <p:cNvPicPr>
+            <a:picLocks noChangeAspect="1" noChangeArrowheads="1"/>
+          </p:cNvPicPr>
+          <p:nvPr/>
+        </p:nvPicPr>
+        <p:blipFill>
+          <a:blip r:embed="rId10">
+            <a:extLst>
+              <a:ext uri="{28A0092B-C50C-407E-A947-70E740481C1C}">
+                <a14:useLocalDpi xmlns:a14="http://schemas.microsoft.com/office/drawing/2010/main" val="0"/>
+              </a:ext>
+            </a:extLst>
+          </a:blip>
+          <a:srcRect/>
+          <a:stretch>
+            <a:fillRect/>
+          </a:stretch>
+        </p:blipFill>
+        <p:spPr bwMode="auto">
+          <a:xfrm>
+            <a:off x="6612378" y="851025"/>
+            <a:ext cx="2096940" cy="2096940"/>
+          </a:xfrm>
+          <a:prstGeom prst="rect">
+            <a:avLst/>
+          </a:prstGeom>
+          <a:noFill/>
+          <a:extLst>
+            <a:ext uri="{909E8E84-426E-40DD-AFC4-6F175D3DCCD1}">
+              <a14:hiddenFill xmlns:a14="http://schemas.microsoft.com/office/drawing/2010/main">
+                <a:solidFill>
+                  <a:srgbClr val="FFFFFF"/>
+                </a:solidFill>
+              </a14:hiddenFill>
+            </a:ext>
+          </a:extLst>
+        </p:spPr>
+      </p:pic>
+      <p:pic>
+        <p:nvPicPr>
+          <p:cNvPr id="1040" name="Picture 2" descr="Python (programming language) - Wikipedia">
+            <a:extLst>
+              <a:ext uri="{FF2B5EF4-FFF2-40B4-BE49-F238E27FC236}">
+                <a16:creationId xmlns:a16="http://schemas.microsoft.com/office/drawing/2014/main" id="{9F5168A4-A072-043F-6FAD-903E2107CF44}"/>
+              </a:ext>
+            </a:extLst>
+          </p:cNvPr>
+          <p:cNvPicPr>
+            <a:picLocks noChangeAspect="1" noChangeArrowheads="1"/>
+          </p:cNvPicPr>
+          <p:nvPr/>
+        </p:nvPicPr>
+        <p:blipFill>
+          <a:blip r:embed="rId9">
+            <a:extLst>
+              <a:ext uri="{28A0092B-C50C-407E-A947-70E740481C1C}">
+                <a14:useLocalDpi xmlns:a14="http://schemas.microsoft.com/office/drawing/2010/main" val="0"/>
+              </a:ext>
+            </a:extLst>
+          </a:blip>
+          <a:srcRect/>
+          <a:stretch>
+            <a:fillRect/>
+          </a:stretch>
+        </p:blipFill>
+        <p:spPr bwMode="auto">
+          <a:xfrm>
+            <a:off x="7660848" y="4654465"/>
+            <a:ext cx="1292428" cy="1416359"/>
+          </a:xfrm>
+          <a:prstGeom prst="rect">
+            <a:avLst/>
+          </a:prstGeom>
+          <a:noFill/>
+          <a:extLst>
+            <a:ext uri="{909E8E84-426E-40DD-AFC4-6F175D3DCCD1}">
+              <a14:hiddenFill xmlns:a14="http://schemas.microsoft.com/office/drawing/2010/main">
+                <a:solidFill>
+                  <a:srgbClr val="FFFFFF"/>
+                </a:solidFill>
+              </a14:hiddenFill>
+            </a:ext>
+          </a:extLst>
+        </p:spPr>
+      </p:pic>
+      <p:sp>
+        <p:nvSpPr>
+          <p:cNvPr id="1044" name="CasellaDiTesto 1043">
+            <a:extLst>
+              <a:ext uri="{FF2B5EF4-FFF2-40B4-BE49-F238E27FC236}">
+                <a16:creationId xmlns:a16="http://schemas.microsoft.com/office/drawing/2014/main" id="{CA9274CB-D7B3-9D11-A19D-5235238961FC}"/>
+              </a:ext>
+            </a:extLst>
+          </p:cNvPr>
+          <p:cNvSpPr txBox="1"/>
+          <p:nvPr/>
+        </p:nvSpPr>
+        <p:spPr>
+          <a:xfrm>
+            <a:off x="3724098" y="49147"/>
+            <a:ext cx="1292428" cy="369332"/>
+          </a:xfrm>
+          <a:prstGeom prst="rect">
+            <a:avLst/>
+          </a:prstGeom>
+          <a:noFill/>
+        </p:spPr>
+        <p:txBody>
+          <a:bodyPr wrap="square" rtlCol="0">
+            <a:spAutoFit/>
+          </a:bodyPr>
+          <a:lstStyle/>
+          <a:p>
+            <a:r>
+              <a:rPr lang="it-IT" dirty="0" err="1"/>
+              <a:t>Adapters</a:t>
+            </a:r>
+            <a:endParaRPr lang="en-GB" dirty="0"/>
+          </a:p>
+        </p:txBody>
+      </p:sp>
+      <p:sp>
+        <p:nvSpPr>
+          <p:cNvPr id="1045" name="CasellaDiTesto 1044">
+            <a:extLst>
+              <a:ext uri="{FF2B5EF4-FFF2-40B4-BE49-F238E27FC236}">
+                <a16:creationId xmlns:a16="http://schemas.microsoft.com/office/drawing/2014/main" id="{25814D70-8EC9-327A-A715-CB85BEA868BF}"/>
+              </a:ext>
+            </a:extLst>
+          </p:cNvPr>
+          <p:cNvSpPr txBox="1"/>
+          <p:nvPr/>
+        </p:nvSpPr>
+        <p:spPr>
+          <a:xfrm>
+            <a:off x="7666060" y="6097064"/>
+            <a:ext cx="1292428" cy="646331"/>
+          </a:xfrm>
+          <a:prstGeom prst="rect">
+            <a:avLst/>
+          </a:prstGeom>
+          <a:noFill/>
+        </p:spPr>
+        <p:txBody>
+          <a:bodyPr wrap="square" rtlCol="0">
+            <a:spAutoFit/>
+          </a:bodyPr>
+          <a:lstStyle/>
+          <a:p>
+            <a:r>
+              <a:rPr lang="it-IT" dirty="0" err="1"/>
+              <a:t>AdaptersManager</a:t>
+            </a:r>
+            <a:endParaRPr lang="en-GB" dirty="0"/>
+          </a:p>
+        </p:txBody>
+      </p:sp>
+      <p:cxnSp>
+        <p:nvCxnSpPr>
+          <p:cNvPr id="12" name="Connettore 2 11">
+            <a:extLst>
+              <a:ext uri="{FF2B5EF4-FFF2-40B4-BE49-F238E27FC236}">
+                <a16:creationId xmlns:a16="http://schemas.microsoft.com/office/drawing/2014/main" id="{CF5F8718-2060-1234-796C-D7EC0040B706}"/>
+              </a:ext>
+            </a:extLst>
+          </p:cNvPr>
+          <p:cNvCxnSpPr>
+            <a:cxnSpLocks/>
+            <a:stCxn id="1040" idx="0"/>
+            <a:endCxn id="1028" idx="2"/>
+          </p:cNvCxnSpPr>
+          <p:nvPr/>
+        </p:nvCxnSpPr>
+        <p:spPr>
+          <a:xfrm flipH="1" flipV="1">
+            <a:off x="7660848" y="2947965"/>
+            <a:ext cx="646214" cy="1706500"/>
+          </a:xfrm>
+          <a:prstGeom prst="straightConnector1">
+            <a:avLst/>
+          </a:prstGeom>
+          <a:ln w="57150">
+            <a:solidFill>
+              <a:schemeClr val="accent1"/>
+            </a:solidFill>
+            <a:headEnd type="none"/>
+            <a:tailEnd type="triangle"/>
+          </a:ln>
+        </p:spPr>
+        <p:style>
+          <a:lnRef idx="1">
+            <a:schemeClr val="accent1"/>
+          </a:lnRef>
+          <a:fillRef idx="0">
+            <a:schemeClr val="accent1"/>
+          </a:fillRef>
+          <a:effectRef idx="0">
+            <a:schemeClr val="accent1"/>
+          </a:effectRef>
+          <a:fontRef idx="minor">
+            <a:schemeClr val="tx1"/>
+          </a:fontRef>
+        </p:style>
+      </p:cxnSp>
+      <p:cxnSp>
+        <p:nvCxnSpPr>
+          <p:cNvPr id="20" name="Connettore 2 19">
+            <a:extLst>
+              <a:ext uri="{FF2B5EF4-FFF2-40B4-BE49-F238E27FC236}">
+                <a16:creationId xmlns:a16="http://schemas.microsoft.com/office/drawing/2014/main" id="{3788A286-6383-B43F-5ECC-E0B560A61143}"/>
+              </a:ext>
+            </a:extLst>
+          </p:cNvPr>
+          <p:cNvCxnSpPr>
+            <a:cxnSpLocks/>
+            <a:stCxn id="10" idx="3"/>
+            <a:endCxn id="1028" idx="1"/>
+          </p:cNvCxnSpPr>
+          <p:nvPr/>
+        </p:nvCxnSpPr>
+        <p:spPr>
+          <a:xfrm flipV="1">
+            <a:off x="5016526" y="1899495"/>
+            <a:ext cx="1595852" cy="3887165"/>
+          </a:xfrm>
+          <a:prstGeom prst="straightConnector1">
+            <a:avLst/>
+          </a:prstGeom>
+          <a:ln w="57150">
+            <a:solidFill>
+              <a:schemeClr val="accent1"/>
+            </a:solidFill>
+            <a:headEnd type="none"/>
+            <a:tailEnd type="triangle"/>
+          </a:ln>
+        </p:spPr>
+        <p:style>
+          <a:lnRef idx="1">
+            <a:schemeClr val="accent1"/>
+          </a:lnRef>
+          <a:fillRef idx="0">
+            <a:schemeClr val="accent1"/>
+          </a:fillRef>
+          <a:effectRef idx="0">
+            <a:schemeClr val="accent1"/>
+          </a:effectRef>
+          <a:fontRef idx="minor">
+            <a:schemeClr val="tx1"/>
+          </a:fontRef>
+        </p:style>
+      </p:cxnSp>
+      <p:cxnSp>
+        <p:nvCxnSpPr>
+          <p:cNvPr id="23" name="Connettore 2 22">
+            <a:extLst>
+              <a:ext uri="{FF2B5EF4-FFF2-40B4-BE49-F238E27FC236}">
+                <a16:creationId xmlns:a16="http://schemas.microsoft.com/office/drawing/2014/main" id="{BC9A4AD5-3FBD-20E4-C914-0B3D89ACF1CC}"/>
+              </a:ext>
+            </a:extLst>
+          </p:cNvPr>
+          <p:cNvCxnSpPr>
+            <a:cxnSpLocks/>
+            <a:stCxn id="6" idx="3"/>
+            <a:endCxn id="1028" idx="1"/>
+          </p:cNvCxnSpPr>
+          <p:nvPr/>
+        </p:nvCxnSpPr>
+        <p:spPr>
+          <a:xfrm flipV="1">
+            <a:off x="4961300" y="1899495"/>
+            <a:ext cx="1651078" cy="2331317"/>
+          </a:xfrm>
+          <a:prstGeom prst="straightConnector1">
+            <a:avLst/>
+          </a:prstGeom>
+          <a:ln w="57150">
+            <a:solidFill>
+              <a:schemeClr val="accent1"/>
+            </a:solidFill>
+            <a:headEnd type="none"/>
+            <a:tailEnd type="triangle"/>
+          </a:ln>
+        </p:spPr>
+        <p:style>
+          <a:lnRef idx="1">
+            <a:schemeClr val="accent1"/>
+          </a:lnRef>
+          <a:fillRef idx="0">
+            <a:schemeClr val="accent1"/>
+          </a:fillRef>
+          <a:effectRef idx="0">
+            <a:schemeClr val="accent1"/>
+          </a:effectRef>
+          <a:fontRef idx="minor">
+            <a:schemeClr val="tx1"/>
+          </a:fontRef>
+        </p:style>
+      </p:cxnSp>
+      <p:cxnSp>
+        <p:nvCxnSpPr>
+          <p:cNvPr id="26" name="Connettore 2 25">
+            <a:extLst>
+              <a:ext uri="{FF2B5EF4-FFF2-40B4-BE49-F238E27FC236}">
+                <a16:creationId xmlns:a16="http://schemas.microsoft.com/office/drawing/2014/main" id="{3E412F84-55C7-BD2C-3500-3F4598071280}"/>
+              </a:ext>
+            </a:extLst>
+          </p:cNvPr>
+          <p:cNvCxnSpPr>
+            <a:cxnSpLocks/>
+            <a:stCxn id="3" idx="3"/>
+            <a:endCxn id="1028" idx="1"/>
+          </p:cNvCxnSpPr>
+          <p:nvPr/>
+        </p:nvCxnSpPr>
+        <p:spPr>
+          <a:xfrm flipV="1">
+            <a:off x="4966603" y="1899495"/>
+            <a:ext cx="1645775" cy="914958"/>
+          </a:xfrm>
+          <a:prstGeom prst="straightConnector1">
+            <a:avLst/>
+          </a:prstGeom>
+          <a:ln w="57150">
+            <a:solidFill>
+              <a:schemeClr val="accent1"/>
+            </a:solidFill>
+            <a:headEnd type="none"/>
+            <a:tailEnd type="triangle"/>
+          </a:ln>
+        </p:spPr>
+        <p:style>
+          <a:lnRef idx="1">
+            <a:schemeClr val="accent1"/>
+          </a:lnRef>
+          <a:fillRef idx="0">
+            <a:schemeClr val="accent1"/>
+          </a:fillRef>
+          <a:effectRef idx="0">
+            <a:schemeClr val="accent1"/>
+          </a:effectRef>
+          <a:fontRef idx="minor">
+            <a:schemeClr val="tx1"/>
+          </a:fontRef>
+        </p:style>
+      </p:cxnSp>
+      <p:cxnSp>
+        <p:nvCxnSpPr>
+          <p:cNvPr id="30" name="Connettore 2 29">
+            <a:extLst>
+              <a:ext uri="{FF2B5EF4-FFF2-40B4-BE49-F238E27FC236}">
+                <a16:creationId xmlns:a16="http://schemas.microsoft.com/office/drawing/2014/main" id="{DB64B9A8-D043-B5CE-C8A4-A94F711767B0}"/>
+              </a:ext>
+            </a:extLst>
+          </p:cNvPr>
+          <p:cNvCxnSpPr>
+            <a:cxnSpLocks/>
+            <a:stCxn id="1026" idx="3"/>
+            <a:endCxn id="1028" idx="1"/>
+          </p:cNvCxnSpPr>
+          <p:nvPr/>
+        </p:nvCxnSpPr>
+        <p:spPr>
+          <a:xfrm>
+            <a:off x="4961300" y="1105031"/>
+            <a:ext cx="1651078" cy="794464"/>
+          </a:xfrm>
+          <a:prstGeom prst="straightConnector1">
+            <a:avLst/>
+          </a:prstGeom>
+          <a:ln w="57150">
+            <a:solidFill>
+              <a:schemeClr val="accent1"/>
+            </a:solidFill>
+            <a:headEnd type="none"/>
+            <a:tailEnd type="triangle"/>
+          </a:ln>
+        </p:spPr>
+        <p:style>
+          <a:lnRef idx="1">
+            <a:schemeClr val="accent1"/>
+          </a:lnRef>
+          <a:fillRef idx="0">
+            <a:schemeClr val="accent1"/>
+          </a:fillRef>
+          <a:effectRef idx="0">
+            <a:schemeClr val="accent1"/>
+          </a:effectRef>
+          <a:fontRef idx="minor">
+            <a:schemeClr val="tx1"/>
+          </a:fontRef>
+        </p:style>
+      </p:cxnSp>
+      <p:cxnSp>
+        <p:nvCxnSpPr>
+          <p:cNvPr id="1027" name="Connettore 2 1026">
+            <a:extLst>
+              <a:ext uri="{FF2B5EF4-FFF2-40B4-BE49-F238E27FC236}">
+                <a16:creationId xmlns:a16="http://schemas.microsoft.com/office/drawing/2014/main" id="{ABE79D9B-014F-BE79-C5F6-7A1D50547926}"/>
+              </a:ext>
+            </a:extLst>
+          </p:cNvPr>
+          <p:cNvCxnSpPr>
+            <a:cxnSpLocks/>
+            <a:stCxn id="3074" idx="3"/>
+            <a:endCxn id="1026" idx="1"/>
+          </p:cNvCxnSpPr>
+          <p:nvPr/>
+        </p:nvCxnSpPr>
+        <p:spPr>
+          <a:xfrm flipV="1">
+            <a:off x="2516041" y="1105031"/>
+            <a:ext cx="1152831" cy="10174"/>
+          </a:xfrm>
+          <a:prstGeom prst="straightConnector1">
+            <a:avLst/>
+          </a:prstGeom>
+          <a:ln w="57150">
+            <a:solidFill>
+              <a:schemeClr val="accent1"/>
+            </a:solidFill>
+            <a:headEnd type="none"/>
+            <a:tailEnd type="triangle"/>
+          </a:ln>
+        </p:spPr>
+        <p:style>
+          <a:lnRef idx="1">
+            <a:schemeClr val="accent1"/>
+          </a:lnRef>
+          <a:fillRef idx="0">
+            <a:schemeClr val="accent1"/>
+          </a:fillRef>
+          <a:effectRef idx="0">
+            <a:schemeClr val="accent1"/>
+          </a:effectRef>
+          <a:fontRef idx="minor">
+            <a:schemeClr val="tx1"/>
+          </a:fontRef>
+        </p:style>
+      </p:cxnSp>
+      <p:cxnSp>
+        <p:nvCxnSpPr>
+          <p:cNvPr id="1033" name="Connettore 2 1032">
+            <a:extLst>
+              <a:ext uri="{FF2B5EF4-FFF2-40B4-BE49-F238E27FC236}">
+                <a16:creationId xmlns:a16="http://schemas.microsoft.com/office/drawing/2014/main" id="{006FEFFD-7A58-6879-39BD-D5CFD972F5AD}"/>
+              </a:ext>
+            </a:extLst>
+          </p:cNvPr>
+          <p:cNvCxnSpPr>
+            <a:cxnSpLocks/>
+            <a:endCxn id="3" idx="1"/>
+          </p:cNvCxnSpPr>
+          <p:nvPr/>
+        </p:nvCxnSpPr>
+        <p:spPr>
+          <a:xfrm flipV="1">
+            <a:off x="3011262" y="2814453"/>
+            <a:ext cx="662913" cy="10174"/>
+          </a:xfrm>
+          <a:prstGeom prst="straightConnector1">
+            <a:avLst/>
+          </a:prstGeom>
+          <a:ln w="57150">
+            <a:solidFill>
+              <a:schemeClr val="accent1"/>
+            </a:solidFill>
+            <a:headEnd type="none"/>
+            <a:tailEnd type="triangle"/>
+          </a:ln>
+        </p:spPr>
+        <p:style>
+          <a:lnRef idx="1">
+            <a:schemeClr val="accent1"/>
+          </a:lnRef>
+          <a:fillRef idx="0">
+            <a:schemeClr val="accent1"/>
+          </a:fillRef>
+          <a:effectRef idx="0">
+            <a:schemeClr val="accent1"/>
+          </a:effectRef>
+          <a:fontRef idx="minor">
+            <a:schemeClr val="tx1"/>
+          </a:fontRef>
+        </p:style>
+      </p:cxnSp>
+      <p:cxnSp>
+        <p:nvCxnSpPr>
+          <p:cNvPr id="1036" name="Connettore 2 1035">
+            <a:extLst>
+              <a:ext uri="{FF2B5EF4-FFF2-40B4-BE49-F238E27FC236}">
+                <a16:creationId xmlns:a16="http://schemas.microsoft.com/office/drawing/2014/main" id="{F7295E44-C988-A75D-825E-7BC448EB5798}"/>
+              </a:ext>
+            </a:extLst>
+          </p:cNvPr>
+          <p:cNvCxnSpPr>
+            <a:cxnSpLocks/>
+            <a:endCxn id="6" idx="1"/>
+          </p:cNvCxnSpPr>
+          <p:nvPr/>
+        </p:nvCxnSpPr>
+        <p:spPr>
+          <a:xfrm>
+            <a:off x="3054846" y="4230811"/>
+            <a:ext cx="614026" cy="1"/>
+          </a:xfrm>
+          <a:prstGeom prst="straightConnector1">
+            <a:avLst/>
+          </a:prstGeom>
+          <a:ln w="57150">
+            <a:solidFill>
+              <a:schemeClr val="accent1"/>
+            </a:solidFill>
+            <a:headEnd type="none"/>
+            <a:tailEnd type="triangle"/>
+          </a:ln>
+        </p:spPr>
+        <p:style>
+          <a:lnRef idx="1">
+            <a:schemeClr val="accent1"/>
+          </a:lnRef>
+          <a:fillRef idx="0">
+            <a:schemeClr val="accent1"/>
+          </a:fillRef>
+          <a:effectRef idx="0">
+            <a:schemeClr val="accent1"/>
+          </a:effectRef>
+          <a:fontRef idx="minor">
+            <a:schemeClr val="tx1"/>
+          </a:fontRef>
+        </p:style>
+      </p:cxnSp>
+      <p:cxnSp>
+        <p:nvCxnSpPr>
+          <p:cNvPr id="1043" name="Connettore 2 1042">
+            <a:extLst>
+              <a:ext uri="{FF2B5EF4-FFF2-40B4-BE49-F238E27FC236}">
+                <a16:creationId xmlns:a16="http://schemas.microsoft.com/office/drawing/2014/main" id="{7D4174FF-7EE0-328D-76C9-3605845678D4}"/>
+              </a:ext>
+            </a:extLst>
+          </p:cNvPr>
+          <p:cNvCxnSpPr>
+            <a:cxnSpLocks/>
+            <a:endCxn id="10" idx="1"/>
+          </p:cNvCxnSpPr>
+          <p:nvPr/>
+        </p:nvCxnSpPr>
+        <p:spPr>
+          <a:xfrm>
+            <a:off x="2908510" y="5786660"/>
+            <a:ext cx="815588" cy="0"/>
+          </a:xfrm>
+          <a:prstGeom prst="straightConnector1">
+            <a:avLst/>
+          </a:prstGeom>
+          <a:ln w="57150">
+            <a:solidFill>
+              <a:schemeClr val="accent1"/>
+            </a:solidFill>
+            <a:headEnd type="none"/>
+            <a:tailEnd type="triangle"/>
+          </a:ln>
+        </p:spPr>
+        <p:style>
+          <a:lnRef idx="1">
+            <a:schemeClr val="accent1"/>
+          </a:lnRef>
+          <a:fillRef idx="0">
+            <a:schemeClr val="accent1"/>
+          </a:fillRef>
+          <a:effectRef idx="0">
+            <a:schemeClr val="accent1"/>
+          </a:effectRef>
+          <a:fontRef idx="minor">
+            <a:schemeClr val="tx1"/>
+          </a:fontRef>
+        </p:style>
+      </p:cxnSp>
+      <p:cxnSp>
+        <p:nvCxnSpPr>
+          <p:cNvPr id="1049" name="Connettore 2 1048">
+            <a:extLst>
+              <a:ext uri="{FF2B5EF4-FFF2-40B4-BE49-F238E27FC236}">
+                <a16:creationId xmlns:a16="http://schemas.microsoft.com/office/drawing/2014/main" id="{F1B55002-1655-4EB6-89A6-9DE505FF2261}"/>
+              </a:ext>
+            </a:extLst>
+          </p:cNvPr>
+          <p:cNvCxnSpPr>
+            <a:cxnSpLocks/>
+            <a:stCxn id="15" idx="3"/>
+          </p:cNvCxnSpPr>
+          <p:nvPr/>
+        </p:nvCxnSpPr>
+        <p:spPr>
+          <a:xfrm>
+            <a:off x="866649" y="5772092"/>
+            <a:ext cx="865511" cy="14567"/>
+          </a:xfrm>
+          <a:prstGeom prst="straightConnector1">
+            <a:avLst/>
+          </a:prstGeom>
+          <a:ln w="57150">
+            <a:solidFill>
+              <a:schemeClr val="accent1"/>
+            </a:solidFill>
+            <a:headEnd type="none"/>
+            <a:tailEnd type="triangle"/>
+          </a:ln>
+        </p:spPr>
+        <p:style>
+          <a:lnRef idx="1">
+            <a:schemeClr val="accent1"/>
+          </a:lnRef>
+          <a:fillRef idx="0">
+            <a:schemeClr val="accent1"/>
+          </a:fillRef>
+          <a:effectRef idx="0">
+            <a:schemeClr val="accent1"/>
+          </a:effectRef>
+          <a:fontRef idx="minor">
+            <a:schemeClr val="tx1"/>
+          </a:fontRef>
+        </p:style>
+      </p:cxnSp>
+      <p:cxnSp>
+        <p:nvCxnSpPr>
+          <p:cNvPr id="1052" name="Connettore 2 1051">
+            <a:extLst>
+              <a:ext uri="{FF2B5EF4-FFF2-40B4-BE49-F238E27FC236}">
+                <a16:creationId xmlns:a16="http://schemas.microsoft.com/office/drawing/2014/main" id="{57359FD0-C3D5-D28D-C255-2BEE4CB2CBC2}"/>
+              </a:ext>
+            </a:extLst>
+          </p:cNvPr>
+          <p:cNvCxnSpPr>
+            <a:cxnSpLocks/>
+          </p:cNvCxnSpPr>
+          <p:nvPr/>
+        </p:nvCxnSpPr>
+        <p:spPr>
+          <a:xfrm>
+            <a:off x="1049583" y="4230811"/>
+            <a:ext cx="486317" cy="10175"/>
+          </a:xfrm>
+          <a:prstGeom prst="straightConnector1">
+            <a:avLst/>
+          </a:prstGeom>
+          <a:ln w="57150">
+            <a:solidFill>
+              <a:schemeClr val="accent1"/>
+            </a:solidFill>
+            <a:headEnd type="none"/>
+            <a:tailEnd type="triangle"/>
+          </a:ln>
+        </p:spPr>
+        <p:style>
+          <a:lnRef idx="1">
+            <a:schemeClr val="accent1"/>
+          </a:lnRef>
+          <a:fillRef idx="0">
+            <a:schemeClr val="accent1"/>
+          </a:fillRef>
+          <a:effectRef idx="0">
+            <a:schemeClr val="accent1"/>
+          </a:effectRef>
+          <a:fontRef idx="minor">
+            <a:schemeClr val="tx1"/>
+          </a:fontRef>
+        </p:style>
+      </p:cxnSp>
+      <p:cxnSp>
+        <p:nvCxnSpPr>
+          <p:cNvPr id="1055" name="Connettore 2 1054">
+            <a:extLst>
+              <a:ext uri="{FF2B5EF4-FFF2-40B4-BE49-F238E27FC236}">
+                <a16:creationId xmlns:a16="http://schemas.microsoft.com/office/drawing/2014/main" id="{811C2549-504D-965B-9058-17ABEC00E24F}"/>
+              </a:ext>
+            </a:extLst>
+          </p:cNvPr>
+          <p:cNvCxnSpPr>
+            <a:cxnSpLocks/>
+          </p:cNvCxnSpPr>
+          <p:nvPr/>
+        </p:nvCxnSpPr>
+        <p:spPr>
+          <a:xfrm>
+            <a:off x="866649" y="2868991"/>
+            <a:ext cx="642106" cy="0"/>
+          </a:xfrm>
+          <a:prstGeom prst="straightConnector1">
+            <a:avLst/>
+          </a:prstGeom>
+          <a:ln w="57150">
+            <a:solidFill>
+              <a:schemeClr val="accent1"/>
+            </a:solidFill>
+            <a:headEnd type="none"/>
+            <a:tailEnd type="triangle"/>
+          </a:ln>
+        </p:spPr>
+        <p:style>
+          <a:lnRef idx="1">
+            <a:schemeClr val="accent1"/>
+          </a:lnRef>
+          <a:fillRef idx="0">
+            <a:schemeClr val="accent1"/>
+          </a:fillRef>
+          <a:effectRef idx="0">
+            <a:schemeClr val="accent1"/>
+          </a:effectRef>
+          <a:fontRef idx="minor">
+            <a:schemeClr val="tx1"/>
+          </a:fontRef>
+        </p:style>
+      </p:cxnSp>
+    </p:spTree>
+    <p:extLst>
+      <p:ext uri="{BB962C8B-B14F-4D97-AF65-F5344CB8AC3E}">
+        <p14:creationId xmlns:p14="http://schemas.microsoft.com/office/powerpoint/2010/main" val="3129443396"/>
+      </p:ext>
+    </p:extLst>
+  </p:cSld>
+  <p:clrMapOvr>
+    <a:masterClrMapping/>
+  </p:clrMapOvr>
+</p:sld>
+</file>
+
+<file path=ppt/slides/slide6.xml><?xml version="1.0" encoding="utf-8"?>
+<p:sld xmlns:a="http://schemas.openxmlformats.org/drawingml/2006/main" xmlns:r="http://schemas.openxmlformats.org/officeDocument/2006/relationships" xmlns:p="http://schemas.openxmlformats.org/presentationml/2006/main">
+  <p:cSld>
+    <p:spTree>
+      <p:nvGrpSpPr>
+        <p:cNvPr id="1" name=""/>
+        <p:cNvGrpSpPr/>
+        <p:nvPr/>
+      </p:nvGrpSpPr>
+      <p:grpSpPr>
+        <a:xfrm>
+          <a:off x="0" y="0"/>
+          <a:ext cx="0" cy="0"/>
+          <a:chOff x="0" y="0"/>
+          <a:chExt cx="0" cy="0"/>
+        </a:xfrm>
+      </p:grpSpPr>
+      <p:sp>
+        <p:nvSpPr>
+          <p:cNvPr id="2" name="Titolo 1">
+            <a:extLst>
+              <a:ext uri="{FF2B5EF4-FFF2-40B4-BE49-F238E27FC236}">
+                <a16:creationId xmlns:a16="http://schemas.microsoft.com/office/drawing/2014/main" id="{B7AE8830-4B9B-5D91-CFC4-10A9E705C285}"/>
+              </a:ext>
+            </a:extLst>
+          </p:cNvPr>
+          <p:cNvSpPr>
+            <a:spLocks noGrp="1"/>
+          </p:cNvSpPr>
+          <p:nvPr>
+            <p:ph type="title"/>
+          </p:nvPr>
+        </p:nvSpPr>
+        <p:spPr>
+          <a:xfrm>
+            <a:off x="339155" y="5119936"/>
+            <a:ext cx="8534400" cy="1507067"/>
+          </a:xfrm>
+        </p:spPr>
+        <p:txBody>
+          <a:bodyPr/>
+          <a:lstStyle/>
+          <a:p>
+            <a:r>
+              <a:rPr lang="it-IT" dirty="0"/>
+              <a:t>Data Management</a:t>
+            </a:r>
+          </a:p>
+        </p:txBody>
+      </p:sp>
+      <p:pic>
+        <p:nvPicPr>
+          <p:cNvPr id="3" name="Immagine 2" descr="database mysql&quot; Icon - Download for free – Iconduck">
+            <a:extLst>
+              <a:ext uri="{FF2B5EF4-FFF2-40B4-BE49-F238E27FC236}">
+                <a16:creationId xmlns:a16="http://schemas.microsoft.com/office/drawing/2014/main" id="{2837DFDB-9CBF-7EA8-CD6A-8201788D1C98}"/>
+              </a:ext>
+            </a:extLst>
+          </p:cNvPr>
+          <p:cNvPicPr>
+            <a:picLocks noChangeAspect="1"/>
+          </p:cNvPicPr>
+          <p:nvPr/>
+        </p:nvPicPr>
+        <p:blipFill>
+          <a:blip r:embed="rId2"/>
+          <a:stretch>
+            <a:fillRect/>
+          </a:stretch>
+        </p:blipFill>
+        <p:spPr>
+          <a:xfrm>
+            <a:off x="6090248" y="4550587"/>
+            <a:ext cx="1794294" cy="1883128"/>
+          </a:xfrm>
+          <a:prstGeom prst="rect">
+            <a:avLst/>
+          </a:prstGeom>
+        </p:spPr>
+      </p:pic>
+      <p:pic>
+        <p:nvPicPr>
+          <p:cNvPr id="4" name="Immagine 3" descr="SPRING BOOT: come far generare un WAR a Spring Boot – ultimatecodingblog">
+            <a:extLst>
+              <a:ext uri="{FF2B5EF4-FFF2-40B4-BE49-F238E27FC236}">
+                <a16:creationId xmlns:a16="http://schemas.microsoft.com/office/drawing/2014/main" id="{7DF408A7-EEC9-DA84-8CAE-686D1B427791}"/>
+              </a:ext>
+            </a:extLst>
+          </p:cNvPr>
+          <p:cNvPicPr>
+            <a:picLocks noChangeAspect="1"/>
+          </p:cNvPicPr>
+          <p:nvPr/>
+        </p:nvPicPr>
+        <p:blipFill>
+          <a:blip r:embed="rId3"/>
+          <a:stretch>
+            <a:fillRect/>
+          </a:stretch>
+        </p:blipFill>
+        <p:spPr>
+          <a:xfrm>
+            <a:off x="511834" y="3097799"/>
+            <a:ext cx="2743199" cy="1438780"/>
+          </a:xfrm>
+          <a:prstGeom prst="rect">
+            <a:avLst/>
+          </a:prstGeom>
+        </p:spPr>
+      </p:pic>
+      <p:pic>
+        <p:nvPicPr>
+          <p:cNvPr id="5" name="Immagine 4" descr="SPRING BOOT: come far generare un WAR a Spring Boot – ultimatecodingblog">
+            <a:extLst>
+              <a:ext uri="{FF2B5EF4-FFF2-40B4-BE49-F238E27FC236}">
+                <a16:creationId xmlns:a16="http://schemas.microsoft.com/office/drawing/2014/main" id="{1B047C9F-A2F9-8FD3-4540-996F6FDA33CE}"/>
+              </a:ext>
+            </a:extLst>
+          </p:cNvPr>
+          <p:cNvPicPr>
+            <a:picLocks noChangeAspect="1"/>
+          </p:cNvPicPr>
+          <p:nvPr/>
+        </p:nvPicPr>
+        <p:blipFill>
+          <a:blip r:embed="rId3"/>
+          <a:stretch>
+            <a:fillRect/>
+          </a:stretch>
+        </p:blipFill>
+        <p:spPr>
+          <a:xfrm>
+            <a:off x="4724400" y="2378930"/>
+            <a:ext cx="2743199" cy="1438780"/>
+          </a:xfrm>
+          <a:prstGeom prst="rect">
+            <a:avLst/>
+          </a:prstGeom>
+        </p:spPr>
+      </p:pic>
+      <p:pic>
+        <p:nvPicPr>
+          <p:cNvPr id="6" name="Immagine 5" descr="SPRING BOOT: come far generare un WAR a Spring Boot – ultimatecodingblog">
+            <a:extLst>
+              <a:ext uri="{FF2B5EF4-FFF2-40B4-BE49-F238E27FC236}">
+                <a16:creationId xmlns:a16="http://schemas.microsoft.com/office/drawing/2014/main" id="{3C4A8E70-EE7E-CE8F-181A-E103FA1792F9}"/>
+              </a:ext>
+            </a:extLst>
+          </p:cNvPr>
+          <p:cNvPicPr>
+            <a:picLocks noChangeAspect="1"/>
+          </p:cNvPicPr>
+          <p:nvPr/>
+        </p:nvPicPr>
+        <p:blipFill>
+          <a:blip r:embed="rId3"/>
+          <a:stretch>
+            <a:fillRect/>
+          </a:stretch>
+        </p:blipFill>
+        <p:spPr>
+          <a:xfrm>
+            <a:off x="4724400" y="222327"/>
+            <a:ext cx="2743199" cy="1438780"/>
+          </a:xfrm>
+          <a:prstGeom prst="rect">
+            <a:avLst/>
+          </a:prstGeom>
+        </p:spPr>
+      </p:pic>
+      <p:pic>
+        <p:nvPicPr>
+          <p:cNvPr id="7" name="Immagine 6" descr="Apache kafka - Download free icons">
+            <a:extLst>
+              <a:ext uri="{FF2B5EF4-FFF2-40B4-BE49-F238E27FC236}">
+                <a16:creationId xmlns:a16="http://schemas.microsoft.com/office/drawing/2014/main" id="{073B7136-42DF-EB6F-7239-E99824BB9DB0}"/>
+              </a:ext>
+            </a:extLst>
+          </p:cNvPr>
+          <p:cNvPicPr>
+            <a:picLocks noChangeAspect="1"/>
+          </p:cNvPicPr>
+          <p:nvPr/>
+        </p:nvPicPr>
+        <p:blipFill>
+          <a:blip r:embed="rId4"/>
+          <a:stretch>
+            <a:fillRect/>
+          </a:stretch>
+        </p:blipFill>
+        <p:spPr>
+          <a:xfrm>
+            <a:off x="8951343" y="461513"/>
+            <a:ext cx="2743200" cy="2743200"/>
+          </a:xfrm>
+          <a:prstGeom prst="rect">
+            <a:avLst/>
+          </a:prstGeom>
+        </p:spPr>
+      </p:pic>
+      <p:sp>
+        <p:nvSpPr>
+          <p:cNvPr id="8" name="Rettangolo 7">
+            <a:extLst>
+              <a:ext uri="{FF2B5EF4-FFF2-40B4-BE49-F238E27FC236}">
+                <a16:creationId xmlns:a16="http://schemas.microsoft.com/office/drawing/2014/main" id="{139A3A5B-3639-1A93-129A-0D3BAA016844}"/>
+              </a:ext>
+            </a:extLst>
+          </p:cNvPr>
+          <p:cNvSpPr/>
+          <p:nvPr/>
+        </p:nvSpPr>
+        <p:spPr>
+          <a:xfrm>
+            <a:off x="343181" y="468201"/>
+            <a:ext cx="2401018" cy="1078301"/>
+          </a:xfrm>
+          <a:prstGeom prst="rect">
+            <a:avLst/>
+          </a:prstGeom>
+          <a:solidFill>
+            <a:schemeClr val="tx1">
+              <a:lumMod val="95000"/>
+            </a:schemeClr>
+          </a:solidFill>
+        </p:spPr>
+        <p:style>
+          <a:lnRef idx="2">
+            <a:schemeClr val="accent1">
+              <a:shade val="15000"/>
+            </a:schemeClr>
+          </a:lnRef>
+          <a:fillRef idx="1">
+            <a:schemeClr val="accent1"/>
+          </a:fillRef>
+          <a:effectRef idx="0">
+            <a:schemeClr val="accent1"/>
+          </a:effectRef>
+          <a:fontRef idx="minor">
+            <a:schemeClr val="lt1"/>
+          </a:fontRef>
+        </p:style>
+        <p:txBody>
+          <a:bodyPr rtlCol="0" anchor="ctr"/>
+          <a:lstStyle/>
+          <a:p>
+            <a:pPr algn="ctr"/>
+            <a:r>
+              <a:rPr lang="it-IT" dirty="0">
+                <a:solidFill>
+                  <a:schemeClr val="bg1"/>
+                </a:solidFill>
+              </a:rPr>
+              <a:t>User Interface</a:t>
+            </a:r>
+          </a:p>
+        </p:txBody>
+      </p:sp>
+      <p:sp>
+        <p:nvSpPr>
+          <p:cNvPr id="9" name="Rettangolo 8">
+            <a:extLst>
+              <a:ext uri="{FF2B5EF4-FFF2-40B4-BE49-F238E27FC236}">
+                <a16:creationId xmlns:a16="http://schemas.microsoft.com/office/drawing/2014/main" id="{763401CB-1B23-C1E3-A7F0-6B38D4EA750A}"/>
+              </a:ext>
+            </a:extLst>
+          </p:cNvPr>
+          <p:cNvSpPr/>
+          <p:nvPr/>
+        </p:nvSpPr>
+        <p:spPr>
+          <a:xfrm>
+            <a:off x="486954" y="611974"/>
+            <a:ext cx="2401018" cy="1078301"/>
+          </a:xfrm>
+          <a:prstGeom prst="rect">
+            <a:avLst/>
+          </a:prstGeom>
+          <a:solidFill>
+            <a:schemeClr val="tx1">
+              <a:lumMod val="95000"/>
+            </a:schemeClr>
+          </a:solidFill>
+        </p:spPr>
+        <p:style>
+          <a:lnRef idx="2">
+            <a:schemeClr val="accent1">
+              <a:shade val="15000"/>
+            </a:schemeClr>
+          </a:lnRef>
+          <a:fillRef idx="1">
+            <a:schemeClr val="accent1"/>
+          </a:fillRef>
+          <a:effectRef idx="0">
+            <a:schemeClr val="accent1"/>
+          </a:effectRef>
+          <a:fontRef idx="minor">
+            <a:schemeClr val="lt1"/>
+          </a:fontRef>
+        </p:style>
+        <p:txBody>
+          <a:bodyPr rtlCol="0" anchor="ctr"/>
+          <a:lstStyle/>
+          <a:p>
+            <a:pPr algn="ctr"/>
+            <a:r>
+              <a:rPr lang="it-IT" dirty="0">
+                <a:solidFill>
+                  <a:schemeClr val="bg1"/>
+                </a:solidFill>
+              </a:rPr>
+              <a:t>User Interface</a:t>
+            </a:r>
+          </a:p>
+        </p:txBody>
+      </p:sp>
+      <p:sp>
+        <p:nvSpPr>
+          <p:cNvPr id="10" name="Rettangolo 9">
+            <a:extLst>
+              <a:ext uri="{FF2B5EF4-FFF2-40B4-BE49-F238E27FC236}">
+                <a16:creationId xmlns:a16="http://schemas.microsoft.com/office/drawing/2014/main" id="{A6E1B245-75CF-0712-0EB3-9DE13809C93A}"/>
+              </a:ext>
+            </a:extLst>
+          </p:cNvPr>
+          <p:cNvSpPr/>
+          <p:nvPr/>
+        </p:nvSpPr>
+        <p:spPr>
+          <a:xfrm>
+            <a:off x="630728" y="755748"/>
+            <a:ext cx="2401018" cy="1078301"/>
+          </a:xfrm>
+          <a:prstGeom prst="rect">
+            <a:avLst/>
+          </a:prstGeom>
+          <a:solidFill>
+            <a:schemeClr val="tx1">
+              <a:lumMod val="95000"/>
+            </a:schemeClr>
+          </a:solidFill>
+        </p:spPr>
+        <p:style>
+          <a:lnRef idx="2">
+            <a:schemeClr val="accent1">
+              <a:shade val="15000"/>
+            </a:schemeClr>
+          </a:lnRef>
+          <a:fillRef idx="1">
+            <a:schemeClr val="accent1"/>
+          </a:fillRef>
+          <a:effectRef idx="0">
+            <a:schemeClr val="accent1"/>
+          </a:effectRef>
+          <a:fontRef idx="minor">
+            <a:schemeClr val="lt1"/>
+          </a:fontRef>
+        </p:style>
+        <p:txBody>
+          <a:bodyPr rtlCol="0" anchor="ctr"/>
+          <a:lstStyle/>
+          <a:p>
+            <a:pPr algn="ctr"/>
+            <a:r>
+              <a:rPr lang="it-IT" dirty="0">
+                <a:solidFill>
+                  <a:schemeClr val="bg1"/>
+                </a:solidFill>
+              </a:rPr>
+              <a:t>User Interface</a:t>
+            </a:r>
+          </a:p>
+        </p:txBody>
+      </p:sp>
+      <p:cxnSp>
+        <p:nvCxnSpPr>
+          <p:cNvPr id="11" name="Connettore 2 10">
+            <a:extLst>
+              <a:ext uri="{FF2B5EF4-FFF2-40B4-BE49-F238E27FC236}">
+                <a16:creationId xmlns:a16="http://schemas.microsoft.com/office/drawing/2014/main" id="{8202BC1A-0CCD-86FA-AA5C-564CAD3B633E}"/>
+              </a:ext>
+            </a:extLst>
+          </p:cNvPr>
+          <p:cNvCxnSpPr/>
+          <p:nvPr/>
+        </p:nvCxnSpPr>
+        <p:spPr>
+          <a:xfrm flipV="1">
+            <a:off x="3036498" y="967596"/>
+            <a:ext cx="1676401" cy="235789"/>
+          </a:xfrm>
+          <a:prstGeom prst="straightConnector1">
+            <a:avLst/>
+          </a:prstGeom>
+          <a:ln w="47625">
+            <a:solidFill>
+              <a:schemeClr val="accent1"/>
+            </a:solidFill>
+            <a:headEnd type="triangle"/>
+            <a:tailEnd type="triangle"/>
+          </a:ln>
+        </p:spPr>
+        <p:style>
+          <a:lnRef idx="3">
+            <a:schemeClr val="dk1"/>
+          </a:lnRef>
+          <a:fillRef idx="0">
+            <a:schemeClr val="dk1"/>
+          </a:fillRef>
+          <a:effectRef idx="2">
+            <a:schemeClr val="dk1"/>
+          </a:effectRef>
+          <a:fontRef idx="minor">
+            <a:schemeClr val="tx1"/>
+          </a:fontRef>
+        </p:style>
+      </p:cxnSp>
+      <p:cxnSp>
+        <p:nvCxnSpPr>
+          <p:cNvPr id="13" name="Connettore 2 12">
+            <a:extLst>
+              <a:ext uri="{FF2B5EF4-FFF2-40B4-BE49-F238E27FC236}">
+                <a16:creationId xmlns:a16="http://schemas.microsoft.com/office/drawing/2014/main" id="{D0634CE3-9122-8AD7-56DB-5787025B049B}"/>
+              </a:ext>
+            </a:extLst>
+          </p:cNvPr>
+          <p:cNvCxnSpPr>
+            <a:cxnSpLocks/>
+          </p:cNvCxnSpPr>
+          <p:nvPr/>
+        </p:nvCxnSpPr>
+        <p:spPr>
+          <a:xfrm>
+            <a:off x="1800044" y="1879121"/>
+            <a:ext cx="8629" cy="1331342"/>
+          </a:xfrm>
+          <a:prstGeom prst="straightConnector1">
+            <a:avLst/>
+          </a:prstGeom>
+          <a:ln w="47625">
+            <a:solidFill>
+              <a:schemeClr val="accent1"/>
+            </a:solidFill>
+            <a:headEnd type="triangle"/>
+            <a:tailEnd type="triangle"/>
+          </a:ln>
+        </p:spPr>
+        <p:style>
+          <a:lnRef idx="3">
+            <a:schemeClr val="dk1"/>
+          </a:lnRef>
+          <a:fillRef idx="0">
+            <a:schemeClr val="dk1"/>
+          </a:fillRef>
+          <a:effectRef idx="2">
+            <a:schemeClr val="dk1"/>
+          </a:effectRef>
+          <a:fontRef idx="minor">
+            <a:schemeClr val="tx1"/>
+          </a:fontRef>
+        </p:style>
+      </p:cxnSp>
+      <p:cxnSp>
+        <p:nvCxnSpPr>
+          <p:cNvPr id="14" name="Connettore 2 13">
+            <a:extLst>
+              <a:ext uri="{FF2B5EF4-FFF2-40B4-BE49-F238E27FC236}">
+                <a16:creationId xmlns:a16="http://schemas.microsoft.com/office/drawing/2014/main" id="{C9A314C2-082E-D8AA-B193-8CE16DB64565}"/>
+              </a:ext>
+            </a:extLst>
+          </p:cNvPr>
+          <p:cNvCxnSpPr>
+            <a:cxnSpLocks/>
+          </p:cNvCxnSpPr>
+          <p:nvPr/>
+        </p:nvCxnSpPr>
+        <p:spPr>
+          <a:xfrm>
+            <a:off x="7407214" y="1016479"/>
+            <a:ext cx="2093344" cy="698739"/>
+          </a:xfrm>
+          <a:prstGeom prst="straightConnector1">
+            <a:avLst/>
+          </a:prstGeom>
+          <a:ln w="47625">
+            <a:solidFill>
+              <a:schemeClr val="accent1"/>
+            </a:solidFill>
+            <a:headEnd type="triangle"/>
+            <a:tailEnd type="triangle"/>
+          </a:ln>
+        </p:spPr>
+        <p:style>
+          <a:lnRef idx="3">
+            <a:schemeClr val="dk1"/>
+          </a:lnRef>
+          <a:fillRef idx="0">
+            <a:schemeClr val="dk1"/>
+          </a:fillRef>
+          <a:effectRef idx="2">
+            <a:schemeClr val="dk1"/>
+          </a:effectRef>
+          <a:fontRef idx="minor">
+            <a:schemeClr val="tx1"/>
+          </a:fontRef>
+        </p:style>
+      </p:cxnSp>
+      <p:cxnSp>
+        <p:nvCxnSpPr>
+          <p:cNvPr id="15" name="Connettore 2 14">
+            <a:extLst>
+              <a:ext uri="{FF2B5EF4-FFF2-40B4-BE49-F238E27FC236}">
+                <a16:creationId xmlns:a16="http://schemas.microsoft.com/office/drawing/2014/main" id="{384303BF-BEF9-9E1C-136C-1F73A9C931D6}"/>
+              </a:ext>
+            </a:extLst>
+          </p:cNvPr>
+          <p:cNvCxnSpPr>
+            <a:cxnSpLocks/>
+          </p:cNvCxnSpPr>
+          <p:nvPr/>
+        </p:nvCxnSpPr>
+        <p:spPr>
+          <a:xfrm flipH="1">
+            <a:off x="7487730" y="2252931"/>
+            <a:ext cx="2018577" cy="785003"/>
+          </a:xfrm>
+          <a:prstGeom prst="straightConnector1">
+            <a:avLst/>
+          </a:prstGeom>
+          <a:ln w="47625">
+            <a:solidFill>
+              <a:schemeClr val="accent1"/>
+            </a:solidFill>
+            <a:headEnd type="triangle"/>
+            <a:tailEnd type="triangle"/>
+          </a:ln>
+        </p:spPr>
+        <p:style>
+          <a:lnRef idx="3">
+            <a:schemeClr val="dk1"/>
+          </a:lnRef>
+          <a:fillRef idx="0">
+            <a:schemeClr val="dk1"/>
+          </a:fillRef>
+          <a:effectRef idx="2">
+            <a:schemeClr val="dk1"/>
+          </a:effectRef>
+          <a:fontRef idx="minor">
+            <a:schemeClr val="tx1"/>
+          </a:fontRef>
+        </p:style>
+      </p:cxnSp>
+      <p:cxnSp>
+        <p:nvCxnSpPr>
+          <p:cNvPr id="16" name="Connettore 2 15">
+            <a:extLst>
+              <a:ext uri="{FF2B5EF4-FFF2-40B4-BE49-F238E27FC236}">
+                <a16:creationId xmlns:a16="http://schemas.microsoft.com/office/drawing/2014/main" id="{C7E7E267-64A3-83D2-818D-2670BD743061}"/>
+              </a:ext>
+            </a:extLst>
+          </p:cNvPr>
+          <p:cNvCxnSpPr>
+            <a:cxnSpLocks/>
+          </p:cNvCxnSpPr>
+          <p:nvPr/>
+        </p:nvCxnSpPr>
+        <p:spPr>
+          <a:xfrm>
+            <a:off x="3065252" y="4121989"/>
+            <a:ext cx="2884100" cy="741871"/>
+          </a:xfrm>
+          <a:prstGeom prst="straightConnector1">
+            <a:avLst/>
+          </a:prstGeom>
+          <a:ln w="47625">
+            <a:solidFill>
+              <a:schemeClr val="accent1"/>
+            </a:solidFill>
+            <a:headEnd type="triangle"/>
+            <a:tailEnd type="triangle"/>
+          </a:ln>
+        </p:spPr>
+        <p:style>
+          <a:lnRef idx="3">
+            <a:schemeClr val="dk1"/>
+          </a:lnRef>
+          <a:fillRef idx="0">
+            <a:schemeClr val="dk1"/>
+          </a:fillRef>
+          <a:effectRef idx="2">
+            <a:schemeClr val="dk1"/>
+          </a:effectRef>
+          <a:fontRef idx="minor">
+            <a:schemeClr val="tx1"/>
+          </a:fontRef>
+        </p:style>
+      </p:cxnSp>
+      <p:cxnSp>
+        <p:nvCxnSpPr>
+          <p:cNvPr id="17" name="Connettore 2 16">
+            <a:extLst>
+              <a:ext uri="{FF2B5EF4-FFF2-40B4-BE49-F238E27FC236}">
+                <a16:creationId xmlns:a16="http://schemas.microsoft.com/office/drawing/2014/main" id="{0D62C473-063D-9F01-1AB2-EE51D29C0526}"/>
+              </a:ext>
+            </a:extLst>
+          </p:cNvPr>
+          <p:cNvCxnSpPr>
+            <a:cxnSpLocks/>
+          </p:cNvCxnSpPr>
+          <p:nvPr/>
+        </p:nvCxnSpPr>
+        <p:spPr>
+          <a:xfrm>
+            <a:off x="6889629" y="3676290"/>
+            <a:ext cx="8628" cy="813758"/>
+          </a:xfrm>
+          <a:prstGeom prst="straightConnector1">
+            <a:avLst/>
+          </a:prstGeom>
+          <a:ln w="47625">
+            <a:solidFill>
+              <a:schemeClr val="accent1"/>
+            </a:solidFill>
+            <a:headEnd type="triangle"/>
+            <a:tailEnd type="triangle"/>
+          </a:ln>
+        </p:spPr>
+        <p:style>
+          <a:lnRef idx="3">
+            <a:schemeClr val="dk1"/>
+          </a:lnRef>
+          <a:fillRef idx="0">
+            <a:schemeClr val="dk1"/>
+          </a:fillRef>
+          <a:effectRef idx="2">
+            <a:schemeClr val="dk1"/>
+          </a:effectRef>
+          <a:fontRef idx="minor">
+            <a:schemeClr val="tx1"/>
+          </a:fontRef>
+        </p:style>
+      </p:cxnSp>
+      <p:sp>
+        <p:nvSpPr>
+          <p:cNvPr id="18" name="CasellaDiTesto 17">
+            <a:extLst>
+              <a:ext uri="{FF2B5EF4-FFF2-40B4-BE49-F238E27FC236}">
+                <a16:creationId xmlns:a16="http://schemas.microsoft.com/office/drawing/2014/main" id="{86838ED6-CBA0-9BE5-299A-C40323298D6F}"/>
+              </a:ext>
+            </a:extLst>
+          </p:cNvPr>
+          <p:cNvSpPr txBox="1"/>
+          <p:nvPr/>
+        </p:nvSpPr>
+        <p:spPr>
+          <a:xfrm>
+            <a:off x="832758" y="4366769"/>
+            <a:ext cx="2121647" cy="373529"/>
+          </a:xfrm>
+          <a:prstGeom prst="rect">
+            <a:avLst/>
+          </a:prstGeom>
+          <a:noFill/>
+        </p:spPr>
+        <p:txBody>
+          <a:bodyPr rot="0" spcFirstLastPara="0" vertOverflow="overflow" horzOverflow="overflow" vert="horz" wrap="square" lIns="91440" tIns="45720" rIns="91440" bIns="45720" numCol="1" spcCol="0" rtlCol="0" fromWordArt="0" anchor="t" anchorCtr="0" forceAA="0" compatLnSpc="1">
+            <a:prstTxWarp prst="textNoShape">
+              <a:avLst/>
+            </a:prstTxWarp>
+            <a:spAutoFit/>
+          </a:bodyPr>
+          <a:lstStyle/>
+          <a:p>
+            <a:r>
+              <a:rPr lang="it-IT" dirty="0"/>
+              <a:t>REST SERVICE</a:t>
+            </a:r>
+          </a:p>
+        </p:txBody>
+      </p:sp>
+      <p:sp>
+        <p:nvSpPr>
+          <p:cNvPr id="19" name="CasellaDiTesto 18">
+            <a:extLst>
+              <a:ext uri="{FF2B5EF4-FFF2-40B4-BE49-F238E27FC236}">
+                <a16:creationId xmlns:a16="http://schemas.microsoft.com/office/drawing/2014/main" id="{860E0930-0EDE-61E7-1233-0A5971650D6C}"/>
+              </a:ext>
+            </a:extLst>
+          </p:cNvPr>
+          <p:cNvSpPr txBox="1"/>
+          <p:nvPr/>
+        </p:nvSpPr>
+        <p:spPr>
+          <a:xfrm>
+            <a:off x="4724400" y="3631720"/>
+            <a:ext cx="2110596" cy="646331"/>
+          </a:xfrm>
+          <a:prstGeom prst="rect">
+            <a:avLst/>
+          </a:prstGeom>
+          <a:noFill/>
+        </p:spPr>
+        <p:txBody>
+          <a:bodyPr rot="0" spcFirstLastPara="0" vertOverflow="overflow" horzOverflow="overflow" vert="horz" wrap="square" lIns="91440" tIns="45720" rIns="91440" bIns="45720" numCol="1" spcCol="0" rtlCol="0" fromWordArt="0" anchor="t" anchorCtr="0" forceAA="0" compatLnSpc="1">
+            <a:prstTxWarp prst="textNoShape">
+              <a:avLst/>
+            </a:prstTxWarp>
+            <a:spAutoFit/>
+          </a:bodyPr>
+          <a:lstStyle/>
+          <a:p>
+            <a:r>
+              <a:rPr lang="it-IT" dirty="0"/>
+              <a:t>CONFIGURATION SCHEDULER</a:t>
+            </a:r>
+          </a:p>
+        </p:txBody>
+      </p:sp>
+      <p:sp>
+        <p:nvSpPr>
+          <p:cNvPr id="20" name="CasellaDiTesto 19">
+            <a:extLst>
+              <a:ext uri="{FF2B5EF4-FFF2-40B4-BE49-F238E27FC236}">
+                <a16:creationId xmlns:a16="http://schemas.microsoft.com/office/drawing/2014/main" id="{F5E83588-26D7-205C-8E16-B3D20C5F1FC8}"/>
+              </a:ext>
+            </a:extLst>
+          </p:cNvPr>
+          <p:cNvSpPr txBox="1"/>
+          <p:nvPr/>
+        </p:nvSpPr>
+        <p:spPr>
+          <a:xfrm>
+            <a:off x="4725358" y="1394040"/>
+            <a:ext cx="2256117" cy="369332"/>
+          </a:xfrm>
+          <a:prstGeom prst="rect">
+            <a:avLst/>
+          </a:prstGeom>
+          <a:noFill/>
+        </p:spPr>
+        <p:txBody>
+          <a:bodyPr rot="0" spcFirstLastPara="0" vertOverflow="overflow" horzOverflow="overflow" vert="horz" wrap="square" lIns="91440" tIns="45720" rIns="91440" bIns="45720" numCol="1" spcCol="0" rtlCol="0" fromWordArt="0" anchor="t" anchorCtr="0" forceAA="0" compatLnSpc="1">
+            <a:prstTxWarp prst="textNoShape">
+              <a:avLst/>
+            </a:prstTxWarp>
+            <a:spAutoFit/>
+          </a:bodyPr>
+          <a:lstStyle/>
+          <a:p>
+            <a:r>
+              <a:rPr lang="it-IT" dirty="0"/>
+              <a:t>SOCKET SERVICE</a:t>
+            </a:r>
+          </a:p>
+        </p:txBody>
+      </p:sp>
+    </p:spTree>
+    <p:extLst>
+      <p:ext uri="{BB962C8B-B14F-4D97-AF65-F5344CB8AC3E}">
+        <p14:creationId xmlns:p14="http://schemas.microsoft.com/office/powerpoint/2010/main" val="2151556778"/>
+      </p:ext>
+    </p:extLst>
+  </p:cSld>
+  <p:clrMapOvr>
+    <a:masterClrMapping/>
+  </p:clrMapOvr>
+</p:sld>
+</file>
+
+<file path=ppt/slides/slide7.xml><?xml version="1.0" encoding="utf-8"?>
+<p:sld xmlns:a="http://schemas.openxmlformats.org/drawingml/2006/main" xmlns:r="http://schemas.openxmlformats.org/officeDocument/2006/relationships" xmlns:p="http://schemas.openxmlformats.org/presentationml/2006/main">
+  <p:cSld>
+    <p:spTree>
+      <p:nvGrpSpPr>
+        <p:cNvPr id="1" name=""/>
+        <p:cNvGrpSpPr/>
+        <p:nvPr/>
+      </p:nvGrpSpPr>
+      <p:grpSpPr>
+        <a:xfrm>
+          <a:off x="0" y="0"/>
+          <a:ext cx="0" cy="0"/>
+          <a:chOff x="0" y="0"/>
+          <a:chExt cx="0" cy="0"/>
+        </a:xfrm>
+      </p:grpSpPr>
+      <p:graphicFrame>
+        <p:nvGraphicFramePr>
+          <p:cNvPr id="13" name="Tabella 12">
+            <a:extLst>
+              <a:ext uri="{FF2B5EF4-FFF2-40B4-BE49-F238E27FC236}">
+                <a16:creationId xmlns:a16="http://schemas.microsoft.com/office/drawing/2014/main" id="{7BA3F627-9833-1AD2-4FEA-A866267529F9}"/>
+              </a:ext>
+            </a:extLst>
+          </p:cNvPr>
+          <p:cNvGraphicFramePr>
+            <a:graphicFrameLocks noGrp="1"/>
+          </p:cNvGraphicFramePr>
+          <p:nvPr/>
+        </p:nvGraphicFramePr>
+        <p:xfrm>
+          <a:off x="3939396" y="201283"/>
+          <a:ext cx="2954156" cy="6462597"/>
+        </p:xfrm>
+        <a:graphic>
+          <a:graphicData uri="http://schemas.openxmlformats.org/drawingml/2006/table">
+            <a:tbl>
+              <a:tblPr firstRow="1" bandRow="1">
+                <a:tableStyleId>{5C22544A-7EE6-4342-B048-85BDC9FD1C3A}</a:tableStyleId>
+              </a:tblPr>
+              <a:tblGrid>
+                <a:gridCol w="2954156">
+                  <a:extLst>
+                    <a:ext uri="{9D8B030D-6E8A-4147-A177-3AD203B41FA5}">
+                      <a16:colId xmlns:a16="http://schemas.microsoft.com/office/drawing/2014/main" val="1933285794"/>
+                    </a:ext>
+                  </a:extLst>
+                </a:gridCol>
+              </a:tblGrid>
+              <a:tr h="654439">
+                <a:tc>
+                  <a:txBody>
+                    <a:bodyPr/>
+                    <a:lstStyle/>
+                    <a:p>
+                      <a:pPr algn="ctr"/>
+                      <a:r>
+                        <a:rPr lang="it-IT" dirty="0"/>
+                        <a:t>UI</a:t>
+                      </a:r>
+                    </a:p>
+                  </a:txBody>
+                  <a:tcPr anchor="ctr"/>
+                </a:tc>
+                <a:extLst>
+                  <a:ext uri="{0D108BD9-81ED-4DB2-BD59-A6C34878D82A}">
+                    <a16:rowId xmlns:a16="http://schemas.microsoft.com/office/drawing/2014/main" val="1427985647"/>
+                  </a:ext>
+                </a:extLst>
+              </a:tr>
+              <a:tr h="5808158">
+                <a:tc>
+                  <a:txBody>
+                    <a:bodyPr/>
+                    <a:lstStyle/>
+                    <a:p>
+                      <a:pPr lvl="0">
+                        <a:buNone/>
+                      </a:pPr>
+                      <a:endParaRPr lang="it-IT" dirty="0"/>
+                    </a:p>
+                  </a:txBody>
+                  <a:tcPr>
+                    <a:noFill/>
+                  </a:tcPr>
+                </a:tc>
+                <a:extLst>
+                  <a:ext uri="{0D108BD9-81ED-4DB2-BD59-A6C34878D82A}">
+                    <a16:rowId xmlns:a16="http://schemas.microsoft.com/office/drawing/2014/main" val="2440660680"/>
+                  </a:ext>
+                </a:extLst>
+              </a:tr>
+            </a:tbl>
+          </a:graphicData>
+        </a:graphic>
+      </p:graphicFrame>
+      <p:sp>
+        <p:nvSpPr>
+          <p:cNvPr id="2" name="Titolo 1">
+            <a:extLst>
+              <a:ext uri="{FF2B5EF4-FFF2-40B4-BE49-F238E27FC236}">
+                <a16:creationId xmlns:a16="http://schemas.microsoft.com/office/drawing/2014/main" id="{2CEACD3D-6281-5159-5D50-DAB13FCE2472}"/>
+              </a:ext>
+            </a:extLst>
+          </p:cNvPr>
+          <p:cNvSpPr>
+            <a:spLocks noGrp="1"/>
+          </p:cNvSpPr>
+          <p:nvPr>
+            <p:ph type="title"/>
+          </p:nvPr>
+        </p:nvSpPr>
+        <p:spPr>
+          <a:xfrm>
+            <a:off x="8965571" y="361030"/>
+            <a:ext cx="3042250" cy="1507067"/>
+          </a:xfrm>
+        </p:spPr>
+        <p:txBody>
+          <a:bodyPr/>
+          <a:lstStyle/>
+          <a:p>
+            <a:r>
+              <a:rPr lang="it-IT" dirty="0"/>
+              <a:t>USER</a:t>
+            </a:r>
+            <a:br>
+              <a:rPr lang="it-IT" dirty="0"/>
+            </a:br>
+            <a:r>
+              <a:rPr lang="it-IT" dirty="0" err="1"/>
+              <a:t>interface</a:t>
+            </a:r>
+          </a:p>
+        </p:txBody>
+      </p:sp>
+      <p:sp>
+        <p:nvSpPr>
+          <p:cNvPr id="7" name="Nuvola 6">
+            <a:extLst>
+              <a:ext uri="{FF2B5EF4-FFF2-40B4-BE49-F238E27FC236}">
+                <a16:creationId xmlns:a16="http://schemas.microsoft.com/office/drawing/2014/main" id="{814ADE5E-82FD-C2D5-B26F-67FF49006960}"/>
+              </a:ext>
+            </a:extLst>
+          </p:cNvPr>
+          <p:cNvSpPr/>
+          <p:nvPr/>
+        </p:nvSpPr>
+        <p:spPr>
+          <a:xfrm>
+            <a:off x="438822" y="4783597"/>
+            <a:ext cx="3220527" cy="1667773"/>
+          </a:xfrm>
+          <a:prstGeom prst="cloud">
+            <a:avLst/>
+          </a:prstGeom>
+          <a:solidFill>
+            <a:schemeClr val="tx1">
+              <a:lumMod val="95000"/>
+            </a:schemeClr>
+          </a:solidFill>
+        </p:spPr>
+        <p:style>
+          <a:lnRef idx="2">
+            <a:schemeClr val="accent1">
+              <a:shade val="15000"/>
+            </a:schemeClr>
+          </a:lnRef>
+          <a:fillRef idx="1">
+            <a:schemeClr val="accent1"/>
+          </a:fillRef>
+          <a:effectRef idx="0">
+            <a:schemeClr val="accent1"/>
+          </a:effectRef>
+          <a:fontRef idx="minor">
+            <a:schemeClr val="lt1"/>
+          </a:fontRef>
+        </p:style>
+        <p:txBody>
+          <a:bodyPr rtlCol="0" anchor="ctr"/>
+          <a:lstStyle/>
+          <a:p>
+            <a:pPr algn="ctr"/>
+            <a:r>
+              <a:rPr lang="it-IT" dirty="0">
+                <a:solidFill>
+                  <a:schemeClr val="bg1"/>
+                </a:solidFill>
+              </a:rPr>
+              <a:t>DATA MANAGEMENT</a:t>
+            </a:r>
+          </a:p>
+        </p:txBody>
+      </p:sp>
+      <p:sp>
+        <p:nvSpPr>
+          <p:cNvPr id="8" name="Nuvola 7">
+            <a:extLst>
+              <a:ext uri="{FF2B5EF4-FFF2-40B4-BE49-F238E27FC236}">
+                <a16:creationId xmlns:a16="http://schemas.microsoft.com/office/drawing/2014/main" id="{A8616987-2FE5-C939-1312-EB8FB05A57CA}"/>
+              </a:ext>
+            </a:extLst>
+          </p:cNvPr>
+          <p:cNvSpPr/>
+          <p:nvPr/>
+        </p:nvSpPr>
+        <p:spPr>
+          <a:xfrm>
+            <a:off x="438821" y="355369"/>
+            <a:ext cx="3220527" cy="1667773"/>
+          </a:xfrm>
+          <a:prstGeom prst="cloud">
+            <a:avLst/>
+          </a:prstGeom>
+          <a:solidFill>
+            <a:schemeClr val="tx1">
+              <a:lumMod val="95000"/>
+            </a:schemeClr>
+          </a:solidFill>
+        </p:spPr>
+        <p:style>
+          <a:lnRef idx="2">
+            <a:schemeClr val="accent1">
+              <a:shade val="15000"/>
+            </a:schemeClr>
+          </a:lnRef>
+          <a:fillRef idx="1">
+            <a:schemeClr val="accent1"/>
+          </a:fillRef>
+          <a:effectRef idx="0">
+            <a:schemeClr val="accent1"/>
+          </a:effectRef>
+          <a:fontRef idx="minor">
+            <a:schemeClr val="lt1"/>
+          </a:fontRef>
+        </p:style>
+        <p:txBody>
+          <a:bodyPr lIns="91440" tIns="45720" rIns="91440" bIns="45720" rtlCol="0" anchor="ctr"/>
+          <a:lstStyle/>
+          <a:p>
+            <a:pPr algn="ctr"/>
+            <a:r>
+              <a:rPr lang="it-IT" dirty="0">
+                <a:solidFill>
+                  <a:schemeClr val="bg1"/>
+                </a:solidFill>
+              </a:rPr>
+              <a:t>AUTHENTICATION</a:t>
+            </a:r>
+          </a:p>
+        </p:txBody>
+      </p:sp>
+      <p:cxnSp>
+        <p:nvCxnSpPr>
+          <p:cNvPr id="9" name="Connettore 2 8">
+            <a:extLst>
+              <a:ext uri="{FF2B5EF4-FFF2-40B4-BE49-F238E27FC236}">
+                <a16:creationId xmlns:a16="http://schemas.microsoft.com/office/drawing/2014/main" id="{7E6BA7D5-9B22-AE9C-A507-38850211E355}"/>
+              </a:ext>
+            </a:extLst>
+          </p:cNvPr>
+          <p:cNvCxnSpPr/>
+          <p:nvPr/>
+        </p:nvCxnSpPr>
+        <p:spPr>
+          <a:xfrm>
+            <a:off x="2677065" y="1936630"/>
+            <a:ext cx="1216325" cy="569343"/>
+          </a:xfrm>
+          <a:prstGeom prst="straightConnector1">
+            <a:avLst/>
+          </a:prstGeom>
+          <a:ln w="57150">
+            <a:solidFill>
+              <a:schemeClr val="accent1"/>
+            </a:solidFill>
+            <a:headEnd type="triangle"/>
+            <a:tailEnd type="triangle"/>
+          </a:ln>
+        </p:spPr>
+        <p:style>
+          <a:lnRef idx="1">
+            <a:schemeClr val="accent1"/>
+          </a:lnRef>
+          <a:fillRef idx="0">
+            <a:schemeClr val="accent1"/>
+          </a:fillRef>
+          <a:effectRef idx="0">
+            <a:schemeClr val="accent1"/>
+          </a:effectRef>
+          <a:fontRef idx="minor">
+            <a:schemeClr val="tx1"/>
+          </a:fontRef>
+        </p:style>
+      </p:cxnSp>
+      <p:cxnSp>
+        <p:nvCxnSpPr>
+          <p:cNvPr id="10" name="Connettore 2 9">
+            <a:extLst>
+              <a:ext uri="{FF2B5EF4-FFF2-40B4-BE49-F238E27FC236}">
+                <a16:creationId xmlns:a16="http://schemas.microsoft.com/office/drawing/2014/main" id="{BC0FBFC9-E534-203D-2093-A96E75E8EFEF}"/>
+              </a:ext>
+            </a:extLst>
+          </p:cNvPr>
+          <p:cNvCxnSpPr>
+            <a:cxnSpLocks/>
+          </p:cNvCxnSpPr>
+          <p:nvPr/>
+        </p:nvCxnSpPr>
+        <p:spPr>
+          <a:xfrm flipH="1">
+            <a:off x="3418936" y="3805686"/>
+            <a:ext cx="695863" cy="1130061"/>
+          </a:xfrm>
+          <a:prstGeom prst="straightConnector1">
+            <a:avLst/>
+          </a:prstGeom>
+          <a:ln w="57150">
+            <a:solidFill>
+              <a:schemeClr val="accent1"/>
+            </a:solidFill>
+            <a:headEnd type="triangle"/>
+            <a:tailEnd type="triangle"/>
+          </a:ln>
+        </p:spPr>
+        <p:style>
+          <a:lnRef idx="1">
+            <a:schemeClr val="accent1"/>
+          </a:lnRef>
+          <a:fillRef idx="0">
+            <a:schemeClr val="accent1"/>
+          </a:fillRef>
+          <a:effectRef idx="0">
+            <a:schemeClr val="accent1"/>
+          </a:effectRef>
+          <a:fontRef idx="minor">
+            <a:schemeClr val="tx1"/>
+          </a:fontRef>
+        </p:style>
+      </p:cxnSp>
+      <p:pic>
+        <p:nvPicPr>
+          <p:cNvPr id="4" name="Immagine 3" descr="Immagine che contiene cerchio, Elementi grafici, arte, simbolo&#10;&#10;Descrizione generata automaticamente">
+            <a:extLst>
+              <a:ext uri="{FF2B5EF4-FFF2-40B4-BE49-F238E27FC236}">
+                <a16:creationId xmlns:a16="http://schemas.microsoft.com/office/drawing/2014/main" id="{10FC92B9-A9D7-1D4B-74C1-0052E5E6A7A2}"/>
+              </a:ext>
+            </a:extLst>
+          </p:cNvPr>
+          <p:cNvPicPr>
+            <a:picLocks noChangeAspect="1"/>
+          </p:cNvPicPr>
+          <p:nvPr/>
+        </p:nvPicPr>
+        <p:blipFill>
+          <a:blip r:embed="rId2"/>
+          <a:stretch>
+            <a:fillRect/>
+          </a:stretch>
+        </p:blipFill>
+        <p:spPr>
+          <a:xfrm>
+            <a:off x="4479985" y="1079741"/>
+            <a:ext cx="1880560" cy="1880560"/>
+          </a:xfrm>
+          <a:prstGeom prst="rect">
+            <a:avLst/>
+          </a:prstGeom>
+        </p:spPr>
+      </p:pic>
+      <p:pic>
+        <p:nvPicPr>
+          <p:cNvPr id="14" name="Immagine 13" descr="Cos'è Axios e a cosa serve">
+            <a:extLst>
+              <a:ext uri="{FF2B5EF4-FFF2-40B4-BE49-F238E27FC236}">
+                <a16:creationId xmlns:a16="http://schemas.microsoft.com/office/drawing/2014/main" id="{3EA29BAF-44B6-9447-06C5-A507A2E0ED00}"/>
+              </a:ext>
+            </a:extLst>
+          </p:cNvPr>
+          <p:cNvPicPr>
+            <a:picLocks noChangeAspect="1"/>
+          </p:cNvPicPr>
+          <p:nvPr/>
+        </p:nvPicPr>
+        <p:blipFill>
+          <a:blip r:embed="rId3"/>
+          <a:stretch>
+            <a:fillRect/>
+          </a:stretch>
+        </p:blipFill>
+        <p:spPr>
+          <a:xfrm>
+            <a:off x="3761116" y="2719908"/>
+            <a:ext cx="2182483" cy="1748862"/>
+          </a:xfrm>
+          <a:prstGeom prst="rect">
+            <a:avLst/>
+          </a:prstGeom>
+        </p:spPr>
+      </p:pic>
+      <p:pic>
+        <p:nvPicPr>
+          <p:cNvPr id="15" name="Immagine 14" descr="SockJS-node download | SourceForge.net">
+            <a:extLst>
+              <a:ext uri="{FF2B5EF4-FFF2-40B4-BE49-F238E27FC236}">
+                <a16:creationId xmlns:a16="http://schemas.microsoft.com/office/drawing/2014/main" id="{73051527-E9C0-553B-3BDD-F3B21ECCC37F}"/>
+              </a:ext>
+            </a:extLst>
+          </p:cNvPr>
+          <p:cNvPicPr>
+            <a:picLocks noChangeAspect="1"/>
+          </p:cNvPicPr>
+          <p:nvPr/>
+        </p:nvPicPr>
+        <p:blipFill>
+          <a:blip r:embed="rId4"/>
+          <a:stretch>
+            <a:fillRect/>
+          </a:stretch>
+        </p:blipFill>
+        <p:spPr>
+          <a:xfrm>
+            <a:off x="5063525" y="4538753"/>
+            <a:ext cx="1734268" cy="1676758"/>
+          </a:xfrm>
+          <a:prstGeom prst="rect">
+            <a:avLst/>
+          </a:prstGeom>
+        </p:spPr>
+      </p:pic>
+      <p:cxnSp>
+        <p:nvCxnSpPr>
+          <p:cNvPr id="16" name="Connettore 2 15">
+            <a:extLst>
+              <a:ext uri="{FF2B5EF4-FFF2-40B4-BE49-F238E27FC236}">
+                <a16:creationId xmlns:a16="http://schemas.microsoft.com/office/drawing/2014/main" id="{7531CB7D-874E-10BE-AD90-6981DBA63A3C}"/>
+              </a:ext>
+            </a:extLst>
+          </p:cNvPr>
+          <p:cNvCxnSpPr>
+            <a:cxnSpLocks/>
+          </p:cNvCxnSpPr>
+          <p:nvPr/>
+        </p:nvCxnSpPr>
+        <p:spPr>
+          <a:xfrm flipH="1">
+            <a:off x="3648972" y="5358440"/>
+            <a:ext cx="1429108" cy="8627"/>
+          </a:xfrm>
+          <a:prstGeom prst="straightConnector1">
+            <a:avLst/>
+          </a:prstGeom>
+          <a:ln w="57150">
+            <a:solidFill>
+              <a:schemeClr val="accent1"/>
+            </a:solidFill>
+            <a:headEnd type="triangle"/>
+            <a:tailEnd type="triangle"/>
+          </a:ln>
+        </p:spPr>
+        <p:style>
+          <a:lnRef idx="1">
+            <a:schemeClr val="accent1"/>
+          </a:lnRef>
+          <a:fillRef idx="0">
+            <a:schemeClr val="accent1"/>
+          </a:fillRef>
+          <a:effectRef idx="0">
+            <a:schemeClr val="accent1"/>
+          </a:effectRef>
+          <a:fontRef idx="minor">
+            <a:schemeClr val="tx1"/>
+          </a:fontRef>
+        </p:style>
+      </p:cxnSp>
+      <p:cxnSp>
+        <p:nvCxnSpPr>
+          <p:cNvPr id="17" name="Connettore 2 16">
+            <a:extLst>
+              <a:ext uri="{FF2B5EF4-FFF2-40B4-BE49-F238E27FC236}">
+                <a16:creationId xmlns:a16="http://schemas.microsoft.com/office/drawing/2014/main" id="{DA6DCE66-2752-61B4-79F3-EB25AE02A60B}"/>
+              </a:ext>
+            </a:extLst>
+          </p:cNvPr>
+          <p:cNvCxnSpPr>
+            <a:cxnSpLocks/>
+          </p:cNvCxnSpPr>
+          <p:nvPr/>
+        </p:nvCxnSpPr>
+        <p:spPr>
+          <a:xfrm>
+            <a:off x="6098876" y="2727384"/>
+            <a:ext cx="181156" cy="2395267"/>
+          </a:xfrm>
+          <a:prstGeom prst="straightConnector1">
+            <a:avLst/>
+          </a:prstGeom>
+          <a:ln w="57150">
+            <a:solidFill>
+              <a:schemeClr val="accent1"/>
+            </a:solidFill>
+            <a:headEnd type="triangle"/>
+            <a:tailEnd type="triangle"/>
+          </a:ln>
+        </p:spPr>
+        <p:style>
+          <a:lnRef idx="1">
+            <a:schemeClr val="accent1"/>
+          </a:lnRef>
+          <a:fillRef idx="0">
+            <a:schemeClr val="accent1"/>
+          </a:fillRef>
+          <a:effectRef idx="0">
+            <a:schemeClr val="accent1"/>
+          </a:effectRef>
+          <a:fontRef idx="minor">
+            <a:schemeClr val="tx1"/>
+          </a:fontRef>
+        </p:style>
+      </p:cxnSp>
+      <p:cxnSp>
+        <p:nvCxnSpPr>
+          <p:cNvPr id="18" name="Connettore 2 17">
+            <a:extLst>
+              <a:ext uri="{FF2B5EF4-FFF2-40B4-BE49-F238E27FC236}">
+                <a16:creationId xmlns:a16="http://schemas.microsoft.com/office/drawing/2014/main" id="{0EFD044D-DE30-B5DF-726D-399661529AED}"/>
+              </a:ext>
+            </a:extLst>
+          </p:cNvPr>
+          <p:cNvCxnSpPr>
+            <a:cxnSpLocks/>
+          </p:cNvCxnSpPr>
+          <p:nvPr/>
+        </p:nvCxnSpPr>
+        <p:spPr>
+          <a:xfrm flipH="1">
+            <a:off x="4482861" y="2756138"/>
+            <a:ext cx="250166" cy="655608"/>
+          </a:xfrm>
+          <a:prstGeom prst="straightConnector1">
+            <a:avLst/>
+          </a:prstGeom>
+          <a:ln w="57150">
+            <a:solidFill>
+              <a:schemeClr val="accent1"/>
+            </a:solidFill>
+            <a:headEnd type="triangle"/>
+            <a:tailEnd type="triangle"/>
+          </a:ln>
+        </p:spPr>
+        <p:style>
+          <a:lnRef idx="1">
+            <a:schemeClr val="accent1"/>
+          </a:lnRef>
+          <a:fillRef idx="0">
+            <a:schemeClr val="accent1"/>
+          </a:fillRef>
+          <a:effectRef idx="0">
+            <a:schemeClr val="accent1"/>
+          </a:effectRef>
+          <a:fontRef idx="minor">
+            <a:schemeClr val="tx1"/>
+          </a:fontRef>
+        </p:style>
+      </p:cxnSp>
+      <p:pic>
+        <p:nvPicPr>
+          <p:cNvPr id="20" name="Immagine 19" descr="Monitor Screen Sketch Computer PNG &amp; SVG Design For T-Shirts">
+            <a:extLst>
+              <a:ext uri="{FF2B5EF4-FFF2-40B4-BE49-F238E27FC236}">
+                <a16:creationId xmlns:a16="http://schemas.microsoft.com/office/drawing/2014/main" id="{C6B4C2EC-6FD1-E9F2-4904-D2985E1E3BA5}"/>
+              </a:ext>
+            </a:extLst>
+          </p:cNvPr>
+          <p:cNvPicPr>
+            <a:picLocks noChangeAspect="1"/>
+          </p:cNvPicPr>
+          <p:nvPr/>
+        </p:nvPicPr>
+        <p:blipFill>
+          <a:blip r:embed="rId5"/>
+          <a:stretch>
+            <a:fillRect/>
+          </a:stretch>
+        </p:blipFill>
+        <p:spPr>
+          <a:xfrm>
+            <a:off x="7693284" y="1805755"/>
+            <a:ext cx="1751244" cy="1636226"/>
+          </a:xfrm>
+          <a:prstGeom prst="rect">
+            <a:avLst/>
+          </a:prstGeom>
+        </p:spPr>
+      </p:pic>
+      <p:pic>
+        <p:nvPicPr>
+          <p:cNvPr id="21" name="Immagine 20" descr="Mobile, phone, screen, smartphone, tablet icon - Download on Iconfinder">
+            <a:extLst>
+              <a:ext uri="{FF2B5EF4-FFF2-40B4-BE49-F238E27FC236}">
+                <a16:creationId xmlns:a16="http://schemas.microsoft.com/office/drawing/2014/main" id="{58C29E1F-F28B-7CEA-C1F3-FD16FF0E44E0}"/>
+              </a:ext>
+            </a:extLst>
+          </p:cNvPr>
+          <p:cNvPicPr>
+            <a:picLocks noChangeAspect="1"/>
+          </p:cNvPicPr>
+          <p:nvPr/>
+        </p:nvPicPr>
+        <p:blipFill>
+          <a:blip r:embed="rId6"/>
+          <a:stretch>
+            <a:fillRect/>
+          </a:stretch>
+        </p:blipFill>
+        <p:spPr>
+          <a:xfrm>
+            <a:off x="7901796" y="3653286"/>
+            <a:ext cx="1506748" cy="1506748"/>
+          </a:xfrm>
+          <a:prstGeom prst="rect">
+            <a:avLst/>
+          </a:prstGeom>
+        </p:spPr>
+      </p:pic>
+      <p:cxnSp>
+        <p:nvCxnSpPr>
+          <p:cNvPr id="23" name="Connettore 2 22">
+            <a:extLst>
+              <a:ext uri="{FF2B5EF4-FFF2-40B4-BE49-F238E27FC236}">
+                <a16:creationId xmlns:a16="http://schemas.microsoft.com/office/drawing/2014/main" id="{31088B56-8AE9-7724-27AA-1826AC91691E}"/>
+              </a:ext>
+            </a:extLst>
+          </p:cNvPr>
+          <p:cNvCxnSpPr>
+            <a:cxnSpLocks/>
+          </p:cNvCxnSpPr>
+          <p:nvPr/>
+        </p:nvCxnSpPr>
+        <p:spPr>
+          <a:xfrm>
+            <a:off x="6357667" y="2022893"/>
+            <a:ext cx="1575760" cy="209908"/>
+          </a:xfrm>
+          <a:prstGeom prst="straightConnector1">
+            <a:avLst/>
+          </a:prstGeom>
+          <a:ln w="57150">
+            <a:solidFill>
+              <a:schemeClr val="accent1"/>
+            </a:solidFill>
+            <a:headEnd type="triangle"/>
+            <a:tailEnd type="triangle"/>
+          </a:ln>
+        </p:spPr>
+        <p:style>
+          <a:lnRef idx="1">
+            <a:schemeClr val="accent1"/>
+          </a:lnRef>
+          <a:fillRef idx="0">
+            <a:schemeClr val="accent1"/>
+          </a:fillRef>
+          <a:effectRef idx="0">
+            <a:schemeClr val="accent1"/>
+          </a:effectRef>
+          <a:fontRef idx="minor">
+            <a:schemeClr val="tx1"/>
+          </a:fontRef>
+        </p:style>
+      </p:cxnSp>
+      <p:cxnSp>
+        <p:nvCxnSpPr>
+          <p:cNvPr id="24" name="Connettore 2 23">
+            <a:extLst>
+              <a:ext uri="{FF2B5EF4-FFF2-40B4-BE49-F238E27FC236}">
+                <a16:creationId xmlns:a16="http://schemas.microsoft.com/office/drawing/2014/main" id="{19F62E31-60E8-3347-EAAC-8BA6D305EBB6}"/>
+              </a:ext>
+            </a:extLst>
+          </p:cNvPr>
+          <p:cNvCxnSpPr>
+            <a:cxnSpLocks/>
+          </p:cNvCxnSpPr>
+          <p:nvPr/>
+        </p:nvCxnSpPr>
+        <p:spPr>
+          <a:xfrm>
+            <a:off x="6343291" y="2267310"/>
+            <a:ext cx="1547004" cy="1547001"/>
+          </a:xfrm>
+          <a:prstGeom prst="straightConnector1">
+            <a:avLst/>
+          </a:prstGeom>
+          <a:ln w="57150">
+            <a:solidFill>
+              <a:schemeClr val="accent1"/>
+            </a:solidFill>
+            <a:headEnd type="triangle"/>
+            <a:tailEnd type="triangle"/>
+          </a:ln>
+        </p:spPr>
+        <p:style>
+          <a:lnRef idx="1">
+            <a:schemeClr val="accent1"/>
+          </a:lnRef>
+          <a:fillRef idx="0">
+            <a:schemeClr val="accent1"/>
+          </a:fillRef>
+          <a:effectRef idx="0">
+            <a:schemeClr val="accent1"/>
+          </a:effectRef>
+          <a:fontRef idx="minor">
+            <a:schemeClr val="tx1"/>
+          </a:fontRef>
+        </p:style>
+      </p:cxnSp>
+    </p:spTree>
+    <p:extLst>
+      <p:ext uri="{BB962C8B-B14F-4D97-AF65-F5344CB8AC3E}">
+        <p14:creationId xmlns:p14="http://schemas.microsoft.com/office/powerpoint/2010/main" val="3993552459"/>
+      </p:ext>
+    </p:extLst>
+  </p:cSld>
+  <p:clrMapOvr>
+    <a:masterClrMapping/>
+  </p:clrMapOvr>
+</p:sld>
+</file>
+
+<file path=ppt/slides/slide8.xml><?xml version="1.0" encoding="utf-8"?>
+<p:sld xmlns:a="http://schemas.openxmlformats.org/drawingml/2006/main" xmlns:r="http://schemas.openxmlformats.org/officeDocument/2006/relationships" xmlns:p="http://schemas.openxmlformats.org/presentationml/2006/main">
+  <p:cSld>
+    <p:spTree>
+      <p:nvGrpSpPr>
+        <p:cNvPr id="1" name=""/>
+        <p:cNvGrpSpPr/>
+        <p:nvPr/>
+      </p:nvGrpSpPr>
+      <p:grpSpPr>
+        <a:xfrm>
+          <a:off x="0" y="0"/>
+          <a:ext cx="0" cy="0"/>
+          <a:chOff x="0" y="0"/>
+          <a:chExt cx="0" cy="0"/>
+        </a:xfrm>
+      </p:grpSpPr>
+      <p:sp>
+        <p:nvSpPr>
+          <p:cNvPr id="2" name="Titolo 1">
+            <a:extLst>
+              <a:ext uri="{FF2B5EF4-FFF2-40B4-BE49-F238E27FC236}">
+                <a16:creationId xmlns:a16="http://schemas.microsoft.com/office/drawing/2014/main" id="{AF2DEC12-F274-D112-6885-EE923E92296F}"/>
+              </a:ext>
+            </a:extLst>
+          </p:cNvPr>
+          <p:cNvSpPr>
+            <a:spLocks noGrp="1"/>
+          </p:cNvSpPr>
+          <p:nvPr>
+            <p:ph type="title"/>
+          </p:nvPr>
+        </p:nvSpPr>
+        <p:spPr>
+          <a:xfrm>
+            <a:off x="324778" y="5278087"/>
+            <a:ext cx="8879456" cy="1507067"/>
+          </a:xfrm>
+        </p:spPr>
+        <p:txBody>
+          <a:bodyPr/>
+          <a:lstStyle/>
+          <a:p>
+            <a:r>
+              <a:rPr lang="it-IT" dirty="0"/>
+              <a:t>Authentication and user profiling</a:t>
+            </a:r>
+          </a:p>
+        </p:txBody>
+      </p:sp>
+      <p:pic>
+        <p:nvPicPr>
+          <p:cNvPr id="4" name="Immagine 3" descr="SPRING BOOT: come far generare un WAR a Spring Boot – ultimatecodingblog">
+            <a:extLst>
+              <a:ext uri="{FF2B5EF4-FFF2-40B4-BE49-F238E27FC236}">
+                <a16:creationId xmlns:a16="http://schemas.microsoft.com/office/drawing/2014/main" id="{40505066-D494-68D9-CA12-34802AD7EB61}"/>
+              </a:ext>
+            </a:extLst>
+          </p:cNvPr>
+          <p:cNvPicPr>
+            <a:picLocks noChangeAspect="1"/>
+          </p:cNvPicPr>
+          <p:nvPr/>
+        </p:nvPicPr>
+        <p:blipFill>
+          <a:blip r:embed="rId2"/>
+          <a:stretch>
+            <a:fillRect/>
+          </a:stretch>
+        </p:blipFill>
+        <p:spPr>
+          <a:xfrm>
+            <a:off x="4652514" y="524251"/>
+            <a:ext cx="2743199" cy="1438780"/>
+          </a:xfrm>
+          <a:prstGeom prst="rect">
+            <a:avLst/>
+          </a:prstGeom>
+        </p:spPr>
+      </p:pic>
+      <p:sp>
+        <p:nvSpPr>
+          <p:cNvPr id="6" name="CasellaDiTesto 5">
+            <a:extLst>
+              <a:ext uri="{FF2B5EF4-FFF2-40B4-BE49-F238E27FC236}">
+                <a16:creationId xmlns:a16="http://schemas.microsoft.com/office/drawing/2014/main" id="{79C3A309-3E4B-B431-C0B8-E56AB552F887}"/>
+              </a:ext>
+            </a:extLst>
+          </p:cNvPr>
+          <p:cNvSpPr txBox="1"/>
+          <p:nvPr/>
+        </p:nvSpPr>
+        <p:spPr>
+          <a:xfrm>
+            <a:off x="4653472" y="1667210"/>
+            <a:ext cx="2256117" cy="369332"/>
+          </a:xfrm>
+          <a:prstGeom prst="rect">
+            <a:avLst/>
+          </a:prstGeom>
+          <a:noFill/>
+        </p:spPr>
+        <p:txBody>
+          <a:bodyPr rot="0" spcFirstLastPara="0" vertOverflow="overflow" horzOverflow="overflow" vert="horz" wrap="square" lIns="91440" tIns="45720" rIns="91440" bIns="45720" numCol="1" spcCol="0" rtlCol="0" fromWordArt="0" anchor="t" anchorCtr="0" forceAA="0" compatLnSpc="1">
+            <a:prstTxWarp prst="textNoShape">
+              <a:avLst/>
+            </a:prstTxWarp>
+            <a:spAutoFit/>
+          </a:bodyPr>
+          <a:lstStyle/>
+          <a:p>
+            <a:r>
+              <a:rPr lang="it-IT" dirty="0"/>
+              <a:t>GATEWAY</a:t>
+            </a:r>
+          </a:p>
+        </p:txBody>
+      </p:sp>
+      <p:pic>
+        <p:nvPicPr>
+          <p:cNvPr id="7" name="Immagine 6" descr="Keycloak">
+            <a:extLst>
+              <a:ext uri="{FF2B5EF4-FFF2-40B4-BE49-F238E27FC236}">
+                <a16:creationId xmlns:a16="http://schemas.microsoft.com/office/drawing/2014/main" id="{7CD14020-59A5-A27D-9A06-78C3ADA3FBFA}"/>
+              </a:ext>
+            </a:extLst>
+          </p:cNvPr>
+          <p:cNvPicPr>
+            <a:picLocks noChangeAspect="1"/>
+          </p:cNvPicPr>
+          <p:nvPr/>
+        </p:nvPicPr>
+        <p:blipFill>
+          <a:blip r:embed="rId3"/>
+          <a:stretch>
+            <a:fillRect/>
+          </a:stretch>
+        </p:blipFill>
+        <p:spPr>
+          <a:xfrm>
+            <a:off x="7815533" y="1941366"/>
+            <a:ext cx="4382218" cy="1235606"/>
+          </a:xfrm>
+          <a:prstGeom prst="rect">
+            <a:avLst/>
+          </a:prstGeom>
+        </p:spPr>
+      </p:pic>
+      <p:sp>
+        <p:nvSpPr>
+          <p:cNvPr id="9" name="Rettangolo 8">
+            <a:extLst>
+              <a:ext uri="{FF2B5EF4-FFF2-40B4-BE49-F238E27FC236}">
+                <a16:creationId xmlns:a16="http://schemas.microsoft.com/office/drawing/2014/main" id="{6E187693-86F9-9B8F-A97F-14D35B585997}"/>
+              </a:ext>
+            </a:extLst>
+          </p:cNvPr>
+          <p:cNvSpPr/>
+          <p:nvPr/>
+        </p:nvSpPr>
+        <p:spPr>
+          <a:xfrm>
+            <a:off x="415067" y="3602465"/>
+            <a:ext cx="2789206" cy="1279584"/>
+          </a:xfrm>
+          <a:prstGeom prst="rect">
+            <a:avLst/>
+          </a:prstGeom>
+          <a:solidFill>
+            <a:schemeClr val="tx1">
+              <a:lumMod val="95000"/>
+            </a:schemeClr>
+          </a:solidFill>
+        </p:spPr>
+        <p:style>
+          <a:lnRef idx="2">
+            <a:schemeClr val="accent1">
+              <a:shade val="15000"/>
+            </a:schemeClr>
+          </a:lnRef>
+          <a:fillRef idx="1">
+            <a:schemeClr val="accent1"/>
+          </a:fillRef>
+          <a:effectRef idx="0">
+            <a:schemeClr val="accent1"/>
+          </a:effectRef>
+          <a:fontRef idx="minor">
+            <a:schemeClr val="lt1"/>
+          </a:fontRef>
+        </p:style>
+        <p:txBody>
+          <a:bodyPr rtlCol="0" anchor="ctr"/>
+          <a:lstStyle/>
+          <a:p>
+            <a:pPr algn="ctr"/>
+            <a:r>
+              <a:rPr lang="it-IT" dirty="0">
+                <a:solidFill>
+                  <a:schemeClr val="bg1"/>
+                </a:solidFill>
+              </a:rPr>
+              <a:t>User Interface</a:t>
+            </a:r>
+          </a:p>
+        </p:txBody>
+      </p:sp>
+      <p:sp>
+        <p:nvSpPr>
+          <p:cNvPr id="11" name="Nuvola 10">
+            <a:extLst>
+              <a:ext uri="{FF2B5EF4-FFF2-40B4-BE49-F238E27FC236}">
+                <a16:creationId xmlns:a16="http://schemas.microsoft.com/office/drawing/2014/main" id="{4044CA8C-425B-5F32-390B-49B6B6E533B5}"/>
+              </a:ext>
+            </a:extLst>
+          </p:cNvPr>
+          <p:cNvSpPr/>
+          <p:nvPr/>
+        </p:nvSpPr>
+        <p:spPr>
+          <a:xfrm>
+            <a:off x="4220067" y="3403371"/>
+            <a:ext cx="3220527" cy="1667773"/>
+          </a:xfrm>
+          <a:prstGeom prst="cloud">
+            <a:avLst/>
+          </a:prstGeom>
+          <a:solidFill>
+            <a:schemeClr val="tx1">
+              <a:lumMod val="95000"/>
+            </a:schemeClr>
+          </a:solidFill>
+        </p:spPr>
+        <p:style>
+          <a:lnRef idx="2">
+            <a:schemeClr val="accent1">
+              <a:shade val="15000"/>
+            </a:schemeClr>
+          </a:lnRef>
+          <a:fillRef idx="1">
+            <a:schemeClr val="accent1"/>
+          </a:fillRef>
+          <a:effectRef idx="0">
+            <a:schemeClr val="accent1"/>
+          </a:effectRef>
+          <a:fontRef idx="minor">
+            <a:schemeClr val="lt1"/>
+          </a:fontRef>
+        </p:style>
+        <p:txBody>
+          <a:bodyPr rtlCol="0" anchor="ctr"/>
+          <a:lstStyle/>
+          <a:p>
+            <a:pPr algn="ctr"/>
+            <a:r>
+              <a:rPr lang="it-IT" dirty="0">
+                <a:solidFill>
+                  <a:schemeClr val="bg1"/>
+                </a:solidFill>
+              </a:rPr>
+              <a:t>DATA MANAGEMENT</a:t>
+            </a:r>
+          </a:p>
+        </p:txBody>
+      </p:sp>
+      <p:pic>
+        <p:nvPicPr>
+          <p:cNvPr id="13" name="Immagine 12" descr="Young User Icon transparent PNG - StickPNG">
+            <a:extLst>
+              <a:ext uri="{FF2B5EF4-FFF2-40B4-BE49-F238E27FC236}">
+                <a16:creationId xmlns:a16="http://schemas.microsoft.com/office/drawing/2014/main" id="{0729579C-35E9-E738-8CCF-0683F78AC7ED}"/>
+              </a:ext>
+            </a:extLst>
+          </p:cNvPr>
+          <p:cNvPicPr>
+            <a:picLocks noChangeAspect="1"/>
+          </p:cNvPicPr>
+          <p:nvPr/>
+        </p:nvPicPr>
+        <p:blipFill>
+          <a:blip r:embed="rId4"/>
+          <a:stretch>
+            <a:fillRect/>
+          </a:stretch>
+        </p:blipFill>
+        <p:spPr>
+          <a:xfrm>
+            <a:off x="1029419" y="257013"/>
+            <a:ext cx="1463616" cy="1455672"/>
+          </a:xfrm>
+          <a:prstGeom prst="rect">
+            <a:avLst/>
+          </a:prstGeom>
+        </p:spPr>
+      </p:pic>
+      <p:cxnSp>
+        <p:nvCxnSpPr>
+          <p:cNvPr id="17" name="Connettore 2 16">
+            <a:extLst>
+              <a:ext uri="{FF2B5EF4-FFF2-40B4-BE49-F238E27FC236}">
+                <a16:creationId xmlns:a16="http://schemas.microsoft.com/office/drawing/2014/main" id="{A862D1FA-38C9-0B78-7721-543E285B4BC2}"/>
+              </a:ext>
+            </a:extLst>
+          </p:cNvPr>
+          <p:cNvCxnSpPr/>
+          <p:nvPr/>
+        </p:nvCxnSpPr>
+        <p:spPr>
+          <a:xfrm>
+            <a:off x="7286446" y="1355785"/>
+            <a:ext cx="1015042" cy="727493"/>
+          </a:xfrm>
+          <a:prstGeom prst="straightConnector1">
+            <a:avLst/>
+          </a:prstGeom>
+          <a:ln w="57150">
+            <a:solidFill>
+              <a:schemeClr val="accent1"/>
+            </a:solidFill>
+            <a:headEnd type="triangle"/>
+            <a:tailEnd type="triangle"/>
+          </a:ln>
+        </p:spPr>
+        <p:style>
+          <a:lnRef idx="1">
+            <a:schemeClr val="accent1"/>
+          </a:lnRef>
+          <a:fillRef idx="0">
+            <a:schemeClr val="accent1"/>
+          </a:fillRef>
+          <a:effectRef idx="0">
+            <a:schemeClr val="accent1"/>
+          </a:effectRef>
+          <a:fontRef idx="minor">
+            <a:schemeClr val="tx1"/>
+          </a:fontRef>
+        </p:style>
+      </p:cxnSp>
+      <p:cxnSp>
+        <p:nvCxnSpPr>
+          <p:cNvPr id="19" name="Connettore 2 18">
+            <a:extLst>
+              <a:ext uri="{FF2B5EF4-FFF2-40B4-BE49-F238E27FC236}">
+                <a16:creationId xmlns:a16="http://schemas.microsoft.com/office/drawing/2014/main" id="{2910AD20-DFBE-3749-7DEE-263390E8A84C}"/>
+              </a:ext>
+            </a:extLst>
+          </p:cNvPr>
+          <p:cNvCxnSpPr/>
+          <p:nvPr/>
+        </p:nvCxnSpPr>
+        <p:spPr>
+          <a:xfrm flipH="1">
+            <a:off x="2127851" y="1910750"/>
+            <a:ext cx="2449901" cy="1647646"/>
+          </a:xfrm>
+          <a:prstGeom prst="straightConnector1">
+            <a:avLst/>
+          </a:prstGeom>
+          <a:ln w="57150">
+            <a:solidFill>
+              <a:schemeClr val="accent1"/>
+            </a:solidFill>
+            <a:headEnd type="triangle"/>
+            <a:tailEnd type="triangle"/>
+          </a:ln>
+        </p:spPr>
+        <p:style>
+          <a:lnRef idx="1">
+            <a:schemeClr val="accent1"/>
+          </a:lnRef>
+          <a:fillRef idx="0">
+            <a:schemeClr val="accent1"/>
+          </a:fillRef>
+          <a:effectRef idx="0">
+            <a:schemeClr val="accent1"/>
+          </a:effectRef>
+          <a:fontRef idx="minor">
+            <a:schemeClr val="tx1"/>
+          </a:fontRef>
+        </p:style>
+      </p:cxnSp>
+      <p:cxnSp>
+        <p:nvCxnSpPr>
+          <p:cNvPr id="21" name="Connettore 2 20">
+            <a:extLst>
+              <a:ext uri="{FF2B5EF4-FFF2-40B4-BE49-F238E27FC236}">
+                <a16:creationId xmlns:a16="http://schemas.microsoft.com/office/drawing/2014/main" id="{045C1812-7A0C-1805-293D-CF2D10EFAE26}"/>
+              </a:ext>
+            </a:extLst>
+          </p:cNvPr>
+          <p:cNvCxnSpPr/>
+          <p:nvPr/>
+        </p:nvCxnSpPr>
+        <p:spPr>
+          <a:xfrm>
+            <a:off x="5506529" y="2106284"/>
+            <a:ext cx="8626" cy="1331340"/>
+          </a:xfrm>
+          <a:prstGeom prst="straightConnector1">
+            <a:avLst/>
+          </a:prstGeom>
+          <a:ln w="57150">
+            <a:solidFill>
+              <a:schemeClr val="accent1"/>
+            </a:solidFill>
+            <a:headEnd type="triangle"/>
+            <a:tailEnd type="triangle"/>
+          </a:ln>
+        </p:spPr>
+        <p:style>
+          <a:lnRef idx="1">
+            <a:schemeClr val="accent1"/>
+          </a:lnRef>
+          <a:fillRef idx="0">
+            <a:schemeClr val="accent1"/>
+          </a:fillRef>
+          <a:effectRef idx="0">
+            <a:schemeClr val="accent1"/>
+          </a:effectRef>
+          <a:fontRef idx="minor">
+            <a:schemeClr val="tx1"/>
+          </a:fontRef>
+        </p:style>
+      </p:cxnSp>
+      <p:cxnSp>
+        <p:nvCxnSpPr>
+          <p:cNvPr id="23" name="Connettore 2 22">
+            <a:extLst>
+              <a:ext uri="{FF2B5EF4-FFF2-40B4-BE49-F238E27FC236}">
+                <a16:creationId xmlns:a16="http://schemas.microsoft.com/office/drawing/2014/main" id="{980356AE-4083-58DA-E986-1DB42D315F13}"/>
+              </a:ext>
+            </a:extLst>
+          </p:cNvPr>
+          <p:cNvCxnSpPr/>
+          <p:nvPr/>
+        </p:nvCxnSpPr>
+        <p:spPr>
+          <a:xfrm>
+            <a:off x="2481533" y="1223512"/>
+            <a:ext cx="2064589" cy="8627"/>
+          </a:xfrm>
+          <a:prstGeom prst="straightConnector1">
+            <a:avLst/>
+          </a:prstGeom>
+          <a:ln w="57150">
+            <a:solidFill>
+              <a:schemeClr val="accent1"/>
+            </a:solidFill>
+            <a:headEnd type="none"/>
+            <a:tailEnd type="triangle"/>
+          </a:ln>
+        </p:spPr>
+        <p:style>
+          <a:lnRef idx="1">
+            <a:schemeClr val="accent1"/>
+          </a:lnRef>
+          <a:fillRef idx="0">
+            <a:schemeClr val="accent1"/>
+          </a:fillRef>
+          <a:effectRef idx="0">
+            <a:schemeClr val="accent1"/>
+          </a:effectRef>
+          <a:fontRef idx="minor">
+            <a:schemeClr val="tx1"/>
+          </a:fontRef>
+        </p:style>
+      </p:cxnSp>
+    </p:spTree>
+    <p:extLst>
+      <p:ext uri="{BB962C8B-B14F-4D97-AF65-F5344CB8AC3E}">
+        <p14:creationId xmlns:p14="http://schemas.microsoft.com/office/powerpoint/2010/main" val="3136602342"/>
+      </p:ext>
+    </p:extLst>
+  </p:cSld>
+  <p:clrMapOvr>
+    <a:masterClrMapping/>
+  </p:clrMapOvr>
+</p:sld>
+</file>
+
+<file path=ppt/slides/slide9.xml><?xml version="1.0" encoding="utf-8"?>
+<p:sld xmlns:a="http://schemas.openxmlformats.org/drawingml/2006/main" xmlns:r="http://schemas.openxmlformats.org/officeDocument/2006/relationships" xmlns:p="http://schemas.openxmlformats.org/presentationml/2006/main">
+  <p:cSld>
+    <p:spTree>
+      <p:nvGrpSpPr>
+        <p:cNvPr id="1" name=""/>
+        <p:cNvGrpSpPr/>
+        <p:nvPr/>
+      </p:nvGrpSpPr>
+      <p:grpSpPr>
+        <a:xfrm>
+          <a:off x="0" y="0"/>
+          <a:ext cx="0" cy="0"/>
+          <a:chOff x="0" y="0"/>
+          <a:chExt cx="0" cy="0"/>
+        </a:xfrm>
+      </p:grpSpPr>
+      <p:sp>
+        <p:nvSpPr>
+          <p:cNvPr id="2" name="Titolo 1">
+            <a:extLst>
+              <a:ext uri="{FF2B5EF4-FFF2-40B4-BE49-F238E27FC236}">
+                <a16:creationId xmlns:a16="http://schemas.microsoft.com/office/drawing/2014/main" id="{8FEEDE0B-9261-4D1E-198A-6D5018D53C79}"/>
+              </a:ext>
+            </a:extLst>
+          </p:cNvPr>
+          <p:cNvSpPr>
+            <a:spLocks noGrp="1"/>
+          </p:cNvSpPr>
+          <p:nvPr>
+            <p:ph type="title"/>
+          </p:nvPr>
+        </p:nvSpPr>
+        <p:spPr>
+          <a:xfrm>
+            <a:off x="454174" y="5033672"/>
+            <a:ext cx="8534400" cy="1507067"/>
+          </a:xfrm>
+        </p:spPr>
+        <p:txBody>
+          <a:bodyPr/>
+          <a:lstStyle/>
+          <a:p>
+            <a:r>
+              <a:rPr lang="it-IT" dirty="0"/>
+              <a:t>monitoring</a:t>
+            </a:r>
+          </a:p>
+        </p:txBody>
+      </p:sp>
+      <p:pic>
+        <p:nvPicPr>
+          <p:cNvPr id="4" name="Immagine 3" descr="Apache kafka - Download free icons">
+            <a:extLst>
+              <a:ext uri="{FF2B5EF4-FFF2-40B4-BE49-F238E27FC236}">
+                <a16:creationId xmlns:a16="http://schemas.microsoft.com/office/drawing/2014/main" id="{BA72B014-4EAB-9213-4691-64CA82F8BD7E}"/>
+              </a:ext>
+            </a:extLst>
+          </p:cNvPr>
+          <p:cNvPicPr>
+            <a:picLocks noChangeAspect="1"/>
+          </p:cNvPicPr>
+          <p:nvPr/>
+        </p:nvPicPr>
+        <p:blipFill>
+          <a:blip r:embed="rId2"/>
+          <a:stretch>
+            <a:fillRect/>
+          </a:stretch>
+        </p:blipFill>
+        <p:spPr>
+          <a:xfrm>
+            <a:off x="7657380" y="1437"/>
+            <a:ext cx="2024333" cy="2024333"/>
+          </a:xfrm>
+          <a:prstGeom prst="rect">
+            <a:avLst/>
+          </a:prstGeom>
+        </p:spPr>
+      </p:pic>
+      <p:pic>
+        <p:nvPicPr>
+          <p:cNvPr id="5" name="Immagine 4" descr="InfluxDB Driver for Tridium Niagara N4 | NiagaraMarketplace">
+            <a:extLst>
+              <a:ext uri="{FF2B5EF4-FFF2-40B4-BE49-F238E27FC236}">
+                <a16:creationId xmlns:a16="http://schemas.microsoft.com/office/drawing/2014/main" id="{C785FE91-9DF6-CC69-467B-4BFE68479CF1}"/>
+              </a:ext>
+            </a:extLst>
+          </p:cNvPr>
+          <p:cNvPicPr>
+            <a:picLocks noChangeAspect="1"/>
+          </p:cNvPicPr>
+          <p:nvPr/>
+        </p:nvPicPr>
+        <p:blipFill>
+          <a:blip r:embed="rId3"/>
+          <a:stretch>
+            <a:fillRect/>
+          </a:stretch>
+        </p:blipFill>
+        <p:spPr>
+          <a:xfrm>
+            <a:off x="1929711" y="168485"/>
+            <a:ext cx="1848390" cy="1862767"/>
+          </a:xfrm>
+          <a:prstGeom prst="rect">
+            <a:avLst/>
+          </a:prstGeom>
+        </p:spPr>
+      </p:pic>
+      <p:pic>
+        <p:nvPicPr>
+          <p:cNvPr id="3" name="Immagine 2" descr="Build a Homelab Dashboard: Part 5, Telegraf Introduction - Homelab Rat">
+            <a:extLst>
+              <a:ext uri="{FF2B5EF4-FFF2-40B4-BE49-F238E27FC236}">
+                <a16:creationId xmlns:a16="http://schemas.microsoft.com/office/drawing/2014/main" id="{03955BFA-8566-5E82-1BBC-324C825D3E8D}"/>
+              </a:ext>
+            </a:extLst>
+          </p:cNvPr>
+          <p:cNvPicPr>
+            <a:picLocks noChangeAspect="1"/>
+          </p:cNvPicPr>
+          <p:nvPr/>
+        </p:nvPicPr>
+        <p:blipFill>
+          <a:blip r:embed="rId4"/>
+          <a:stretch>
+            <a:fillRect/>
+          </a:stretch>
+        </p:blipFill>
+        <p:spPr>
+          <a:xfrm>
+            <a:off x="4609382" y="750628"/>
+            <a:ext cx="2743199" cy="612216"/>
+          </a:xfrm>
+          <a:prstGeom prst="rect">
+            <a:avLst/>
+          </a:prstGeom>
+        </p:spPr>
+      </p:pic>
+      <p:pic>
+        <p:nvPicPr>
+          <p:cNvPr id="7" name="Immagine 6" descr="Grafana - Wikipedia">
+            <a:extLst>
+              <a:ext uri="{FF2B5EF4-FFF2-40B4-BE49-F238E27FC236}">
+                <a16:creationId xmlns:a16="http://schemas.microsoft.com/office/drawing/2014/main" id="{A6FFB04F-38BE-B2A8-E62F-FB981C3ED1C4}"/>
+              </a:ext>
+            </a:extLst>
+          </p:cNvPr>
+          <p:cNvPicPr>
+            <a:picLocks noChangeAspect="1"/>
+          </p:cNvPicPr>
+          <p:nvPr/>
+        </p:nvPicPr>
+        <p:blipFill>
+          <a:blip r:embed="rId5"/>
+          <a:stretch>
+            <a:fillRect/>
+          </a:stretch>
+        </p:blipFill>
+        <p:spPr>
+          <a:xfrm>
+            <a:off x="2078966" y="3235951"/>
+            <a:ext cx="1923691" cy="1938852"/>
+          </a:xfrm>
+          <a:prstGeom prst="rect">
+            <a:avLst/>
+          </a:prstGeom>
+        </p:spPr>
+      </p:pic>
+      <p:pic>
+        <p:nvPicPr>
+          <p:cNvPr id="8" name="Immagine 7" descr="Prometheus (software) - Wikipedia">
+            <a:extLst>
+              <a:ext uri="{FF2B5EF4-FFF2-40B4-BE49-F238E27FC236}">
+                <a16:creationId xmlns:a16="http://schemas.microsoft.com/office/drawing/2014/main" id="{5B8C2A0A-32BE-DF66-94C0-5D00A02621F2}"/>
+              </a:ext>
+            </a:extLst>
+          </p:cNvPr>
+          <p:cNvPicPr>
+            <a:picLocks noChangeAspect="1"/>
+          </p:cNvPicPr>
+          <p:nvPr/>
+        </p:nvPicPr>
+        <p:blipFill>
+          <a:blip r:embed="rId6"/>
+          <a:stretch>
+            <a:fillRect/>
+          </a:stretch>
+        </p:blipFill>
+        <p:spPr>
+          <a:xfrm>
+            <a:off x="4551872" y="3118948"/>
+            <a:ext cx="1679276" cy="1684028"/>
+          </a:xfrm>
+          <a:prstGeom prst="rect">
+            <a:avLst/>
+          </a:prstGeom>
+        </p:spPr>
+      </p:pic>
+      <p:pic>
+        <p:nvPicPr>
+          <p:cNvPr id="10" name="Immagine 9" descr="Monitor Screen Sketch Computer PNG &amp; SVG Design For T-Shirts">
+            <a:extLst>
+              <a:ext uri="{FF2B5EF4-FFF2-40B4-BE49-F238E27FC236}">
+                <a16:creationId xmlns:a16="http://schemas.microsoft.com/office/drawing/2014/main" id="{B03B99E6-0AF0-8D8B-67C4-FFECFCDE846F}"/>
+              </a:ext>
+            </a:extLst>
+          </p:cNvPr>
+          <p:cNvPicPr>
+            <a:picLocks noChangeAspect="1"/>
+          </p:cNvPicPr>
+          <p:nvPr/>
+        </p:nvPicPr>
+        <p:blipFill>
+          <a:blip r:embed="rId7"/>
+          <a:stretch>
+            <a:fillRect/>
+          </a:stretch>
+        </p:blipFill>
+        <p:spPr>
+          <a:xfrm>
+            <a:off x="15775" y="1949529"/>
+            <a:ext cx="1751244" cy="1636226"/>
+          </a:xfrm>
+          <a:prstGeom prst="rect">
+            <a:avLst/>
+          </a:prstGeom>
+        </p:spPr>
+      </p:pic>
+      <p:pic>
+        <p:nvPicPr>
+          <p:cNvPr id="11" name="Immagine 10" descr="cadvisor">
+            <a:extLst>
+              <a:ext uri="{FF2B5EF4-FFF2-40B4-BE49-F238E27FC236}">
+                <a16:creationId xmlns:a16="http://schemas.microsoft.com/office/drawing/2014/main" id="{11033FE1-7E84-E63E-2DDC-6E1A69E79E21}"/>
+              </a:ext>
+            </a:extLst>
+          </p:cNvPr>
+          <p:cNvPicPr>
+            <a:picLocks noChangeAspect="1"/>
+          </p:cNvPicPr>
+          <p:nvPr/>
+        </p:nvPicPr>
+        <p:blipFill>
+          <a:blip r:embed="rId8"/>
+          <a:stretch>
+            <a:fillRect/>
+          </a:stretch>
+        </p:blipFill>
+        <p:spPr>
+          <a:xfrm>
+            <a:off x="6548976" y="5037646"/>
+            <a:ext cx="1610085" cy="1757273"/>
+          </a:xfrm>
+          <a:prstGeom prst="rect">
+            <a:avLst/>
+          </a:prstGeom>
+        </p:spPr>
+      </p:pic>
+      <p:pic>
+        <p:nvPicPr>
+          <p:cNvPr id="12" name="Immagine 11" descr="Research Computing Services / Platforms / Infrastructure / Ansible Roles / Node  Exporter Role · GitLab">
+            <a:extLst>
+              <a:ext uri="{FF2B5EF4-FFF2-40B4-BE49-F238E27FC236}">
+                <a16:creationId xmlns:a16="http://schemas.microsoft.com/office/drawing/2014/main" id="{A708B5CB-4500-C2CB-DD88-3F51520F9C4A}"/>
+              </a:ext>
+            </a:extLst>
+          </p:cNvPr>
+          <p:cNvPicPr>
+            <a:picLocks noChangeAspect="1"/>
+          </p:cNvPicPr>
+          <p:nvPr/>
+        </p:nvPicPr>
+        <p:blipFill>
+          <a:blip r:embed="rId9"/>
+          <a:stretch>
+            <a:fillRect/>
+          </a:stretch>
+        </p:blipFill>
+        <p:spPr>
+          <a:xfrm>
+            <a:off x="8369420" y="3076575"/>
+            <a:ext cx="2095500" cy="2228850"/>
+          </a:xfrm>
+          <a:prstGeom prst="rect">
+            <a:avLst/>
+          </a:prstGeom>
+        </p:spPr>
+      </p:pic>
+      <p:cxnSp>
+        <p:nvCxnSpPr>
+          <p:cNvPr id="14" name="Connettore 2 13">
+            <a:extLst>
+              <a:ext uri="{FF2B5EF4-FFF2-40B4-BE49-F238E27FC236}">
+                <a16:creationId xmlns:a16="http://schemas.microsoft.com/office/drawing/2014/main" id="{D3386A53-F06E-B6FD-CA21-36C87C85C00C}"/>
+              </a:ext>
+            </a:extLst>
+          </p:cNvPr>
+          <p:cNvCxnSpPr/>
+          <p:nvPr/>
+        </p:nvCxnSpPr>
+        <p:spPr>
+          <a:xfrm flipH="1" flipV="1">
+            <a:off x="9319405" y="1030856"/>
+            <a:ext cx="868392" cy="20128"/>
+          </a:xfrm>
+          <a:prstGeom prst="straightConnector1">
+            <a:avLst/>
+          </a:prstGeom>
+          <a:ln w="57150">
+            <a:solidFill>
+              <a:schemeClr val="accent1"/>
+            </a:solidFill>
+            <a:headEnd type="none"/>
+            <a:tailEnd type="triangle"/>
+          </a:ln>
+        </p:spPr>
+        <p:style>
+          <a:lnRef idx="1">
+            <a:schemeClr val="accent1"/>
+          </a:lnRef>
+          <a:fillRef idx="0">
+            <a:schemeClr val="accent1"/>
+          </a:fillRef>
+          <a:effectRef idx="0">
+            <a:schemeClr val="accent1"/>
+          </a:effectRef>
+          <a:fontRef idx="minor">
+            <a:schemeClr val="tx1"/>
+          </a:fontRef>
+        </p:style>
+      </p:cxnSp>
+      <p:cxnSp>
+        <p:nvCxnSpPr>
+          <p:cNvPr id="16" name="Connettore 2 15">
+            <a:extLst>
+              <a:ext uri="{FF2B5EF4-FFF2-40B4-BE49-F238E27FC236}">
+                <a16:creationId xmlns:a16="http://schemas.microsoft.com/office/drawing/2014/main" id="{4AD985D4-36E3-A2DD-B683-6BFF262A7AB2}"/>
+              </a:ext>
+            </a:extLst>
+          </p:cNvPr>
+          <p:cNvCxnSpPr/>
+          <p:nvPr/>
+        </p:nvCxnSpPr>
+        <p:spPr>
+          <a:xfrm flipH="1" flipV="1">
+            <a:off x="7421593" y="1117121"/>
+            <a:ext cx="595223" cy="5750"/>
+          </a:xfrm>
+          <a:prstGeom prst="straightConnector1">
+            <a:avLst/>
+          </a:prstGeom>
+          <a:ln w="57150">
+            <a:solidFill>
+              <a:schemeClr val="accent1"/>
+            </a:solidFill>
+            <a:headEnd type="none"/>
+            <a:tailEnd type="triangle"/>
+          </a:ln>
+        </p:spPr>
+        <p:style>
+          <a:lnRef idx="1">
+            <a:schemeClr val="accent1"/>
+          </a:lnRef>
+          <a:fillRef idx="0">
+            <a:schemeClr val="accent1"/>
+          </a:fillRef>
+          <a:effectRef idx="0">
+            <a:schemeClr val="accent1"/>
+          </a:effectRef>
+          <a:fontRef idx="minor">
+            <a:schemeClr val="tx1"/>
+          </a:fontRef>
+        </p:style>
+      </p:cxnSp>
+      <p:cxnSp>
+        <p:nvCxnSpPr>
+          <p:cNvPr id="18" name="Connettore 2 17">
+            <a:extLst>
+              <a:ext uri="{FF2B5EF4-FFF2-40B4-BE49-F238E27FC236}">
+                <a16:creationId xmlns:a16="http://schemas.microsoft.com/office/drawing/2014/main" id="{76B9753E-82B7-5BD1-B21C-C8B9A69E0392}"/>
+              </a:ext>
+            </a:extLst>
+          </p:cNvPr>
+          <p:cNvCxnSpPr/>
+          <p:nvPr/>
+        </p:nvCxnSpPr>
+        <p:spPr>
+          <a:xfrm flipH="1" flipV="1">
+            <a:off x="3769745" y="1160253"/>
+            <a:ext cx="782127" cy="5749"/>
+          </a:xfrm>
+          <a:prstGeom prst="straightConnector1">
+            <a:avLst/>
+          </a:prstGeom>
+          <a:ln w="57150">
+            <a:solidFill>
+              <a:schemeClr val="accent1"/>
+            </a:solidFill>
+            <a:headEnd type="none"/>
+            <a:tailEnd type="triangle"/>
+          </a:ln>
+        </p:spPr>
+        <p:style>
+          <a:lnRef idx="1">
+            <a:schemeClr val="accent1"/>
+          </a:lnRef>
+          <a:fillRef idx="0">
+            <a:schemeClr val="accent1"/>
+          </a:fillRef>
+          <a:effectRef idx="0">
+            <a:schemeClr val="accent1"/>
+          </a:effectRef>
+          <a:fontRef idx="minor">
+            <a:schemeClr val="tx1"/>
+          </a:fontRef>
+        </p:style>
+      </p:cxnSp>
+      <p:cxnSp>
+        <p:nvCxnSpPr>
+          <p:cNvPr id="20" name="Connettore 2 19">
+            <a:extLst>
+              <a:ext uri="{FF2B5EF4-FFF2-40B4-BE49-F238E27FC236}">
+                <a16:creationId xmlns:a16="http://schemas.microsoft.com/office/drawing/2014/main" id="{736D7979-1580-5F81-93E6-62560379A92F}"/>
+              </a:ext>
+            </a:extLst>
+          </p:cNvPr>
+          <p:cNvCxnSpPr/>
+          <p:nvPr/>
+        </p:nvCxnSpPr>
+        <p:spPr>
+          <a:xfrm flipH="1">
+            <a:off x="3094009" y="2028644"/>
+            <a:ext cx="5750" cy="1043797"/>
+          </a:xfrm>
+          <a:prstGeom prst="straightConnector1">
+            <a:avLst/>
+          </a:prstGeom>
+          <a:ln w="57150">
+            <a:solidFill>
+              <a:schemeClr val="accent1"/>
+            </a:solidFill>
+            <a:headEnd type="none"/>
+            <a:tailEnd type="triangle"/>
+          </a:ln>
+        </p:spPr>
+        <p:style>
+          <a:lnRef idx="1">
+            <a:schemeClr val="accent1"/>
+          </a:lnRef>
+          <a:fillRef idx="0">
+            <a:schemeClr val="accent1"/>
+          </a:fillRef>
+          <a:effectRef idx="0">
+            <a:schemeClr val="accent1"/>
+          </a:effectRef>
+          <a:fontRef idx="minor">
+            <a:schemeClr val="tx1"/>
+          </a:fontRef>
+        </p:style>
+      </p:cxnSp>
+      <p:cxnSp>
+        <p:nvCxnSpPr>
+          <p:cNvPr id="22" name="Connettore 2 21">
+            <a:extLst>
+              <a:ext uri="{FF2B5EF4-FFF2-40B4-BE49-F238E27FC236}">
+                <a16:creationId xmlns:a16="http://schemas.microsoft.com/office/drawing/2014/main" id="{DF2ADA63-A246-E6E1-C2C2-FD9943B17D8A}"/>
+              </a:ext>
+            </a:extLst>
+          </p:cNvPr>
+          <p:cNvCxnSpPr/>
+          <p:nvPr/>
+        </p:nvCxnSpPr>
+        <p:spPr>
+          <a:xfrm flipH="1" flipV="1">
+            <a:off x="3841632" y="4035723"/>
+            <a:ext cx="638353" cy="5751"/>
+          </a:xfrm>
+          <a:prstGeom prst="straightConnector1">
+            <a:avLst/>
+          </a:prstGeom>
+          <a:ln w="57150">
+            <a:solidFill>
+              <a:schemeClr val="accent1"/>
+            </a:solidFill>
+            <a:headEnd type="none"/>
+            <a:tailEnd type="triangle"/>
+          </a:ln>
+        </p:spPr>
+        <p:style>
+          <a:lnRef idx="1">
+            <a:schemeClr val="accent1"/>
+          </a:lnRef>
+          <a:fillRef idx="0">
+            <a:schemeClr val="accent1"/>
+          </a:fillRef>
+          <a:effectRef idx="0">
+            <a:schemeClr val="accent1"/>
+          </a:effectRef>
+          <a:fontRef idx="minor">
+            <a:schemeClr val="tx1"/>
+          </a:fontRef>
+        </p:style>
+      </p:cxnSp>
+      <p:cxnSp>
+        <p:nvCxnSpPr>
+          <p:cNvPr id="24" name="Connettore 2 23">
+            <a:extLst>
+              <a:ext uri="{FF2B5EF4-FFF2-40B4-BE49-F238E27FC236}">
+                <a16:creationId xmlns:a16="http://schemas.microsoft.com/office/drawing/2014/main" id="{816AC810-2B8F-27C1-AB66-0E0CC48305D8}"/>
+              </a:ext>
+            </a:extLst>
+          </p:cNvPr>
+          <p:cNvCxnSpPr/>
+          <p:nvPr/>
+        </p:nvCxnSpPr>
+        <p:spPr>
+          <a:xfrm flipH="1" flipV="1">
+            <a:off x="5940725" y="4754591"/>
+            <a:ext cx="724619" cy="566468"/>
+          </a:xfrm>
+          <a:prstGeom prst="straightConnector1">
+            <a:avLst/>
+          </a:prstGeom>
+          <a:ln w="57150">
+            <a:solidFill>
+              <a:schemeClr val="accent1"/>
+            </a:solidFill>
+            <a:headEnd type="none"/>
+            <a:tailEnd type="triangle"/>
+          </a:ln>
+        </p:spPr>
+        <p:style>
+          <a:lnRef idx="1">
+            <a:schemeClr val="accent1"/>
+          </a:lnRef>
+          <a:fillRef idx="0">
+            <a:schemeClr val="accent1"/>
+          </a:fillRef>
+          <a:effectRef idx="0">
+            <a:schemeClr val="accent1"/>
+          </a:effectRef>
+          <a:fontRef idx="minor">
+            <a:schemeClr val="tx1"/>
+          </a:fontRef>
+        </p:style>
+      </p:cxnSp>
+      <p:cxnSp>
+        <p:nvCxnSpPr>
+          <p:cNvPr id="26" name="Connettore 2 25">
+            <a:extLst>
+              <a:ext uri="{FF2B5EF4-FFF2-40B4-BE49-F238E27FC236}">
+                <a16:creationId xmlns:a16="http://schemas.microsoft.com/office/drawing/2014/main" id="{71E29587-446A-8AE5-C2BC-2257BED89513}"/>
+              </a:ext>
+            </a:extLst>
+          </p:cNvPr>
+          <p:cNvCxnSpPr/>
+          <p:nvPr/>
+        </p:nvCxnSpPr>
+        <p:spPr>
+          <a:xfrm flipH="1" flipV="1">
+            <a:off x="6257028" y="4165120"/>
+            <a:ext cx="2162353" cy="120768"/>
+          </a:xfrm>
+          <a:prstGeom prst="straightConnector1">
+            <a:avLst/>
+          </a:prstGeom>
+          <a:ln w="57150">
+            <a:solidFill>
+              <a:schemeClr val="accent1"/>
+            </a:solidFill>
+            <a:headEnd type="none"/>
+            <a:tailEnd type="triangle"/>
+          </a:ln>
+        </p:spPr>
+        <p:style>
+          <a:lnRef idx="1">
+            <a:schemeClr val="accent1"/>
+          </a:lnRef>
+          <a:fillRef idx="0">
+            <a:schemeClr val="accent1"/>
+          </a:fillRef>
+          <a:effectRef idx="0">
+            <a:schemeClr val="accent1"/>
+          </a:effectRef>
+          <a:fontRef idx="minor">
+            <a:schemeClr val="tx1"/>
+          </a:fontRef>
+        </p:style>
+      </p:cxnSp>
+      <p:cxnSp>
+        <p:nvCxnSpPr>
+          <p:cNvPr id="28" name="Connettore 2 27">
+            <a:extLst>
+              <a:ext uri="{FF2B5EF4-FFF2-40B4-BE49-F238E27FC236}">
+                <a16:creationId xmlns:a16="http://schemas.microsoft.com/office/drawing/2014/main" id="{1C5B8F07-0944-C706-85A6-89B129DB3FE7}"/>
+              </a:ext>
+            </a:extLst>
+          </p:cNvPr>
+          <p:cNvCxnSpPr/>
+          <p:nvPr/>
+        </p:nvCxnSpPr>
+        <p:spPr>
+          <a:xfrm flipH="1">
+            <a:off x="6070122" y="3236341"/>
+            <a:ext cx="365184" cy="123647"/>
+          </a:xfrm>
+          <a:prstGeom prst="straightConnector1">
+            <a:avLst/>
+          </a:prstGeom>
+          <a:ln w="57150">
+            <a:solidFill>
+              <a:schemeClr val="accent1"/>
+            </a:solidFill>
+            <a:headEnd type="none"/>
+            <a:tailEnd type="triangle"/>
+          </a:ln>
+        </p:spPr>
+        <p:style>
+          <a:lnRef idx="1">
+            <a:schemeClr val="accent1"/>
+          </a:lnRef>
+          <a:fillRef idx="0">
+            <a:schemeClr val="accent1"/>
+          </a:fillRef>
+          <a:effectRef idx="0">
+            <a:schemeClr val="accent1"/>
+          </a:effectRef>
+          <a:fontRef idx="minor">
+            <a:schemeClr val="tx1"/>
+          </a:fontRef>
+        </p:style>
+      </p:cxnSp>
+      <p:cxnSp>
+        <p:nvCxnSpPr>
+          <p:cNvPr id="30" name="Connettore 2 29">
+            <a:extLst>
+              <a:ext uri="{FF2B5EF4-FFF2-40B4-BE49-F238E27FC236}">
+                <a16:creationId xmlns:a16="http://schemas.microsoft.com/office/drawing/2014/main" id="{8E239BC2-4FDD-BD43-6F2C-4592C63B2910}"/>
+              </a:ext>
+            </a:extLst>
+          </p:cNvPr>
+          <p:cNvCxnSpPr/>
+          <p:nvPr/>
+        </p:nvCxnSpPr>
+        <p:spPr>
+          <a:xfrm flipH="1" flipV="1">
+            <a:off x="1742538" y="3129950"/>
+            <a:ext cx="623977" cy="336430"/>
+          </a:xfrm>
+          <a:prstGeom prst="straightConnector1">
+            <a:avLst/>
+          </a:prstGeom>
+          <a:ln w="57150">
+            <a:solidFill>
+              <a:schemeClr val="accent1"/>
+            </a:solidFill>
+            <a:headEnd type="none"/>
+            <a:tailEnd type="triangle"/>
+          </a:ln>
+        </p:spPr>
+        <p:style>
+          <a:lnRef idx="1">
+            <a:schemeClr val="accent1"/>
+          </a:lnRef>
+          <a:fillRef idx="0">
+            <a:schemeClr val="accent1"/>
+          </a:fillRef>
+          <a:effectRef idx="0">
+            <a:schemeClr val="accent1"/>
+          </a:effectRef>
+          <a:fontRef idx="minor">
+            <a:schemeClr val="tx1"/>
+          </a:fontRef>
+        </p:style>
+      </p:cxnSp>
+      <p:sp>
+        <p:nvSpPr>
+          <p:cNvPr id="33" name="Nuvola 32">
+            <a:extLst>
+              <a:ext uri="{FF2B5EF4-FFF2-40B4-BE49-F238E27FC236}">
+                <a16:creationId xmlns:a16="http://schemas.microsoft.com/office/drawing/2014/main" id="{2A28F309-1CC2-440D-F740-0406DD5C2B23}"/>
+              </a:ext>
+            </a:extLst>
+          </p:cNvPr>
+          <p:cNvSpPr/>
+          <p:nvPr/>
+        </p:nvSpPr>
+        <p:spPr>
+          <a:xfrm>
+            <a:off x="10358400" y="651703"/>
+            <a:ext cx="1611861" cy="835219"/>
+          </a:xfrm>
+          <a:prstGeom prst="cloud">
+            <a:avLst/>
+          </a:prstGeom>
+          <a:solidFill>
+            <a:schemeClr val="tx1">
+              <a:lumMod val="95000"/>
+            </a:schemeClr>
+          </a:solidFill>
+        </p:spPr>
+        <p:style>
+          <a:lnRef idx="2">
+            <a:schemeClr val="accent1">
+              <a:shade val="15000"/>
+            </a:schemeClr>
+          </a:lnRef>
+          <a:fillRef idx="1">
+            <a:schemeClr val="accent1"/>
+          </a:fillRef>
+          <a:effectRef idx="0">
+            <a:schemeClr val="accent1"/>
+          </a:effectRef>
+          <a:fontRef idx="minor">
+            <a:schemeClr val="lt1"/>
+          </a:fontRef>
+        </p:style>
+        <p:txBody>
+          <a:bodyPr lIns="91440" tIns="45720" rIns="91440" bIns="45720" rtlCol="0" anchor="ctr"/>
+          <a:lstStyle/>
+          <a:p>
+            <a:pPr algn="ctr"/>
+            <a:r>
+              <a:rPr lang="it-IT" dirty="0">
+                <a:solidFill>
+                  <a:schemeClr val="bg1"/>
+                </a:solidFill>
+              </a:rPr>
+              <a:t>INPUT FLOW</a:t>
+            </a:r>
+            <a:endParaRPr lang="it-IT" dirty="0"/>
+          </a:p>
+        </p:txBody>
+      </p:sp>
+      <p:pic>
+        <p:nvPicPr>
+          <p:cNvPr id="6" name="Picture 8" descr="WhiteBoard Coder: Prometheus and JMX">
+            <a:extLst>
+              <a:ext uri="{FF2B5EF4-FFF2-40B4-BE49-F238E27FC236}">
+                <a16:creationId xmlns:a16="http://schemas.microsoft.com/office/drawing/2014/main" id="{1C7EAB98-EC82-E0C2-56E7-3456BCCBCF63}"/>
+              </a:ext>
+            </a:extLst>
+          </p:cNvPr>
+          <p:cNvPicPr>
+            <a:picLocks noChangeAspect="1" noChangeArrowheads="1"/>
+          </p:cNvPicPr>
+          <p:nvPr/>
+        </p:nvPicPr>
+        <p:blipFill>
+          <a:blip r:embed="rId10">
+            <a:extLst>
+              <a:ext uri="{28A0092B-C50C-407E-A947-70E740481C1C}">
+                <a14:useLocalDpi xmlns:a14="http://schemas.microsoft.com/office/drawing/2010/main" val="0"/>
+              </a:ext>
+            </a:extLst>
+          </a:blip>
+          <a:srcRect/>
+          <a:stretch>
+            <a:fillRect/>
+          </a:stretch>
+        </p:blipFill>
+        <p:spPr bwMode="auto">
+          <a:xfrm>
+            <a:off x="6405558" y="2025770"/>
+            <a:ext cx="1476424" cy="1476424"/>
+          </a:xfrm>
+          <a:prstGeom prst="rect">
+            <a:avLst/>
+          </a:prstGeom>
+          <a:noFill/>
+          <a:extLst>
+            <a:ext uri="{909E8E84-426E-40DD-AFC4-6F175D3DCCD1}">
+              <a14:hiddenFill xmlns:a14="http://schemas.microsoft.com/office/drawing/2010/main">
+                <a:solidFill>
+                  <a:srgbClr val="FFFFFF"/>
+                </a:solidFill>
+              </a14:hiddenFill>
+            </a:ext>
+          </a:extLst>
+        </p:spPr>
+      </p:pic>
+      <p:cxnSp>
+        <p:nvCxnSpPr>
+          <p:cNvPr id="9" name="Connettore 2 8">
+            <a:extLst>
+              <a:ext uri="{FF2B5EF4-FFF2-40B4-BE49-F238E27FC236}">
+                <a16:creationId xmlns:a16="http://schemas.microsoft.com/office/drawing/2014/main" id="{BB469B1A-8320-A711-B3AC-294AA1EC09B5}"/>
+              </a:ext>
+            </a:extLst>
+          </p:cNvPr>
+          <p:cNvCxnSpPr>
+            <a:cxnSpLocks/>
+          </p:cNvCxnSpPr>
+          <p:nvPr/>
+        </p:nvCxnSpPr>
+        <p:spPr>
+          <a:xfrm flipH="1">
+            <a:off x="7793877" y="1824406"/>
+            <a:ext cx="392904" cy="325011"/>
+          </a:xfrm>
+          <a:prstGeom prst="straightConnector1">
+            <a:avLst/>
+          </a:prstGeom>
+          <a:ln w="57150">
+            <a:solidFill>
+              <a:schemeClr val="accent1"/>
+            </a:solidFill>
+            <a:headEnd type="none"/>
+            <a:tailEnd type="triangle"/>
+          </a:ln>
+        </p:spPr>
+        <p:style>
+          <a:lnRef idx="1">
+            <a:schemeClr val="accent1"/>
+          </a:lnRef>
+          <a:fillRef idx="0">
+            <a:schemeClr val="accent1"/>
+          </a:fillRef>
+          <a:effectRef idx="0">
+            <a:schemeClr val="accent1"/>
+          </a:effectRef>
+          <a:fontRef idx="minor">
+            <a:schemeClr val="tx1"/>
+          </a:fontRef>
+        </p:style>
+      </p:cxnSp>
+    </p:spTree>
+    <p:extLst>
+      <p:ext uri="{BB962C8B-B14F-4D97-AF65-F5344CB8AC3E}">
+        <p14:creationId xmlns:p14="http://schemas.microsoft.com/office/powerpoint/2010/main" val="3721603975"/>
       </p:ext>
     </p:extLst>
   </p:cSld>
